--- a/TH1/Final.pptx
+++ b/TH1/Final.pptx
@@ -5,7 +5,7 @@
     <p:sldMasterId id="2147483648" r:id="rId1"/>
   </p:sldMasterIdLst>
   <p:notesMasterIdLst>
-    <p:notesMasterId r:id="rId23"/>
+    <p:notesMasterId r:id="rId24"/>
   </p:notesMasterIdLst>
   <p:sldIdLst>
     <p:sldId id="256" r:id="rId2"/>
@@ -26,9 +26,10 @@
     <p:sldId id="274" r:id="rId17"/>
     <p:sldId id="275" r:id="rId18"/>
     <p:sldId id="276" r:id="rId19"/>
-    <p:sldId id="269" r:id="rId20"/>
-    <p:sldId id="271" r:id="rId21"/>
-    <p:sldId id="279" r:id="rId22"/>
+    <p:sldId id="286" r:id="rId20"/>
+    <p:sldId id="269" r:id="rId21"/>
+    <p:sldId id="271" r:id="rId22"/>
+    <p:sldId id="279" r:id="rId23"/>
   </p:sldIdLst>
   <p:sldSz cx="12192000" cy="6858000"/>
   <p:notesSz cx="6858000" cy="9144000"/>
@@ -277,7 +278,7 @@
       </p15:sldGuideLst>
     </p:ext>
     <p:ext uri="http://customooxmlschemas.google.com/">
-      <go:slidesCustomData xmlns="" xmlns:mc="http://schemas.openxmlformats.org/markup-compatibility/2006" xmlns:mv="urn:schemas-microsoft-com:mac:vml" xmlns:c="http://schemas.openxmlformats.org/drawingml/2006/chart" xmlns:dgm="http://schemas.openxmlformats.org/drawingml/2006/diagram" xmlns:o="urn:schemas-microsoft-com:office:office" xmlns:v="urn:schemas-microsoft-com:vml" xmlns:pvml="urn:schemas-microsoft-com:office:powerpoint" xmlns:com="http://schemas.openxmlformats.org/drawingml/2006/compatibility" xmlns:p14="http://schemas.microsoft.com/office/powerpoint/2010/main" xmlns:p15="http://schemas.microsoft.com/office/powerpoint/2012/main" xmlns:ahyp="http://schemas.microsoft.com/office/drawing/2018/hyperlinkcolor" xmlns:go="http://customooxmlschemas.google.com/" r:id="rId24" roundtripDataSignature="AMtx7mhoq0TkclQKjBSroxzJOyhUTDGeHw=="/>
+      <go:slidesCustomData xmlns:go="http://customooxmlschemas.google.com/" xmlns:ahyp="http://schemas.microsoft.com/office/drawing/2018/hyperlinkcolor" xmlns:p15="http://schemas.microsoft.com/office/powerpoint/2012/main" xmlns:p14="http://schemas.microsoft.com/office/powerpoint/2010/main" xmlns:com="http://schemas.openxmlformats.org/drawingml/2006/compatibility" xmlns:pvml="urn:schemas-microsoft-com:office:powerpoint" xmlns:v="urn:schemas-microsoft-com:vml" xmlns:o="urn:schemas-microsoft-com:office:office" xmlns:dgm="http://schemas.openxmlformats.org/drawingml/2006/diagram" xmlns:c="http://schemas.openxmlformats.org/drawingml/2006/chart" xmlns:mv="urn:schemas-microsoft-com:mac:vml" xmlns:mc="http://schemas.openxmlformats.org/markup-compatibility/2006" xmlns="" r:id="rId25" roundtripDataSignature="AMtx7mhoq0TkclQKjBSroxzJOyhUTDGeHw=="/>
     </p:ext>
   </p:extLst>
 </p:presentation>
@@ -3239,7 +3240,7 @@
   <p:cSld>
     <p:spTree>
       <p:nvGrpSpPr>
-        <p:cNvPr id="1" name="Shape 184"/>
+        <p:cNvPr id="1" name="Shape 140"/>
         <p:cNvGrpSpPr/>
         <p:nvPr/>
       </p:nvGrpSpPr>
@@ -3253,45 +3254,7 @@
       </p:grpSpPr>
       <p:sp>
         <p:nvSpPr>
-          <p:cNvPr id="185" name="Google Shape;185;p29:notes"/>
-          <p:cNvSpPr txBox="1">
-            <a:spLocks noGrp="1"/>
-          </p:cNvSpPr>
-          <p:nvPr>
-            <p:ph type="body" idx="1"/>
-          </p:nvPr>
-        </p:nvSpPr>
-        <p:spPr>
-          <a:xfrm>
-            <a:off x="685800" y="4400550"/>
-            <a:ext cx="5486400" cy="3600450"/>
-          </a:xfrm>
-          <a:prstGeom prst="rect">
-            <a:avLst/>
-          </a:prstGeom>
-        </p:spPr>
-        <p:txBody>
-          <a:bodyPr spcFirstLastPara="1" wrap="square" lIns="91425" tIns="45700" rIns="91425" bIns="45700" anchor="t" anchorCtr="0">
-            <a:noAutofit/>
-          </a:bodyPr>
-          <a:lstStyle/>
-          <a:p>
-            <a:pPr marL="0" lvl="0" indent="0" algn="l" rtl="0">
-              <a:spcBef>
-                <a:spcPts val="0"/>
-              </a:spcBef>
-              <a:spcAft>
-                <a:spcPts val="0"/>
-              </a:spcAft>
-              <a:buNone/>
-            </a:pPr>
-            <a:endParaRPr/>
-          </a:p>
-        </p:txBody>
-      </p:sp>
-      <p:sp>
-        <p:nvSpPr>
-          <p:cNvPr id="186" name="Google Shape;186;p29:notes"/>
+          <p:cNvPr id="141" name="Google Shape;141;p23:notes"/>
           <p:cNvSpPr>
             <a:spLocks noGrp="1" noRot="1" noChangeAspect="1"/>
           </p:cNvSpPr>
@@ -3328,9 +3291,132 @@
               </a:path>
             </a:pathLst>
           </a:custGeom>
+          <a:noFill/>
+          <a:ln w="12700" cap="flat" cmpd="sng">
+            <a:solidFill>
+              <a:srgbClr val="000000"/>
+            </a:solidFill>
+            <a:prstDash val="solid"/>
+            <a:round/>
+            <a:headEnd type="none" w="sm" len="sm"/>
+            <a:tailEnd type="none" w="sm" len="sm"/>
+          </a:ln>
         </p:spPr>
       </p:sp>
+      <p:sp>
+        <p:nvSpPr>
+          <p:cNvPr id="142" name="Google Shape;142;p23:notes"/>
+          <p:cNvSpPr txBox="1">
+            <a:spLocks noGrp="1"/>
+          </p:cNvSpPr>
+          <p:nvPr>
+            <p:ph type="body" idx="1"/>
+          </p:nvPr>
+        </p:nvSpPr>
+        <p:spPr>
+          <a:xfrm>
+            <a:off x="685800" y="4400550"/>
+            <a:ext cx="5486400" cy="3600450"/>
+          </a:xfrm>
+          <a:prstGeom prst="rect">
+            <a:avLst/>
+          </a:prstGeom>
+          <a:noFill/>
+          <a:ln>
+            <a:noFill/>
+          </a:ln>
+        </p:spPr>
+        <p:txBody>
+          <a:bodyPr spcFirstLastPara="1" wrap="square" lIns="91425" tIns="45700" rIns="91425" bIns="45700" anchor="t" anchorCtr="0">
+            <a:noAutofit/>
+          </a:bodyPr>
+          <a:lstStyle/>
+          <a:p>
+            <a:pPr marL="0" marR="0" lvl="0" indent="0" algn="l" rtl="0">
+              <a:lnSpc>
+                <a:spcPct val="100000"/>
+              </a:lnSpc>
+              <a:spcBef>
+                <a:spcPts val="0"/>
+              </a:spcBef>
+              <a:spcAft>
+                <a:spcPts val="0"/>
+              </a:spcAft>
+              <a:buClr>
+                <a:schemeClr val="dk1"/>
+              </a:buClr>
+              <a:buSzPts val="1200"/>
+              <a:buFont typeface="Arial"/>
+              <a:buNone/>
+            </a:pPr>
+            <a:endParaRPr sz="1200" b="0" i="0">
+              <a:solidFill>
+                <a:schemeClr val="dk1"/>
+              </a:solidFill>
+              <a:latin typeface="Arial"/>
+              <a:ea typeface="Arial"/>
+              <a:cs typeface="Arial"/>
+              <a:sym typeface="Arial"/>
+            </a:endParaRPr>
+          </a:p>
+        </p:txBody>
+      </p:sp>
+      <p:sp>
+        <p:nvSpPr>
+          <p:cNvPr id="143" name="Google Shape;143;p23:notes"/>
+          <p:cNvSpPr txBox="1">
+            <a:spLocks noGrp="1"/>
+          </p:cNvSpPr>
+          <p:nvPr>
+            <p:ph type="sldNum" idx="12"/>
+          </p:nvPr>
+        </p:nvSpPr>
+        <p:spPr>
+          <a:xfrm>
+            <a:off x="3884613" y="8685213"/>
+            <a:ext cx="2971800" cy="458787"/>
+          </a:xfrm>
+          <a:prstGeom prst="rect">
+            <a:avLst/>
+          </a:prstGeom>
+          <a:noFill/>
+          <a:ln>
+            <a:noFill/>
+          </a:ln>
+        </p:spPr>
+        <p:txBody>
+          <a:bodyPr spcFirstLastPara="1" wrap="square" lIns="91425" tIns="45700" rIns="91425" bIns="45700" anchor="b" anchorCtr="0">
+            <a:noAutofit/>
+          </a:bodyPr>
+          <a:lstStyle/>
+          <a:p>
+            <a:pPr marL="0" lvl="0" indent="0" algn="r" rtl="0">
+              <a:lnSpc>
+                <a:spcPct val="100000"/>
+              </a:lnSpc>
+              <a:spcBef>
+                <a:spcPts val="0"/>
+              </a:spcBef>
+              <a:spcAft>
+                <a:spcPts val="0"/>
+              </a:spcAft>
+              <a:buSzPts val="1400"/>
+              <a:buNone/>
+            </a:pPr>
+            <a:fld id="{00000000-1234-1234-1234-123412341234}" type="slidenum">
+              <a:rPr lang="en-US"/>
+              <a:t>19</a:t>
+            </a:fld>
+            <a:endParaRPr/>
+          </a:p>
+        </p:txBody>
+      </p:sp>
     </p:spTree>
+    <p:extLst>
+      <p:ext uri="{BB962C8B-B14F-4D97-AF65-F5344CB8AC3E}">
+        <p14:creationId xmlns:p14="http://schemas.microsoft.com/office/powerpoint/2010/main" val="2935315737"/>
+      </p:ext>
+    </p:extLst>
   </p:cSld>
   <p:clrMapOvr>
     <a:masterClrMapping/>
@@ -3465,6 +3551,110 @@
   <p:cSld>
     <p:spTree>
       <p:nvGrpSpPr>
+        <p:cNvPr id="1" name="Shape 184"/>
+        <p:cNvGrpSpPr/>
+        <p:nvPr/>
+      </p:nvGrpSpPr>
+      <p:grpSpPr>
+        <a:xfrm>
+          <a:off x="0" y="0"/>
+          <a:ext cx="0" cy="0"/>
+          <a:chOff x="0" y="0"/>
+          <a:chExt cx="0" cy="0"/>
+        </a:xfrm>
+      </p:grpSpPr>
+      <p:sp>
+        <p:nvSpPr>
+          <p:cNvPr id="185" name="Google Shape;185;p29:notes"/>
+          <p:cNvSpPr txBox="1">
+            <a:spLocks noGrp="1"/>
+          </p:cNvSpPr>
+          <p:nvPr>
+            <p:ph type="body" idx="1"/>
+          </p:nvPr>
+        </p:nvSpPr>
+        <p:spPr>
+          <a:xfrm>
+            <a:off x="685800" y="4400550"/>
+            <a:ext cx="5486400" cy="3600450"/>
+          </a:xfrm>
+          <a:prstGeom prst="rect">
+            <a:avLst/>
+          </a:prstGeom>
+        </p:spPr>
+        <p:txBody>
+          <a:bodyPr spcFirstLastPara="1" wrap="square" lIns="91425" tIns="45700" rIns="91425" bIns="45700" anchor="t" anchorCtr="0">
+            <a:noAutofit/>
+          </a:bodyPr>
+          <a:lstStyle/>
+          <a:p>
+            <a:pPr marL="0" lvl="0" indent="0" algn="l" rtl="0">
+              <a:spcBef>
+                <a:spcPts val="0"/>
+              </a:spcBef>
+              <a:spcAft>
+                <a:spcPts val="0"/>
+              </a:spcAft>
+              <a:buNone/>
+            </a:pPr>
+            <a:endParaRPr/>
+          </a:p>
+        </p:txBody>
+      </p:sp>
+      <p:sp>
+        <p:nvSpPr>
+          <p:cNvPr id="186" name="Google Shape;186;p29:notes"/>
+          <p:cNvSpPr>
+            <a:spLocks noGrp="1" noRot="1" noChangeAspect="1"/>
+          </p:cNvSpPr>
+          <p:nvPr>
+            <p:ph type="sldImg" idx="2"/>
+          </p:nvPr>
+        </p:nvSpPr>
+        <p:spPr>
+          <a:xfrm>
+            <a:off x="685800" y="1143000"/>
+            <a:ext cx="5486400" cy="3086100"/>
+          </a:xfrm>
+          <a:custGeom>
+            <a:avLst/>
+            <a:gdLst/>
+            <a:ahLst/>
+            <a:cxnLst/>
+            <a:rect l="l" t="t" r="r" b="b"/>
+            <a:pathLst>
+              <a:path w="120000" h="120000" extrusionOk="0">
+                <a:moveTo>
+                  <a:pt x="0" y="0"/>
+                </a:moveTo>
+                <a:lnTo>
+                  <a:pt x="120000" y="0"/>
+                </a:lnTo>
+                <a:lnTo>
+                  <a:pt x="120000" y="120000"/>
+                </a:lnTo>
+                <a:lnTo>
+                  <a:pt x="0" y="120000"/>
+                </a:lnTo>
+                <a:close/>
+              </a:path>
+            </a:pathLst>
+          </a:custGeom>
+        </p:spPr>
+      </p:sp>
+    </p:spTree>
+  </p:cSld>
+  <p:clrMapOvr>
+    <a:masterClrMapping/>
+  </p:clrMapOvr>
+</p:notes>
+</file>
+
+<file path=ppt/notesSlides/notesSlide21.xml><?xml version="1.0" encoding="utf-8"?>
+<p:notes xmlns:a="http://schemas.openxmlformats.org/drawingml/2006/main" xmlns:r="http://schemas.openxmlformats.org/officeDocument/2006/relationships" xmlns:p="http://schemas.openxmlformats.org/presentationml/2006/main" showMasterSp="0" showMasterPhAnim="0">
+  <p:cSld>
+    <p:spTree>
+      <p:nvGrpSpPr>
         <p:cNvPr id="1" name="Shape 197"/>
         <p:cNvGrpSpPr/>
         <p:nvPr/>
@@ -3564,7 +3754,7 @@
 </p:notes>
 </file>
 
-<file path=ppt/notesSlides/notesSlide21.xml><?xml version="1.0" encoding="utf-8"?>
+<file path=ppt/notesSlides/notesSlide22.xml><?xml version="1.0" encoding="utf-8"?>
 <p:notes xmlns:a="http://schemas.openxmlformats.org/drawingml/2006/main" xmlns:r="http://schemas.openxmlformats.org/officeDocument/2006/relationships" xmlns:p="http://schemas.openxmlformats.org/presentationml/2006/main" showMasterSp="0" showMasterPhAnim="0">
   <p:cSld>
     <p:spTree>
@@ -18648,7 +18838,7 @@
         <p:fade/>
       </p:transition>
     </mc:Choice>
-    <mc:Fallback xmlns="" xmlns:mv="urn:schemas-microsoft-com:mac:vml" xmlns:c="http://schemas.openxmlformats.org/drawingml/2006/chart" xmlns:dgm="http://schemas.openxmlformats.org/drawingml/2006/diagram" xmlns:o="urn:schemas-microsoft-com:office:office" xmlns:v="urn:schemas-microsoft-com:vml" xmlns:pvml="urn:schemas-microsoft-com:office:powerpoint" xmlns:com="http://schemas.openxmlformats.org/drawingml/2006/compatibility" xmlns:p15="http://schemas.microsoft.com/office/powerpoint/2012/main" xmlns:ahyp="http://schemas.microsoft.com/office/drawing/2018/hyperlinkcolor">
+    <mc:Fallback xmlns:ahyp="http://schemas.microsoft.com/office/drawing/2018/hyperlinkcolor" xmlns:p15="http://schemas.microsoft.com/office/powerpoint/2012/main" xmlns:com="http://schemas.openxmlformats.org/drawingml/2006/compatibility" xmlns:pvml="urn:schemas-microsoft-com:office:powerpoint" xmlns:v="urn:schemas-microsoft-com:vml" xmlns:o="urn:schemas-microsoft-com:office:office" xmlns:dgm="http://schemas.openxmlformats.org/drawingml/2006/diagram" xmlns:c="http://schemas.openxmlformats.org/drawingml/2006/chart" xmlns:mv="urn:schemas-microsoft-com:mac:vml" xmlns="">
       <p:transition spd="slow">
         <p:fade/>
       </p:transition>
@@ -18962,141 +19152,42 @@
             </a:pPr>
             <a:r>
               <a:rPr lang="en-US" sz="2800" dirty="0"/>
-              <a:t>45MDV</a:t>
+              <a:t>04MHB-05MVB</a:t>
             </a:r>
             <a:endParaRPr sz="2800" dirty="0"/>
           </a:p>
         </p:txBody>
       </p:sp>
-      <p:sp>
-        <p:nvSpPr>
-          <p:cNvPr id="12" name="TextBox 11">
+      <p:pic>
+        <p:nvPicPr>
+          <p:cNvPr id="3" name="Picture 2">
             <a:extLst>
               <a:ext uri="{FF2B5EF4-FFF2-40B4-BE49-F238E27FC236}">
-                <a16:creationId xmlns:a16="http://schemas.microsoft.com/office/drawing/2014/main" id="{C97EF5C4-0909-0742-AF5F-97C07A9FE67F}"/>
+                <a16:creationId xmlns:a16="http://schemas.microsoft.com/office/drawing/2014/main" id="{01BD3AC3-BD3B-8648-AB39-FCD4102A8C1D}"/>
               </a:ext>
             </a:extLst>
           </p:cNvPr>
-          <p:cNvSpPr txBox="1"/>
+          <p:cNvPicPr>
+            <a:picLocks noChangeAspect="1"/>
+          </p:cNvPicPr>
           <p:nvPr/>
-        </p:nvSpPr>
+        </p:nvPicPr>
+        <p:blipFill>
+          <a:blip r:embed="rId3"/>
+          <a:stretch>
+            <a:fillRect/>
+          </a:stretch>
+        </p:blipFill>
         <p:spPr>
           <a:xfrm>
-            <a:off x="6096000" y="1330957"/>
-            <a:ext cx="4263390" cy="369332"/>
+            <a:off x="257210" y="1314450"/>
+            <a:ext cx="11645229" cy="5073993"/>
           </a:xfrm>
           <a:prstGeom prst="rect">
             <a:avLst/>
           </a:prstGeom>
-          <a:noFill/>
         </p:spPr>
-        <p:txBody>
-          <a:bodyPr wrap="square" rtlCol="0">
-            <a:spAutoFit/>
-          </a:bodyPr>
-          <a:lstStyle/>
-          <a:p>
-            <a:r>
-              <a:rPr lang="en-VN" sz="1800" b="1" dirty="0">
-                <a:solidFill>
-                  <a:schemeClr val="bg2">
-                    <a:lumMod val="50000"/>
-                  </a:schemeClr>
-                </a:solidFill>
-              </a:rPr>
-              <a:t>So sánh với Wave Suffer</a:t>
-            </a:r>
-          </a:p>
-        </p:txBody>
-      </p:sp>
-      <p:sp>
-        <p:nvSpPr>
-          <p:cNvPr id="2" name="TextBox 1">
-            <a:extLst>
-              <a:ext uri="{FF2B5EF4-FFF2-40B4-BE49-F238E27FC236}">
-                <a16:creationId xmlns:a16="http://schemas.microsoft.com/office/drawing/2014/main" id="{BA93B098-D4A2-B948-8040-DD51607F5E44}"/>
-              </a:ext>
-            </a:extLst>
-          </p:cNvPr>
-          <p:cNvSpPr txBox="1"/>
-          <p:nvPr/>
-        </p:nvSpPr>
-        <p:spPr>
-          <a:xfrm>
-            <a:off x="6108125" y="4535871"/>
-            <a:ext cx="4517834" cy="2031325"/>
-          </a:xfrm>
-          <a:prstGeom prst="rect">
-            <a:avLst/>
-          </a:prstGeom>
-          <a:noFill/>
-        </p:spPr>
-        <p:txBody>
-          <a:bodyPr wrap="square" rtlCol="0">
-            <a:spAutoFit/>
-          </a:bodyPr>
-          <a:lstStyle/>
-          <a:p>
-            <a:r>
-              <a:rPr lang="en-VN" dirty="0"/>
-              <a:t>&gt;&gt;&gt; Nhận xét:</a:t>
-            </a:r>
-          </a:p>
-          <a:p>
-            <a:pPr marL="285750" indent="-285750">
-              <a:buFontTx/>
-              <a:buChar char="-"/>
-            </a:pPr>
-            <a:r>
-              <a:rPr lang="en-VN" dirty="0"/>
-              <a:t>Phân đoạn speech và silence sai số nhỏ : ~0.05s</a:t>
-            </a:r>
-          </a:p>
-          <a:p>
-            <a:pPr marL="285750" indent="-285750">
-              <a:buFontTx/>
-              <a:buChar char="-"/>
-            </a:pPr>
-            <a:r>
-              <a:rPr lang="en-VN" dirty="0"/>
-              <a:t>Đường F0 cơ bản giống với kết quả, nhưng độ lệch còn lớn.</a:t>
-            </a:r>
-          </a:p>
-          <a:p>
-            <a:pPr marL="285750" indent="-285750">
-              <a:buFontTx/>
-              <a:buChar char="-"/>
-            </a:pPr>
-            <a:r>
-              <a:rPr lang="en-VN" dirty="0"/>
-              <a:t>Kết quả cuối cùng F0mean : lệch 39Hz</a:t>
-            </a:r>
-          </a:p>
-          <a:p>
-            <a:pPr marL="285750" indent="-285750">
-              <a:buFontTx/>
-              <a:buChar char="-"/>
-            </a:pPr>
-            <a:r>
-              <a:rPr lang="en-VN" dirty="0"/>
-              <a:t>F0 std lệch 10hz</a:t>
-            </a:r>
-          </a:p>
-          <a:p>
-            <a:endParaRPr lang="en-VN" dirty="0"/>
-          </a:p>
-          <a:p>
-            <a:pPr marL="285750" indent="-285750">
-              <a:buFontTx/>
-              <a:buChar char="-"/>
-            </a:pPr>
-            <a:r>
-              <a:rPr lang="en-VN" dirty="0"/>
-              <a:t>Sai số do cuối mỗi nguyên âm có hơi thở lẫn vào, do bước chọn hài chưa được chính xác.</a:t>
-            </a:r>
-          </a:p>
-        </p:txBody>
-      </p:sp>
+      </p:pic>
     </p:spTree>
   </p:cSld>
   <p:clrMapOvr>
@@ -19108,7 +19199,7 @@
         <p:fade/>
       </p:transition>
     </mc:Choice>
-    <mc:Fallback xmlns="" xmlns:mv="urn:schemas-microsoft-com:mac:vml" xmlns:c="http://schemas.openxmlformats.org/drawingml/2006/chart" xmlns:dgm="http://schemas.openxmlformats.org/drawingml/2006/diagram" xmlns:o="urn:schemas-microsoft-com:office:office" xmlns:v="urn:schemas-microsoft-com:vml" xmlns:pvml="urn:schemas-microsoft-com:office:powerpoint" xmlns:com="http://schemas.openxmlformats.org/drawingml/2006/compatibility" xmlns:p15="http://schemas.microsoft.com/office/powerpoint/2012/main" xmlns:ahyp="http://schemas.microsoft.com/office/drawing/2018/hyperlinkcolor">
+    <mc:Fallback xmlns:ahyp="http://schemas.microsoft.com/office/drawing/2018/hyperlinkcolor" xmlns:p15="http://schemas.microsoft.com/office/powerpoint/2012/main" xmlns:com="http://schemas.openxmlformats.org/drawingml/2006/compatibility" xmlns:pvml="urn:schemas-microsoft-com:office:powerpoint" xmlns:v="urn:schemas-microsoft-com:vml" xmlns:o="urn:schemas-microsoft-com:office:office" xmlns:dgm="http://schemas.openxmlformats.org/drawingml/2006/diagram" xmlns:c="http://schemas.openxmlformats.org/drawingml/2006/chart" xmlns:mv="urn:schemas-microsoft-com:mac:vml" xmlns="">
       <p:transition spd="slow">
         <p:fade/>
       </p:transition>
@@ -19182,149 +19273,42 @@
             </a:pPr>
             <a:r>
               <a:rPr lang="en-US" sz="2800" dirty="0"/>
-              <a:t>44MTT</a:t>
+              <a:t>07FTC-08MLD</a:t>
             </a:r>
             <a:endParaRPr sz="2800" dirty="0"/>
           </a:p>
         </p:txBody>
       </p:sp>
-      <p:sp>
-        <p:nvSpPr>
-          <p:cNvPr id="11" name="TextBox 10">
+      <p:pic>
+        <p:nvPicPr>
+          <p:cNvPr id="2" name="Picture 1">
             <a:extLst>
               <a:ext uri="{FF2B5EF4-FFF2-40B4-BE49-F238E27FC236}">
-                <a16:creationId xmlns:a16="http://schemas.microsoft.com/office/drawing/2014/main" id="{15ABC423-1340-0241-B249-DB632B867F86}"/>
+                <a16:creationId xmlns:a16="http://schemas.microsoft.com/office/drawing/2014/main" id="{C00E36A5-9B60-E746-ADB7-D7755D73BE4A}"/>
               </a:ext>
             </a:extLst>
           </p:cNvPr>
-          <p:cNvSpPr txBox="1"/>
+          <p:cNvPicPr>
+            <a:picLocks noChangeAspect="1"/>
+          </p:cNvPicPr>
           <p:nvPr/>
-        </p:nvSpPr>
+        </p:nvPicPr>
+        <p:blipFill>
+          <a:blip r:embed="rId3"/>
+          <a:stretch>
+            <a:fillRect/>
+          </a:stretch>
+        </p:blipFill>
         <p:spPr>
           <a:xfrm>
-            <a:off x="6373962" y="1257366"/>
-            <a:ext cx="4263390" cy="369332"/>
+            <a:off x="111211" y="1333840"/>
+            <a:ext cx="11367957" cy="5029890"/>
           </a:xfrm>
           <a:prstGeom prst="rect">
             <a:avLst/>
           </a:prstGeom>
-          <a:noFill/>
         </p:spPr>
-        <p:txBody>
-          <a:bodyPr wrap="square" rtlCol="0">
-            <a:spAutoFit/>
-          </a:bodyPr>
-          <a:lstStyle/>
-          <a:p>
-            <a:r>
-              <a:rPr lang="en-VN" sz="1800" b="1" dirty="0">
-                <a:solidFill>
-                  <a:schemeClr val="bg2">
-                    <a:lumMod val="50000"/>
-                  </a:schemeClr>
-                </a:solidFill>
-              </a:rPr>
-              <a:t>So sánh với Wave Suffer</a:t>
-            </a:r>
-          </a:p>
-        </p:txBody>
-      </p:sp>
-      <p:sp>
-        <p:nvSpPr>
-          <p:cNvPr id="10" name="TextBox 9">
-            <a:extLst>
-              <a:ext uri="{FF2B5EF4-FFF2-40B4-BE49-F238E27FC236}">
-                <a16:creationId xmlns:a16="http://schemas.microsoft.com/office/drawing/2014/main" id="{66671088-4871-1641-B20F-9BC6030BC816}"/>
-              </a:ext>
-            </a:extLst>
-          </p:cNvPr>
-          <p:cNvSpPr txBox="1"/>
-          <p:nvPr/>
-        </p:nvSpPr>
-        <p:spPr>
-          <a:xfrm>
-            <a:off x="6138976" y="4466161"/>
-            <a:ext cx="4498375" cy="2031325"/>
-          </a:xfrm>
-          <a:prstGeom prst="rect">
-            <a:avLst/>
-          </a:prstGeom>
-          <a:noFill/>
-        </p:spPr>
-        <p:txBody>
-          <a:bodyPr wrap="square" rtlCol="0">
-            <a:spAutoFit/>
-          </a:bodyPr>
-          <a:lstStyle/>
-          <a:p>
-            <a:r>
-              <a:rPr lang="en-VN" dirty="0"/>
-              <a:t>&gt;&gt;&gt;Nhận xét:</a:t>
-            </a:r>
-          </a:p>
-          <a:p>
-            <a:pPr marL="285750" indent="-285750">
-              <a:buFontTx/>
-              <a:buChar char="-"/>
-            </a:pPr>
-            <a:r>
-              <a:rPr lang="en-VN" dirty="0"/>
-              <a:t>Việc phân cách giữa speech và silence là chính xác cao. </a:t>
-            </a:r>
-            <a:r>
-              <a:rPr lang="en-US" dirty="0" err="1"/>
-              <a:t>Đ</a:t>
-            </a:r>
-            <a:r>
-              <a:rPr lang="en-VN" dirty="0"/>
-              <a:t>ộ lệch: ~ 0.026s</a:t>
-            </a:r>
-          </a:p>
-          <a:p>
-            <a:pPr marL="285750" indent="-285750">
-              <a:buFontTx/>
-              <a:buChar char="-"/>
-            </a:pPr>
-            <a:r>
-              <a:rPr lang="en-VN" dirty="0"/>
-              <a:t>Đường F0 có độ chính xác.</a:t>
-            </a:r>
-          </a:p>
-          <a:p>
-            <a:pPr marL="285750" indent="-285750">
-              <a:buFontTx/>
-              <a:buChar char="-"/>
-            </a:pPr>
-            <a:r>
-              <a:rPr lang="en-VN" dirty="0"/>
-              <a:t>Kết quả cuối cùng F0mean : lệch 3Hz</a:t>
-            </a:r>
-          </a:p>
-          <a:p>
-            <a:pPr marL="285750" indent="-285750">
-              <a:buFontTx/>
-              <a:buChar char="-"/>
-            </a:pPr>
-            <a:r>
-              <a:rPr lang="en-VN" dirty="0"/>
-              <a:t>F0 std lệch  ~3Hz</a:t>
-            </a:r>
-          </a:p>
-          <a:p>
-            <a:endParaRPr lang="en-VN" dirty="0"/>
-          </a:p>
-          <a:p>
-            <a:pPr marL="285750" indent="-285750">
-              <a:buFontTx/>
-              <a:buChar char="-"/>
-            </a:pPr>
-            <a:r>
-              <a:rPr lang="en-VN" dirty="0"/>
-              <a:t>Sai số do cuối mỗi nguyên âm có hơi thở lẫn vào, do bước chọn hài chưa được chính xác.</a:t>
-            </a:r>
-          </a:p>
-        </p:txBody>
-      </p:sp>
+      </p:pic>
     </p:spTree>
     <p:extLst>
       <p:ext uri="{BB962C8B-B14F-4D97-AF65-F5344CB8AC3E}">
@@ -19341,7 +19325,7 @@
         <p:fade/>
       </p:transition>
     </mc:Choice>
-    <mc:Fallback xmlns="" xmlns:mv="urn:schemas-microsoft-com:mac:vml" xmlns:c="http://schemas.openxmlformats.org/drawingml/2006/chart" xmlns:dgm="http://schemas.openxmlformats.org/drawingml/2006/diagram" xmlns:o="urn:schemas-microsoft-com:office:office" xmlns:v="urn:schemas-microsoft-com:vml" xmlns:pvml="urn:schemas-microsoft-com:office:powerpoint" xmlns:com="http://schemas.openxmlformats.org/drawingml/2006/compatibility" xmlns:p15="http://schemas.microsoft.com/office/powerpoint/2012/main" xmlns:ahyp="http://schemas.microsoft.com/office/drawing/2018/hyperlinkcolor">
+    <mc:Fallback xmlns:ahyp="http://schemas.microsoft.com/office/drawing/2018/hyperlinkcolor" xmlns:p15="http://schemas.microsoft.com/office/powerpoint/2012/main" xmlns:com="http://schemas.openxmlformats.org/drawingml/2006/compatibility" xmlns:pvml="urn:schemas-microsoft-com:office:powerpoint" xmlns:v="urn:schemas-microsoft-com:vml" xmlns:o="urn:schemas-microsoft-com:office:office" xmlns:dgm="http://schemas.openxmlformats.org/drawingml/2006/diagram" xmlns:c="http://schemas.openxmlformats.org/drawingml/2006/chart" xmlns:mv="urn:schemas-microsoft-com:mac:vml" xmlns="">
       <p:transition spd="slow">
         <p:fade/>
       </p:transition>
@@ -19415,141 +19399,42 @@
             </a:pPr>
             <a:r>
               <a:rPr lang="en-US" sz="2800" dirty="0"/>
-              <a:t>30FTN</a:t>
+              <a:t>09MPD-10MSD</a:t>
             </a:r>
             <a:endParaRPr sz="2800" dirty="0"/>
           </a:p>
         </p:txBody>
       </p:sp>
-      <p:sp>
-        <p:nvSpPr>
-          <p:cNvPr id="11" name="TextBox 10">
+      <p:pic>
+        <p:nvPicPr>
+          <p:cNvPr id="2" name="Picture 1">
             <a:extLst>
               <a:ext uri="{FF2B5EF4-FFF2-40B4-BE49-F238E27FC236}">
-                <a16:creationId xmlns:a16="http://schemas.microsoft.com/office/drawing/2014/main" id="{47FA6F05-5295-3441-B4C6-25BAC28CD15C}"/>
+                <a16:creationId xmlns:a16="http://schemas.microsoft.com/office/drawing/2014/main" id="{52AF84AB-B9D4-1D41-B179-2391912004D3}"/>
               </a:ext>
             </a:extLst>
           </p:cNvPr>
-          <p:cNvSpPr txBox="1"/>
+          <p:cNvPicPr>
+            <a:picLocks noChangeAspect="1"/>
+          </p:cNvPicPr>
           <p:nvPr/>
-        </p:nvSpPr>
+        </p:nvPicPr>
+        <p:blipFill>
+          <a:blip r:embed="rId3"/>
+          <a:stretch>
+            <a:fillRect/>
+          </a:stretch>
+        </p:blipFill>
         <p:spPr>
           <a:xfrm>
-            <a:off x="6096000" y="1314450"/>
-            <a:ext cx="4263390" cy="369332"/>
+            <a:off x="135925" y="1314450"/>
+            <a:ext cx="11968689" cy="5246988"/>
           </a:xfrm>
           <a:prstGeom prst="rect">
             <a:avLst/>
           </a:prstGeom>
-          <a:noFill/>
         </p:spPr>
-        <p:txBody>
-          <a:bodyPr wrap="square" rtlCol="0">
-            <a:spAutoFit/>
-          </a:bodyPr>
-          <a:lstStyle/>
-          <a:p>
-            <a:r>
-              <a:rPr lang="en-VN" sz="1800" b="1" dirty="0">
-                <a:solidFill>
-                  <a:schemeClr val="bg2">
-                    <a:lumMod val="50000"/>
-                  </a:schemeClr>
-                </a:solidFill>
-              </a:rPr>
-              <a:t>So sánh với Wave Suffer</a:t>
-            </a:r>
-          </a:p>
-        </p:txBody>
-      </p:sp>
-      <p:sp>
-        <p:nvSpPr>
-          <p:cNvPr id="12" name="TextBox 11">
-            <a:extLst>
-              <a:ext uri="{FF2B5EF4-FFF2-40B4-BE49-F238E27FC236}">
-                <a16:creationId xmlns:a16="http://schemas.microsoft.com/office/drawing/2014/main" id="{E7A2384E-B176-9646-8005-0235166621CB}"/>
-              </a:ext>
-            </a:extLst>
-          </p:cNvPr>
-          <p:cNvSpPr txBox="1"/>
-          <p:nvPr/>
-        </p:nvSpPr>
-        <p:spPr>
-          <a:xfrm>
-            <a:off x="6138976" y="4466161"/>
-            <a:ext cx="4498375" cy="2031325"/>
-          </a:xfrm>
-          <a:prstGeom prst="rect">
-            <a:avLst/>
-          </a:prstGeom>
-          <a:noFill/>
-        </p:spPr>
-        <p:txBody>
-          <a:bodyPr wrap="square" rtlCol="0">
-            <a:spAutoFit/>
-          </a:bodyPr>
-          <a:lstStyle/>
-          <a:p>
-            <a:r>
-              <a:rPr lang="en-VN" dirty="0"/>
-              <a:t>&gt;&gt;&gt;Nhận xét:</a:t>
-            </a:r>
-          </a:p>
-          <a:p>
-            <a:pPr marL="285750" indent="-285750">
-              <a:buFontTx/>
-              <a:buChar char="-"/>
-            </a:pPr>
-            <a:r>
-              <a:rPr lang="en-VN" dirty="0"/>
-              <a:t>Việc phân cách giữa speech và silence là chính xác cao.~= 0.015s</a:t>
-            </a:r>
-          </a:p>
-          <a:p>
-            <a:pPr marL="285750" indent="-285750">
-              <a:buFontTx/>
-              <a:buChar char="-"/>
-            </a:pPr>
-            <a:r>
-              <a:rPr lang="en-VN" dirty="0"/>
-              <a:t>Đường F0 độ chính xác cao.</a:t>
-            </a:r>
-          </a:p>
-          <a:p>
-            <a:pPr marL="285750" indent="-285750">
-              <a:buFontTx/>
-              <a:buChar char="-"/>
-            </a:pPr>
-            <a:r>
-              <a:rPr lang="en-VN" dirty="0"/>
-              <a:t>Kết quả cuối cùng F0mean : lệch 2Hz</a:t>
-            </a:r>
-          </a:p>
-          <a:p>
-            <a:pPr marL="285750" indent="-285750">
-              <a:buFontTx/>
-              <a:buChar char="-"/>
-            </a:pPr>
-            <a:r>
-              <a:rPr lang="en-VN" dirty="0"/>
-              <a:t>F0 std lệch ~2Hz</a:t>
-            </a:r>
-          </a:p>
-          <a:p>
-            <a:endParaRPr lang="en-VN" dirty="0"/>
-          </a:p>
-          <a:p>
-            <a:pPr marL="285750" indent="-285750">
-              <a:buFontTx/>
-              <a:buChar char="-"/>
-            </a:pPr>
-            <a:r>
-              <a:rPr lang="en-VN" dirty="0"/>
-              <a:t>Sai số do cuối mỗi nguyên âm có hơi thở lẫn vào, do bước chọn hài chưa được chính xác.</a:t>
-            </a:r>
-          </a:p>
-        </p:txBody>
-      </p:sp>
+      </p:pic>
     </p:spTree>
     <p:extLst>
       <p:ext uri="{BB962C8B-B14F-4D97-AF65-F5344CB8AC3E}">
@@ -19566,7 +19451,7 @@
         <p:fade/>
       </p:transition>
     </mc:Choice>
-    <mc:Fallback xmlns="" xmlns:mv="urn:schemas-microsoft-com:mac:vml" xmlns:c="http://schemas.openxmlformats.org/drawingml/2006/chart" xmlns:dgm="http://schemas.openxmlformats.org/drawingml/2006/diagram" xmlns:o="urn:schemas-microsoft-com:office:office" xmlns:v="urn:schemas-microsoft-com:vml" xmlns:pvml="urn:schemas-microsoft-com:office:powerpoint" xmlns:com="http://schemas.openxmlformats.org/drawingml/2006/compatibility" xmlns:p15="http://schemas.microsoft.com/office/powerpoint/2012/main" xmlns:ahyp="http://schemas.microsoft.com/office/drawing/2018/hyperlinkcolor">
+    <mc:Fallback xmlns:ahyp="http://schemas.microsoft.com/office/drawing/2018/hyperlinkcolor" xmlns:p15="http://schemas.microsoft.com/office/powerpoint/2012/main" xmlns:com="http://schemas.openxmlformats.org/drawingml/2006/compatibility" xmlns:pvml="urn:schemas-microsoft-com:office:powerpoint" xmlns:v="urn:schemas-microsoft-com:vml" xmlns:o="urn:schemas-microsoft-com:office:office" xmlns:dgm="http://schemas.openxmlformats.org/drawingml/2006/diagram" xmlns:c="http://schemas.openxmlformats.org/drawingml/2006/chart" xmlns:mv="urn:schemas-microsoft-com:mac:vml" xmlns="">
       <p:transition spd="slow">
         <p:fade/>
       </p:transition>
@@ -19640,141 +19525,42 @@
             </a:pPr>
             <a:r>
               <a:rPr lang="en-US" sz="2800" dirty="0"/>
-              <a:t>42FQT</a:t>
+              <a:t>12FTD-14FHH</a:t>
             </a:r>
             <a:endParaRPr sz="2800" dirty="0"/>
           </a:p>
         </p:txBody>
       </p:sp>
-      <p:sp>
-        <p:nvSpPr>
-          <p:cNvPr id="11" name="TextBox 10">
+      <p:pic>
+        <p:nvPicPr>
+          <p:cNvPr id="2" name="Picture 1">
             <a:extLst>
               <a:ext uri="{FF2B5EF4-FFF2-40B4-BE49-F238E27FC236}">
-                <a16:creationId xmlns:a16="http://schemas.microsoft.com/office/drawing/2014/main" id="{163E4435-AA0C-B84D-BB85-4A67872B54AE}"/>
+                <a16:creationId xmlns:a16="http://schemas.microsoft.com/office/drawing/2014/main" id="{0651D43F-75FF-E140-B113-B9E1A493E50C}"/>
               </a:ext>
             </a:extLst>
           </p:cNvPr>
-          <p:cNvSpPr txBox="1"/>
+          <p:cNvPicPr>
+            <a:picLocks noChangeAspect="1"/>
+          </p:cNvPicPr>
           <p:nvPr/>
-        </p:nvSpPr>
+        </p:nvPicPr>
+        <p:blipFill>
+          <a:blip r:embed="rId3"/>
+          <a:stretch>
+            <a:fillRect/>
+          </a:stretch>
+        </p:blipFill>
         <p:spPr>
           <a:xfrm>
-            <a:off x="6344295" y="1326573"/>
-            <a:ext cx="4263390" cy="369332"/>
+            <a:off x="0" y="1314449"/>
+            <a:ext cx="11751276" cy="5230943"/>
           </a:xfrm>
           <a:prstGeom prst="rect">
             <a:avLst/>
           </a:prstGeom>
-          <a:noFill/>
         </p:spPr>
-        <p:txBody>
-          <a:bodyPr wrap="square" rtlCol="0">
-            <a:spAutoFit/>
-          </a:bodyPr>
-          <a:lstStyle/>
-          <a:p>
-            <a:r>
-              <a:rPr lang="en-VN" sz="1800" b="1" dirty="0">
-                <a:solidFill>
-                  <a:schemeClr val="bg2">
-                    <a:lumMod val="50000"/>
-                  </a:schemeClr>
-                </a:solidFill>
-              </a:rPr>
-              <a:t>So sánh với Wave Suffer</a:t>
-            </a:r>
-          </a:p>
-        </p:txBody>
-      </p:sp>
-      <p:sp>
-        <p:nvSpPr>
-          <p:cNvPr id="10" name="TextBox 9">
-            <a:extLst>
-              <a:ext uri="{FF2B5EF4-FFF2-40B4-BE49-F238E27FC236}">
-                <a16:creationId xmlns:a16="http://schemas.microsoft.com/office/drawing/2014/main" id="{54863193-A63F-8649-8DF0-E534AF5E725C}"/>
-              </a:ext>
-            </a:extLst>
-          </p:cNvPr>
-          <p:cNvSpPr txBox="1"/>
-          <p:nvPr/>
-        </p:nvSpPr>
-        <p:spPr>
-          <a:xfrm>
-            <a:off x="6138976" y="4466161"/>
-            <a:ext cx="4697190" cy="2031325"/>
-          </a:xfrm>
-          <a:prstGeom prst="rect">
-            <a:avLst/>
-          </a:prstGeom>
-          <a:noFill/>
-        </p:spPr>
-        <p:txBody>
-          <a:bodyPr wrap="square" rtlCol="0">
-            <a:spAutoFit/>
-          </a:bodyPr>
-          <a:lstStyle/>
-          <a:p>
-            <a:r>
-              <a:rPr lang="en-VN" dirty="0"/>
-              <a:t>&gt;&gt;&gt;Nhận xét:</a:t>
-            </a:r>
-          </a:p>
-          <a:p>
-            <a:pPr marL="285750" indent="-285750">
-              <a:buFontTx/>
-              <a:buChar char="-"/>
-            </a:pPr>
-            <a:r>
-              <a:rPr lang="en-VN" dirty="0"/>
-              <a:t>Việc phân cách giữa speech và silence vẫn còn bị bỏ xót ở phần cuối mỗi nguyên âm. ~ 0.1s</a:t>
-            </a:r>
-          </a:p>
-          <a:p>
-            <a:pPr marL="285750" indent="-285750">
-              <a:buFontTx/>
-              <a:buChar char="-"/>
-            </a:pPr>
-            <a:r>
-              <a:rPr lang="en-VN" dirty="0"/>
-              <a:t>Đường F0 chính xác cao</a:t>
-            </a:r>
-          </a:p>
-          <a:p>
-            <a:pPr marL="285750" indent="-285750">
-              <a:buFontTx/>
-              <a:buChar char="-"/>
-            </a:pPr>
-            <a:r>
-              <a:rPr lang="en-VN" dirty="0"/>
-              <a:t>Kết quả cuối cùng F0mean : lệch 1Hz</a:t>
-            </a:r>
-          </a:p>
-          <a:p>
-            <a:pPr marL="285750" indent="-285750">
-              <a:buFontTx/>
-              <a:buChar char="-"/>
-            </a:pPr>
-            <a:r>
-              <a:rPr lang="en-VN" dirty="0"/>
-              <a:t>F0 std lệch ~3Hz</a:t>
-            </a:r>
-          </a:p>
-          <a:p>
-            <a:endParaRPr lang="en-VN" dirty="0"/>
-          </a:p>
-          <a:p>
-            <a:pPr marL="285750" indent="-285750">
-              <a:buFontTx/>
-              <a:buChar char="-"/>
-            </a:pPr>
-            <a:r>
-              <a:rPr lang="en-VN" dirty="0"/>
-              <a:t>Sai số do cuối mỗi nguyên âm có hơi thở lẫn vào, do bước chọn hài chưa được chính xác.</a:t>
-            </a:r>
-          </a:p>
-        </p:txBody>
-      </p:sp>
+      </p:pic>
     </p:spTree>
     <p:extLst>
       <p:ext uri="{BB962C8B-B14F-4D97-AF65-F5344CB8AC3E}">
@@ -19791,7 +19577,7 @@
         <p:fade/>
       </p:transition>
     </mc:Choice>
-    <mc:Fallback xmlns="" xmlns:mv="urn:schemas-microsoft-com:mac:vml" xmlns:c="http://schemas.openxmlformats.org/drawingml/2006/chart" xmlns:dgm="http://schemas.openxmlformats.org/drawingml/2006/diagram" xmlns:o="urn:schemas-microsoft-com:office:office" xmlns:v="urn:schemas-microsoft-com:vml" xmlns:pvml="urn:schemas-microsoft-com:office:powerpoint" xmlns:com="http://schemas.openxmlformats.org/drawingml/2006/compatibility" xmlns:p15="http://schemas.microsoft.com/office/powerpoint/2012/main" xmlns:ahyp="http://schemas.microsoft.com/office/drawing/2018/hyperlinkcolor">
+    <mc:Fallback xmlns:ahyp="http://schemas.microsoft.com/office/drawing/2018/hyperlinkcolor" xmlns:p15="http://schemas.microsoft.com/office/powerpoint/2012/main" xmlns:com="http://schemas.openxmlformats.org/drawingml/2006/compatibility" xmlns:pvml="urn:schemas-microsoft-com:office:powerpoint" xmlns:v="urn:schemas-microsoft-com:vml" xmlns:o="urn:schemas-microsoft-com:office:office" xmlns:dgm="http://schemas.openxmlformats.org/drawingml/2006/diagram" xmlns:c="http://schemas.openxmlformats.org/drawingml/2006/chart" xmlns:mv="urn:schemas-microsoft-com:mac:vml" xmlns="">
       <p:transition spd="slow">
         <p:fade/>
       </p:transition>
@@ -19805,7 +19591,7 @@
   <p:cSld>
     <p:spTree>
       <p:nvGrpSpPr>
-        <p:cNvPr id="1" name="Shape 187"/>
+        <p:cNvPr id="1" name="Shape 144"/>
         <p:cNvGrpSpPr/>
         <p:nvPr/>
       </p:nvGrpSpPr>
@@ -19819,18 +19605,18 @@
       </p:grpSpPr>
       <p:sp>
         <p:nvSpPr>
-          <p:cNvPr id="188" name="Google Shape;188;p29"/>
+          <p:cNvPr id="145" name="Google Shape;145;p23"/>
           <p:cNvSpPr txBox="1">
             <a:spLocks noGrp="1"/>
           </p:cNvSpPr>
           <p:nvPr>
-            <p:ph type="ctrTitle"/>
+            <p:ph type="title"/>
           </p:nvPr>
         </p:nvSpPr>
         <p:spPr>
           <a:xfrm>
-            <a:off x="147941" y="1197553"/>
-            <a:ext cx="5158155" cy="699828"/>
+            <a:off x="289561" y="830950"/>
+            <a:ext cx="3082290" cy="483500"/>
           </a:xfrm>
           <a:prstGeom prst="rect">
             <a:avLst/>
@@ -19841,7 +19627,7 @@
           </a:ln>
         </p:spPr>
         <p:txBody>
-          <a:bodyPr spcFirstLastPara="1" wrap="square" lIns="0" tIns="45700" rIns="91425" bIns="45700" anchor="b" anchorCtr="0">
+          <a:bodyPr spcFirstLastPara="1" wrap="square" lIns="91425" tIns="45700" rIns="91425" bIns="45700" anchor="t" anchorCtr="0">
             <a:noAutofit/>
           </a:bodyPr>
           <a:lstStyle/>
@@ -19856,276 +19642,57 @@
               <a:spcAft>
                 <a:spcPts val="0"/>
               </a:spcAft>
-              <a:buSzPts val="6000"/>
+              <a:buClr>
+                <a:schemeClr val="dk2"/>
+              </a:buClr>
+              <a:buSzPts val="2800"/>
+              <a:buFont typeface="Arial"/>
               <a:buNone/>
             </a:pPr>
             <a:r>
-              <a:rPr lang="en-US" sz="5400" dirty="0"/>
-              <a:t>KẾT LUẬN:</a:t>
+              <a:rPr lang="en-US" sz="2800" dirty="0"/>
+              <a:t>16FTH-24FTL</a:t>
             </a:r>
-            <a:endParaRPr dirty="0"/>
+            <a:endParaRPr sz="2800" dirty="0"/>
           </a:p>
         </p:txBody>
       </p:sp>
-      <p:sp>
-        <p:nvSpPr>
-          <p:cNvPr id="189" name="Google Shape;189;p29"/>
-          <p:cNvSpPr/>
+      <p:pic>
+        <p:nvPicPr>
+          <p:cNvPr id="3" name="Picture 2">
+            <a:extLst>
+              <a:ext uri="{FF2B5EF4-FFF2-40B4-BE49-F238E27FC236}">
+                <a16:creationId xmlns:a16="http://schemas.microsoft.com/office/drawing/2014/main" id="{1A63853A-D98C-1E44-9509-43D49A386DDC}"/>
+              </a:ext>
+            </a:extLst>
+          </p:cNvPr>
+          <p:cNvPicPr>
+            <a:picLocks noChangeAspect="1"/>
+          </p:cNvPicPr>
           <p:nvPr/>
-        </p:nvSpPr>
+        </p:nvPicPr>
+        <p:blipFill>
+          <a:blip r:embed="rId3"/>
+          <a:stretch>
+            <a:fillRect/>
+          </a:stretch>
+        </p:blipFill>
         <p:spPr>
           <a:xfrm>
-            <a:off x="369397" y="1802788"/>
-            <a:ext cx="5977011" cy="3941298"/>
+            <a:off x="118486" y="1314450"/>
+            <a:ext cx="11955027" cy="5246988"/>
           </a:xfrm>
           <a:prstGeom prst="rect">
             <a:avLst/>
           </a:prstGeom>
-          <a:solidFill>
-            <a:schemeClr val="lt1"/>
-          </a:solidFill>
-          <a:ln>
-            <a:noFill/>
-          </a:ln>
         </p:spPr>
-        <p:txBody>
-          <a:bodyPr spcFirstLastPara="1" wrap="square" lIns="91425" tIns="45700" rIns="91425" bIns="45700" anchor="ctr" anchorCtr="0">
-            <a:noAutofit/>
-          </a:bodyPr>
-          <a:lstStyle/>
-          <a:p>
-            <a:pPr marL="0" marR="0" lvl="0" indent="0" algn="ctr" rtl="0">
-              <a:lnSpc>
-                <a:spcPct val="100000"/>
-              </a:lnSpc>
-              <a:spcBef>
-                <a:spcPts val="0"/>
-              </a:spcBef>
-              <a:spcAft>
-                <a:spcPts val="0"/>
-              </a:spcAft>
-              <a:buNone/>
-            </a:pPr>
-            <a:endParaRPr sz="2200" b="0" i="0" u="none" strike="noStrike" cap="none" dirty="0">
-              <a:solidFill>
-                <a:schemeClr val="lt1"/>
-              </a:solidFill>
-              <a:latin typeface="Arial"/>
-              <a:ea typeface="Arial"/>
-              <a:cs typeface="Arial"/>
-              <a:sym typeface="Arial"/>
-            </a:endParaRPr>
-          </a:p>
-        </p:txBody>
-      </p:sp>
-      <p:sp>
-        <p:nvSpPr>
-          <p:cNvPr id="4" name="TextBox 3">
-            <a:extLst>
-              <a:ext uri="{FF2B5EF4-FFF2-40B4-BE49-F238E27FC236}">
-                <a16:creationId xmlns:a16="http://schemas.microsoft.com/office/drawing/2014/main" id="{22BD33D6-D14E-C84A-B2FF-116991EBFA5C}"/>
-              </a:ext>
-            </a:extLst>
-          </p:cNvPr>
-          <p:cNvSpPr txBox="1"/>
-          <p:nvPr/>
-        </p:nvSpPr>
-        <p:spPr>
-          <a:xfrm>
-            <a:off x="147941" y="1982694"/>
-            <a:ext cx="7257612" cy="3477875"/>
-          </a:xfrm>
-          <a:prstGeom prst="rect">
-            <a:avLst/>
-          </a:prstGeom>
-          <a:noFill/>
-        </p:spPr>
-        <p:txBody>
-          <a:bodyPr wrap="square" rtlCol="0">
-            <a:spAutoFit/>
-          </a:bodyPr>
-          <a:lstStyle/>
-          <a:p>
-            <a:pPr marL="285750" indent="-285750">
-              <a:buFontTx/>
-              <a:buChar char="-"/>
-            </a:pPr>
-            <a:r>
-              <a:rPr lang="en-VN" sz="2200" dirty="0">
-                <a:solidFill>
-                  <a:schemeClr val="bg2">
-                    <a:lumMod val="50000"/>
-                  </a:schemeClr>
-                </a:solidFill>
-              </a:rPr>
-              <a:t>Ngưỡng chung: + STE: 0.21  +MA:0.185   </a:t>
-            </a:r>
-          </a:p>
-          <a:p>
-            <a:pPr lvl="4"/>
-            <a:r>
-              <a:rPr lang="en-VN" sz="2200" dirty="0">
-                <a:solidFill>
-                  <a:schemeClr val="bg2">
-                    <a:lumMod val="50000"/>
-                  </a:schemeClr>
-                </a:solidFill>
-              </a:rPr>
-              <a:t>			+ Autocorrect : 0.37</a:t>
-            </a:r>
-          </a:p>
-          <a:p>
-            <a:pPr marL="285750" indent="-285750">
-              <a:buFontTx/>
-              <a:buChar char="-"/>
-            </a:pPr>
-            <a:r>
-              <a:rPr lang="en-VN" sz="2200" dirty="0">
-                <a:solidFill>
-                  <a:schemeClr val="bg2">
-                    <a:lumMod val="50000"/>
-                  </a:schemeClr>
-                </a:solidFill>
-              </a:rPr>
-              <a:t>Kết quả trên tín hiệu kiểm thử cho thấy:</a:t>
-            </a:r>
-          </a:p>
-          <a:p>
-            <a:r>
-              <a:rPr lang="en-VN" sz="2200" dirty="0">
-                <a:solidFill>
-                  <a:schemeClr val="bg2">
-                    <a:lumMod val="50000"/>
-                  </a:schemeClr>
-                </a:solidFill>
-              </a:rPr>
-              <a:t>	+ Thuật toán ACF cho ra kết quả chính xác cao, sai số nhỏ hơn thuật toán FFT. Tuy nhiên nếu k được sử lý lọc trung vị thì điều trên không đúng vì A</a:t>
-            </a:r>
-            <a:r>
-              <a:rPr lang="en-US" sz="2200" dirty="0">
-                <a:solidFill>
-                  <a:schemeClr val="bg2">
-                    <a:lumMod val="50000"/>
-                  </a:schemeClr>
-                </a:solidFill>
-              </a:rPr>
-              <a:t>CF </a:t>
-            </a:r>
-            <a:r>
-              <a:rPr lang="en-US" sz="2200" dirty="0" err="1">
-                <a:solidFill>
-                  <a:schemeClr val="bg2">
-                    <a:lumMod val="50000"/>
-                  </a:schemeClr>
-                </a:solidFill>
-              </a:rPr>
-              <a:t>cho</a:t>
-            </a:r>
-            <a:r>
-              <a:rPr lang="en-US" sz="2200" dirty="0">
-                <a:solidFill>
-                  <a:schemeClr val="bg2">
-                    <a:lumMod val="50000"/>
-                  </a:schemeClr>
-                </a:solidFill>
-              </a:rPr>
-              <a:t> ra </a:t>
-            </a:r>
-            <a:r>
-              <a:rPr lang="en-US" sz="2200" dirty="0" err="1">
-                <a:solidFill>
-                  <a:schemeClr val="bg2">
-                    <a:lumMod val="50000"/>
-                  </a:schemeClr>
-                </a:solidFill>
-              </a:rPr>
-              <a:t>nhiều</a:t>
-            </a:r>
-            <a:r>
-              <a:rPr lang="en-US" sz="2200" dirty="0">
-                <a:solidFill>
-                  <a:schemeClr val="bg2">
-                    <a:lumMod val="50000"/>
-                  </a:schemeClr>
-                </a:solidFill>
-              </a:rPr>
-              <a:t> pitch </a:t>
-            </a:r>
-            <a:r>
-              <a:rPr lang="en-US" sz="2200" dirty="0" err="1">
-                <a:solidFill>
-                  <a:schemeClr val="bg2">
-                    <a:lumMod val="50000"/>
-                  </a:schemeClr>
-                </a:solidFill>
-              </a:rPr>
-              <a:t>ảo</a:t>
-            </a:r>
-            <a:r>
-              <a:rPr lang="en-US" sz="2200" dirty="0">
-                <a:solidFill>
-                  <a:schemeClr val="bg2">
-                    <a:lumMod val="50000"/>
-                  </a:schemeClr>
-                </a:solidFill>
-              </a:rPr>
-              <a:t> </a:t>
-            </a:r>
-            <a:r>
-              <a:rPr lang="en-US" sz="2200" dirty="0" err="1">
-                <a:solidFill>
-                  <a:schemeClr val="bg2">
-                    <a:lumMod val="50000"/>
-                  </a:schemeClr>
-                </a:solidFill>
-              </a:rPr>
-              <a:t>hơn</a:t>
-            </a:r>
-            <a:r>
-              <a:rPr lang="en-US" sz="2200" dirty="0">
-                <a:solidFill>
-                  <a:schemeClr val="bg2">
-                    <a:lumMod val="50000"/>
-                  </a:schemeClr>
-                </a:solidFill>
-              </a:rPr>
-              <a:t>.</a:t>
-            </a:r>
-            <a:endParaRPr lang="en-VN" sz="2200" dirty="0">
-              <a:solidFill>
-                <a:schemeClr val="bg2">
-                  <a:lumMod val="50000"/>
-                </a:schemeClr>
-              </a:solidFill>
-            </a:endParaRPr>
-          </a:p>
-          <a:p>
-            <a:r>
-              <a:rPr lang="en-VN" sz="2200" dirty="0">
-                <a:solidFill>
-                  <a:schemeClr val="bg2">
-                    <a:lumMod val="50000"/>
-                  </a:schemeClr>
-                </a:solidFill>
-              </a:rPr>
-              <a:t>	+ Độ chính xác khi phân biệt file nam hay nữ : %</a:t>
-            </a:r>
-          </a:p>
-          <a:p>
-            <a:r>
-              <a:rPr lang="en-VN" sz="2200" dirty="0">
-                <a:solidFill>
-                  <a:schemeClr val="bg2">
-                    <a:lumMod val="50000"/>
-                  </a:schemeClr>
-                </a:solidFill>
-              </a:rPr>
-              <a:t>- Xử lý pitch ảo bằng hàm lọc trung vị cho ra kết quả chuẩn sát hơn</a:t>
-            </a:r>
-          </a:p>
-        </p:txBody>
-      </p:sp>
+      </p:pic>
     </p:spTree>
+    <p:extLst>
+      <p:ext uri="{BB962C8B-B14F-4D97-AF65-F5344CB8AC3E}">
+        <p14:creationId xmlns:p14="http://schemas.microsoft.com/office/powerpoint/2010/main" val="1175328445"/>
+      </p:ext>
+    </p:extLst>
   </p:cSld>
   <p:clrMapOvr>
     <a:masterClrMapping/>
@@ -20136,7 +19703,7 @@
         <p:fade/>
       </p:transition>
     </mc:Choice>
-    <mc:Fallback xmlns="" xmlns:mv="urn:schemas-microsoft-com:mac:vml" xmlns:c="http://schemas.openxmlformats.org/drawingml/2006/chart" xmlns:dgm="http://schemas.openxmlformats.org/drawingml/2006/diagram" xmlns:o="urn:schemas-microsoft-com:office:office" xmlns:v="urn:schemas-microsoft-com:vml" xmlns:pvml="urn:schemas-microsoft-com:office:powerpoint" xmlns:com="http://schemas.openxmlformats.org/drawingml/2006/compatibility" xmlns:p15="http://schemas.microsoft.com/office/powerpoint/2012/main" xmlns:ahyp="http://schemas.microsoft.com/office/drawing/2018/hyperlinkcolor">
+    <mc:Fallback xmlns:ahyp="http://schemas.microsoft.com/office/drawing/2018/hyperlinkcolor" xmlns:p15="http://schemas.microsoft.com/office/powerpoint/2012/main" xmlns:com="http://schemas.openxmlformats.org/drawingml/2006/compatibility" xmlns:pvml="urn:schemas-microsoft-com:office:powerpoint" xmlns:v="urn:schemas-microsoft-com:vml" xmlns:o="urn:schemas-microsoft-com:office:office" xmlns:dgm="http://schemas.openxmlformats.org/drawingml/2006/diagram" xmlns:c="http://schemas.openxmlformats.org/drawingml/2006/chart" xmlns:mv="urn:schemas-microsoft-com:mac:vml" xmlns="">
       <p:transition spd="slow">
         <p:fade/>
       </p:transition>
@@ -20279,7 +19846,7 @@
         <p:fade/>
       </p:transition>
     </mc:Choice>
-    <mc:Fallback xmlns="" xmlns:mv="urn:schemas-microsoft-com:mac:vml" xmlns:c="http://schemas.openxmlformats.org/drawingml/2006/chart" xmlns:dgm="http://schemas.openxmlformats.org/drawingml/2006/diagram" xmlns:o="urn:schemas-microsoft-com:office:office" xmlns:v="urn:schemas-microsoft-com:vml" xmlns:pvml="urn:schemas-microsoft-com:office:powerpoint" xmlns:com="http://schemas.openxmlformats.org/drawingml/2006/compatibility" xmlns:p15="http://schemas.microsoft.com/office/powerpoint/2012/main" xmlns:ahyp="http://schemas.microsoft.com/office/drawing/2018/hyperlinkcolor">
+    <mc:Fallback xmlns:ahyp="http://schemas.microsoft.com/office/drawing/2018/hyperlinkcolor" xmlns:p15="http://schemas.microsoft.com/office/powerpoint/2012/main" xmlns:com="http://schemas.openxmlformats.org/drawingml/2006/compatibility" xmlns:pvml="urn:schemas-microsoft-com:office:powerpoint" xmlns:v="urn:schemas-microsoft-com:vml" xmlns:o="urn:schemas-microsoft-com:office:office" xmlns:dgm="http://schemas.openxmlformats.org/drawingml/2006/diagram" xmlns:c="http://schemas.openxmlformats.org/drawingml/2006/chart" xmlns:mv="urn:schemas-microsoft-com:mac:vml" xmlns="">
       <p:transition spd="slow">
         <p:fade/>
       </p:transition>
@@ -20289,6 +19856,351 @@
 </file>
 
 <file path=ppt/slides/slide20.xml><?xml version="1.0" encoding="utf-8"?>
+<p:sld xmlns:a="http://schemas.openxmlformats.org/drawingml/2006/main" xmlns:r="http://schemas.openxmlformats.org/officeDocument/2006/relationships" xmlns:p="http://schemas.openxmlformats.org/presentationml/2006/main">
+  <p:cSld>
+    <p:spTree>
+      <p:nvGrpSpPr>
+        <p:cNvPr id="1" name="Shape 187"/>
+        <p:cNvGrpSpPr/>
+        <p:nvPr/>
+      </p:nvGrpSpPr>
+      <p:grpSpPr>
+        <a:xfrm>
+          <a:off x="0" y="0"/>
+          <a:ext cx="0" cy="0"/>
+          <a:chOff x="0" y="0"/>
+          <a:chExt cx="0" cy="0"/>
+        </a:xfrm>
+      </p:grpSpPr>
+      <p:sp>
+        <p:nvSpPr>
+          <p:cNvPr id="188" name="Google Shape;188;p29"/>
+          <p:cNvSpPr txBox="1">
+            <a:spLocks noGrp="1"/>
+          </p:cNvSpPr>
+          <p:nvPr>
+            <p:ph type="ctrTitle"/>
+          </p:nvPr>
+        </p:nvSpPr>
+        <p:spPr>
+          <a:xfrm>
+            <a:off x="147941" y="1197553"/>
+            <a:ext cx="5158155" cy="699828"/>
+          </a:xfrm>
+          <a:prstGeom prst="rect">
+            <a:avLst/>
+          </a:prstGeom>
+          <a:noFill/>
+          <a:ln>
+            <a:noFill/>
+          </a:ln>
+        </p:spPr>
+        <p:txBody>
+          <a:bodyPr spcFirstLastPara="1" wrap="square" lIns="0" tIns="45700" rIns="91425" bIns="45700" anchor="b" anchorCtr="0">
+            <a:noAutofit/>
+          </a:bodyPr>
+          <a:lstStyle/>
+          <a:p>
+            <a:pPr marL="0" lvl="0" indent="0" algn="l" rtl="0">
+              <a:lnSpc>
+                <a:spcPct val="100000"/>
+              </a:lnSpc>
+              <a:spcBef>
+                <a:spcPts val="0"/>
+              </a:spcBef>
+              <a:spcAft>
+                <a:spcPts val="0"/>
+              </a:spcAft>
+              <a:buSzPts val="6000"/>
+              <a:buNone/>
+            </a:pPr>
+            <a:r>
+              <a:rPr lang="en-US" sz="5400" dirty="0"/>
+              <a:t>KẾT LUẬN:</a:t>
+            </a:r>
+            <a:endParaRPr dirty="0"/>
+          </a:p>
+        </p:txBody>
+      </p:sp>
+      <p:sp>
+        <p:nvSpPr>
+          <p:cNvPr id="189" name="Google Shape;189;p29"/>
+          <p:cNvSpPr/>
+          <p:nvPr/>
+        </p:nvSpPr>
+        <p:spPr>
+          <a:xfrm>
+            <a:off x="369397" y="1802788"/>
+            <a:ext cx="5977011" cy="3941298"/>
+          </a:xfrm>
+          <a:prstGeom prst="rect">
+            <a:avLst/>
+          </a:prstGeom>
+          <a:solidFill>
+            <a:schemeClr val="lt1"/>
+          </a:solidFill>
+          <a:ln>
+            <a:noFill/>
+          </a:ln>
+        </p:spPr>
+        <p:txBody>
+          <a:bodyPr spcFirstLastPara="1" wrap="square" lIns="91425" tIns="45700" rIns="91425" bIns="45700" anchor="ctr" anchorCtr="0">
+            <a:noAutofit/>
+          </a:bodyPr>
+          <a:lstStyle/>
+          <a:p>
+            <a:pPr marL="0" marR="0" lvl="0" indent="0" algn="ctr" rtl="0">
+              <a:lnSpc>
+                <a:spcPct val="100000"/>
+              </a:lnSpc>
+              <a:spcBef>
+                <a:spcPts val="0"/>
+              </a:spcBef>
+              <a:spcAft>
+                <a:spcPts val="0"/>
+              </a:spcAft>
+              <a:buNone/>
+            </a:pPr>
+            <a:endParaRPr sz="2200" b="0" i="0" u="none" strike="noStrike" cap="none" dirty="0">
+              <a:solidFill>
+                <a:schemeClr val="lt1"/>
+              </a:solidFill>
+              <a:latin typeface="Arial"/>
+              <a:ea typeface="Arial"/>
+              <a:cs typeface="Arial"/>
+              <a:sym typeface="Arial"/>
+            </a:endParaRPr>
+          </a:p>
+        </p:txBody>
+      </p:sp>
+      <p:sp>
+        <p:nvSpPr>
+          <p:cNvPr id="4" name="TextBox 3">
+            <a:extLst>
+              <a:ext uri="{FF2B5EF4-FFF2-40B4-BE49-F238E27FC236}">
+                <a16:creationId xmlns:a16="http://schemas.microsoft.com/office/drawing/2014/main" id="{22BD33D6-D14E-C84A-B2FF-116991EBFA5C}"/>
+              </a:ext>
+            </a:extLst>
+          </p:cNvPr>
+          <p:cNvSpPr txBox="1"/>
+          <p:nvPr/>
+        </p:nvSpPr>
+        <p:spPr>
+          <a:xfrm>
+            <a:off x="147941" y="1982694"/>
+            <a:ext cx="7257612" cy="3816429"/>
+          </a:xfrm>
+          <a:prstGeom prst="rect">
+            <a:avLst/>
+          </a:prstGeom>
+          <a:noFill/>
+        </p:spPr>
+        <p:txBody>
+          <a:bodyPr wrap="square" rtlCol="0">
+            <a:spAutoFit/>
+          </a:bodyPr>
+          <a:lstStyle/>
+          <a:p>
+            <a:pPr marL="285750" indent="-285750">
+              <a:buFontTx/>
+              <a:buChar char="-"/>
+            </a:pPr>
+            <a:r>
+              <a:rPr lang="en-VN" sz="2200" dirty="0">
+                <a:solidFill>
+                  <a:schemeClr val="bg2">
+                    <a:lumMod val="50000"/>
+                  </a:schemeClr>
+                </a:solidFill>
+              </a:rPr>
+              <a:t>Ngưỡng chung: + STE: 0.21  +MA:0.185   </a:t>
+            </a:r>
+          </a:p>
+          <a:p>
+            <a:pPr lvl="4"/>
+            <a:r>
+              <a:rPr lang="en-VN" sz="2200" dirty="0">
+                <a:solidFill>
+                  <a:schemeClr val="bg2">
+                    <a:lumMod val="50000"/>
+                  </a:schemeClr>
+                </a:solidFill>
+              </a:rPr>
+              <a:t>			+ Autocorrect : 0.37</a:t>
+            </a:r>
+          </a:p>
+          <a:p>
+            <a:pPr marL="285750" indent="-285750">
+              <a:buFontTx/>
+              <a:buChar char="-"/>
+            </a:pPr>
+            <a:r>
+              <a:rPr lang="en-VN" sz="2200" dirty="0">
+                <a:solidFill>
+                  <a:schemeClr val="bg2">
+                    <a:lumMod val="50000"/>
+                  </a:schemeClr>
+                </a:solidFill>
+              </a:rPr>
+              <a:t>Kết quả trên tín hiệu kiểm thử cho thấy:</a:t>
+            </a:r>
+          </a:p>
+          <a:p>
+            <a:r>
+              <a:rPr lang="en-VN" sz="2200" dirty="0">
+                <a:solidFill>
+                  <a:schemeClr val="bg2">
+                    <a:lumMod val="50000"/>
+                  </a:schemeClr>
+                </a:solidFill>
+              </a:rPr>
+              <a:t>	+ Thuật toán ACF cho ra kết quả chính xác cao, sai số nhỏ hơn thuật toán FFT. Tuy nhiên nếu k được sử lý lọc trung vị thì điều trên không đúng vì A</a:t>
+            </a:r>
+            <a:r>
+              <a:rPr lang="en-US" sz="2200" dirty="0">
+                <a:solidFill>
+                  <a:schemeClr val="bg2">
+                    <a:lumMod val="50000"/>
+                  </a:schemeClr>
+                </a:solidFill>
+              </a:rPr>
+              <a:t>CF </a:t>
+            </a:r>
+            <a:r>
+              <a:rPr lang="en-US" sz="2200" dirty="0" err="1">
+                <a:solidFill>
+                  <a:schemeClr val="bg2">
+                    <a:lumMod val="50000"/>
+                  </a:schemeClr>
+                </a:solidFill>
+              </a:rPr>
+              <a:t>cho</a:t>
+            </a:r>
+            <a:r>
+              <a:rPr lang="en-US" sz="2200" dirty="0">
+                <a:solidFill>
+                  <a:schemeClr val="bg2">
+                    <a:lumMod val="50000"/>
+                  </a:schemeClr>
+                </a:solidFill>
+              </a:rPr>
+              <a:t> ra </a:t>
+            </a:r>
+            <a:r>
+              <a:rPr lang="en-US" sz="2200" dirty="0" err="1">
+                <a:solidFill>
+                  <a:schemeClr val="bg2">
+                    <a:lumMod val="50000"/>
+                  </a:schemeClr>
+                </a:solidFill>
+              </a:rPr>
+              <a:t>nhiều</a:t>
+            </a:r>
+            <a:r>
+              <a:rPr lang="en-US" sz="2200" dirty="0">
+                <a:solidFill>
+                  <a:schemeClr val="bg2">
+                    <a:lumMod val="50000"/>
+                  </a:schemeClr>
+                </a:solidFill>
+              </a:rPr>
+              <a:t> pitch </a:t>
+            </a:r>
+            <a:r>
+              <a:rPr lang="en-US" sz="2200" dirty="0" err="1">
+                <a:solidFill>
+                  <a:schemeClr val="bg2">
+                    <a:lumMod val="50000"/>
+                  </a:schemeClr>
+                </a:solidFill>
+              </a:rPr>
+              <a:t>ảo</a:t>
+            </a:r>
+            <a:r>
+              <a:rPr lang="en-US" sz="2200" dirty="0">
+                <a:solidFill>
+                  <a:schemeClr val="bg2">
+                    <a:lumMod val="50000"/>
+                  </a:schemeClr>
+                </a:solidFill>
+              </a:rPr>
+              <a:t> </a:t>
+            </a:r>
+            <a:r>
+              <a:rPr lang="en-US" sz="2200" dirty="0" err="1">
+                <a:solidFill>
+                  <a:schemeClr val="bg2">
+                    <a:lumMod val="50000"/>
+                  </a:schemeClr>
+                </a:solidFill>
+              </a:rPr>
+              <a:t>hơn</a:t>
+            </a:r>
+            <a:r>
+              <a:rPr lang="en-US" sz="2200" dirty="0">
+                <a:solidFill>
+                  <a:schemeClr val="bg2">
+                    <a:lumMod val="50000"/>
+                  </a:schemeClr>
+                </a:solidFill>
+              </a:rPr>
+              <a:t>.</a:t>
+            </a:r>
+            <a:endParaRPr lang="en-VN" sz="2200" dirty="0">
+              <a:solidFill>
+                <a:schemeClr val="bg2">
+                  <a:lumMod val="50000"/>
+                </a:schemeClr>
+              </a:solidFill>
+            </a:endParaRPr>
+          </a:p>
+          <a:p>
+            <a:r>
+              <a:rPr lang="en-VN" sz="2200" dirty="0">
+                <a:solidFill>
+                  <a:schemeClr val="bg2">
+                    <a:lumMod val="50000"/>
+                  </a:schemeClr>
+                </a:solidFill>
+              </a:rPr>
+              <a:t>	+ Độ chính xác khi phân biệt file nam hay nữ : 100%</a:t>
+            </a:r>
+          </a:p>
+          <a:p>
+            <a:r>
+              <a:rPr lang="en-VN" sz="2200" dirty="0">
+                <a:solidFill>
+                  <a:schemeClr val="bg2">
+                    <a:lumMod val="50000"/>
+                  </a:schemeClr>
+                </a:solidFill>
+              </a:rPr>
+              <a:t>- Xử lý pitch ảo bằng hàm lọc trung vị cho ra kết quả chuẩn sát hơn</a:t>
+            </a:r>
+          </a:p>
+        </p:txBody>
+      </p:sp>
+    </p:spTree>
+  </p:cSld>
+  <p:clrMapOvr>
+    <a:masterClrMapping/>
+  </p:clrMapOvr>
+  <mc:AlternateContent xmlns:mc="http://schemas.openxmlformats.org/markup-compatibility/2006" xmlns:p14="http://schemas.microsoft.com/office/powerpoint/2010/main">
+    <mc:Choice Requires="p14">
+      <p:transition spd="med" p14:dur="700">
+        <p:fade/>
+      </p:transition>
+    </mc:Choice>
+    <mc:Fallback xmlns:ahyp="http://schemas.microsoft.com/office/drawing/2018/hyperlinkcolor" xmlns:p15="http://schemas.microsoft.com/office/powerpoint/2012/main" xmlns:com="http://schemas.openxmlformats.org/drawingml/2006/compatibility" xmlns:pvml="urn:schemas-microsoft-com:office:powerpoint" xmlns:v="urn:schemas-microsoft-com:vml" xmlns:o="urn:schemas-microsoft-com:office:office" xmlns:dgm="http://schemas.openxmlformats.org/drawingml/2006/diagram" xmlns:c="http://schemas.openxmlformats.org/drawingml/2006/chart" xmlns:mv="urn:schemas-microsoft-com:mac:vml" xmlns="">
+      <p:transition spd="slow">
+        <p:fade/>
+      </p:transition>
+    </mc:Fallback>
+  </mc:AlternateContent>
+</p:sld>
+</file>
+
+<file path=ppt/slides/slide21.xml><?xml version="1.0" encoding="utf-8"?>
 <p:sld xmlns:a="http://schemas.openxmlformats.org/drawingml/2006/main" xmlns:r="http://schemas.openxmlformats.org/officeDocument/2006/relationships" xmlns:p="http://schemas.openxmlformats.org/presentationml/2006/main">
   <p:cSld>
     <p:spTree>
@@ -20431,7 +20343,7 @@
         <p:fade/>
       </p:transition>
     </mc:Choice>
-    <mc:Fallback xmlns="" xmlns:mv="urn:schemas-microsoft-com:mac:vml" xmlns:c="http://schemas.openxmlformats.org/drawingml/2006/chart" xmlns:dgm="http://schemas.openxmlformats.org/drawingml/2006/diagram" xmlns:o="urn:schemas-microsoft-com:office:office" xmlns:v="urn:schemas-microsoft-com:vml" xmlns:pvml="urn:schemas-microsoft-com:office:powerpoint" xmlns:com="http://schemas.openxmlformats.org/drawingml/2006/compatibility" xmlns:p15="http://schemas.microsoft.com/office/powerpoint/2012/main" xmlns:ahyp="http://schemas.microsoft.com/office/drawing/2018/hyperlinkcolor">
+    <mc:Fallback xmlns:ahyp="http://schemas.microsoft.com/office/drawing/2018/hyperlinkcolor" xmlns:p15="http://schemas.microsoft.com/office/powerpoint/2012/main" xmlns:com="http://schemas.openxmlformats.org/drawingml/2006/compatibility" xmlns:pvml="urn:schemas-microsoft-com:office:powerpoint" xmlns:v="urn:schemas-microsoft-com:vml" xmlns:o="urn:schemas-microsoft-com:office:office" xmlns:dgm="http://schemas.openxmlformats.org/drawingml/2006/diagram" xmlns:c="http://schemas.openxmlformats.org/drawingml/2006/chart" xmlns:mv="urn:schemas-microsoft-com:mac:vml" xmlns="">
       <p:transition spd="slow">
         <p:fade/>
       </p:transition>
@@ -20440,7 +20352,7 @@
 </p:sld>
 </file>
 
-<file path=ppt/slides/slide21.xml><?xml version="1.0" encoding="utf-8"?>
+<file path=ppt/slides/slide22.xml><?xml version="1.0" encoding="utf-8"?>
 <p:sld xmlns:a="http://schemas.openxmlformats.org/drawingml/2006/main" xmlns:r="http://schemas.openxmlformats.org/officeDocument/2006/relationships" xmlns:p="http://schemas.openxmlformats.org/presentationml/2006/main">
   <p:cSld>
     <p:spTree>
@@ -20838,7 +20750,7 @@
         <p:fade/>
       </p:transition>
     </mc:Choice>
-    <mc:Fallback xmlns="" xmlns:mv="urn:schemas-microsoft-com:mac:vml" xmlns:c="http://schemas.openxmlformats.org/drawingml/2006/chart" xmlns:dgm="http://schemas.openxmlformats.org/drawingml/2006/diagram" xmlns:o="urn:schemas-microsoft-com:office:office" xmlns:v="urn:schemas-microsoft-com:vml" xmlns:pvml="urn:schemas-microsoft-com:office:powerpoint" xmlns:com="http://schemas.openxmlformats.org/drawingml/2006/compatibility" xmlns:p15="http://schemas.microsoft.com/office/powerpoint/2012/main" xmlns:ahyp="http://schemas.microsoft.com/office/drawing/2018/hyperlinkcolor">
+    <mc:Fallback xmlns:ahyp="http://schemas.microsoft.com/office/drawing/2018/hyperlinkcolor" xmlns:p15="http://schemas.microsoft.com/office/powerpoint/2012/main" xmlns:com="http://schemas.openxmlformats.org/drawingml/2006/compatibility" xmlns:pvml="urn:schemas-microsoft-com:office:powerpoint" xmlns:v="urn:schemas-microsoft-com:vml" xmlns:o="urn:schemas-microsoft-com:office:office" xmlns:dgm="http://schemas.openxmlformats.org/drawingml/2006/diagram" xmlns:c="http://schemas.openxmlformats.org/drawingml/2006/chart" xmlns:mv="urn:schemas-microsoft-com:mac:vml" xmlns="">
       <p:transition spd="slow">
         <p:fade/>
       </p:transition>
@@ -21110,7 +21022,7 @@
         <p:fade/>
       </p:transition>
     </mc:Choice>
-    <mc:Fallback xmlns="" xmlns:mv="urn:schemas-microsoft-com:mac:vml" xmlns:c="http://schemas.openxmlformats.org/drawingml/2006/chart" xmlns:dgm="http://schemas.openxmlformats.org/drawingml/2006/diagram" xmlns:o="urn:schemas-microsoft-com:office:office" xmlns:v="urn:schemas-microsoft-com:vml" xmlns:pvml="urn:schemas-microsoft-com:office:powerpoint" xmlns:com="http://schemas.openxmlformats.org/drawingml/2006/compatibility" xmlns:p15="http://schemas.microsoft.com/office/powerpoint/2012/main" xmlns:ahyp="http://schemas.microsoft.com/office/drawing/2018/hyperlinkcolor">
+    <mc:Fallback xmlns:ahyp="http://schemas.microsoft.com/office/drawing/2018/hyperlinkcolor" xmlns:p15="http://schemas.microsoft.com/office/powerpoint/2012/main" xmlns:com="http://schemas.openxmlformats.org/drawingml/2006/compatibility" xmlns:pvml="urn:schemas-microsoft-com:office:powerpoint" xmlns:v="urn:schemas-microsoft-com:vml" xmlns:o="urn:schemas-microsoft-com:office:office" xmlns:dgm="http://schemas.openxmlformats.org/drawingml/2006/diagram" xmlns:c="http://schemas.openxmlformats.org/drawingml/2006/chart" xmlns:mv="urn:schemas-microsoft-com:mac:vml" xmlns="">
       <p:transition spd="slow">
         <p:fade/>
       </p:transition>
@@ -21382,7 +21294,7 @@
         <p:fade/>
       </p:transition>
     </mc:Choice>
-    <mc:Fallback xmlns="" xmlns:mv="urn:schemas-microsoft-com:mac:vml" xmlns:c="http://schemas.openxmlformats.org/drawingml/2006/chart" xmlns:dgm="http://schemas.openxmlformats.org/drawingml/2006/diagram" xmlns:o="urn:schemas-microsoft-com:office:office" xmlns:v="urn:schemas-microsoft-com:vml" xmlns:pvml="urn:schemas-microsoft-com:office:powerpoint" xmlns:com="http://schemas.openxmlformats.org/drawingml/2006/compatibility" xmlns:p15="http://schemas.microsoft.com/office/powerpoint/2012/main" xmlns:ahyp="http://schemas.microsoft.com/office/drawing/2018/hyperlinkcolor">
+    <mc:Fallback xmlns:ahyp="http://schemas.microsoft.com/office/drawing/2018/hyperlinkcolor" xmlns:p15="http://schemas.microsoft.com/office/powerpoint/2012/main" xmlns:com="http://schemas.openxmlformats.org/drawingml/2006/compatibility" xmlns:pvml="urn:schemas-microsoft-com:office:powerpoint" xmlns:v="urn:schemas-microsoft-com:vml" xmlns:o="urn:schemas-microsoft-com:office:office" xmlns:dgm="http://schemas.openxmlformats.org/drawingml/2006/diagram" xmlns:c="http://schemas.openxmlformats.org/drawingml/2006/chart" xmlns:mv="urn:schemas-microsoft-com:mac:vml" xmlns="">
       <p:transition spd="slow">
         <p:fade/>
       </p:transition>
@@ -21594,7 +21506,7 @@
         <p:fade/>
       </p:transition>
     </mc:Choice>
-    <mc:Fallback xmlns="" xmlns:mv="urn:schemas-microsoft-com:mac:vml" xmlns:c="http://schemas.openxmlformats.org/drawingml/2006/chart" xmlns:dgm="http://schemas.openxmlformats.org/drawingml/2006/diagram" xmlns:o="urn:schemas-microsoft-com:office:office" xmlns:v="urn:schemas-microsoft-com:vml" xmlns:pvml="urn:schemas-microsoft-com:office:powerpoint" xmlns:com="http://schemas.openxmlformats.org/drawingml/2006/compatibility" xmlns:p15="http://schemas.microsoft.com/office/powerpoint/2012/main" xmlns:ahyp="http://schemas.microsoft.com/office/drawing/2018/hyperlinkcolor">
+    <mc:Fallback xmlns:ahyp="http://schemas.microsoft.com/office/drawing/2018/hyperlinkcolor" xmlns:p15="http://schemas.microsoft.com/office/powerpoint/2012/main" xmlns:com="http://schemas.openxmlformats.org/drawingml/2006/compatibility" xmlns:pvml="urn:schemas-microsoft-com:office:powerpoint" xmlns:v="urn:schemas-microsoft-com:vml" xmlns:o="urn:schemas-microsoft-com:office:office" xmlns:dgm="http://schemas.openxmlformats.org/drawingml/2006/diagram" xmlns:c="http://schemas.openxmlformats.org/drawingml/2006/chart" xmlns:mv="urn:schemas-microsoft-com:mac:vml" xmlns="">
       <p:transition spd="slow">
         <p:fade/>
       </p:transition>
@@ -21822,7 +21734,7 @@
         <p:fade/>
       </p:transition>
     </mc:Choice>
-    <mc:Fallback xmlns="" xmlns:mv="urn:schemas-microsoft-com:mac:vml" xmlns:c="http://schemas.openxmlformats.org/drawingml/2006/chart" xmlns:dgm="http://schemas.openxmlformats.org/drawingml/2006/diagram" xmlns:o="urn:schemas-microsoft-com:office:office" xmlns:v="urn:schemas-microsoft-com:vml" xmlns:pvml="urn:schemas-microsoft-com:office:powerpoint" xmlns:com="http://schemas.openxmlformats.org/drawingml/2006/compatibility" xmlns:p15="http://schemas.microsoft.com/office/powerpoint/2012/main" xmlns:ahyp="http://schemas.microsoft.com/office/drawing/2018/hyperlinkcolor">
+    <mc:Fallback xmlns:ahyp="http://schemas.microsoft.com/office/drawing/2018/hyperlinkcolor" xmlns:p15="http://schemas.microsoft.com/office/powerpoint/2012/main" xmlns:com="http://schemas.openxmlformats.org/drawingml/2006/compatibility" xmlns:pvml="urn:schemas-microsoft-com:office:powerpoint" xmlns:v="urn:schemas-microsoft-com:vml" xmlns:o="urn:schemas-microsoft-com:office:office" xmlns:dgm="http://schemas.openxmlformats.org/drawingml/2006/diagram" xmlns:c="http://schemas.openxmlformats.org/drawingml/2006/chart" xmlns:mv="urn:schemas-microsoft-com:mac:vml" xmlns="">
       <p:transition spd="slow">
         <p:fade/>
       </p:transition>
@@ -21972,7 +21884,7 @@
         <p:fade/>
       </p:transition>
     </mc:Choice>
-    <mc:Fallback xmlns="" xmlns:mv="urn:schemas-microsoft-com:mac:vml" xmlns:c="http://schemas.openxmlformats.org/drawingml/2006/chart" xmlns:dgm="http://schemas.openxmlformats.org/drawingml/2006/diagram" xmlns:o="urn:schemas-microsoft-com:office:office" xmlns:v="urn:schemas-microsoft-com:vml" xmlns:pvml="urn:schemas-microsoft-com:office:powerpoint" xmlns:com="http://schemas.openxmlformats.org/drawingml/2006/compatibility" xmlns:p15="http://schemas.microsoft.com/office/powerpoint/2012/main" xmlns:ahyp="http://schemas.microsoft.com/office/drawing/2018/hyperlinkcolor">
+    <mc:Fallback xmlns:ahyp="http://schemas.microsoft.com/office/drawing/2018/hyperlinkcolor" xmlns:p15="http://schemas.microsoft.com/office/powerpoint/2012/main" xmlns:com="http://schemas.openxmlformats.org/drawingml/2006/compatibility" xmlns:pvml="urn:schemas-microsoft-com:office:powerpoint" xmlns:v="urn:schemas-microsoft-com:vml" xmlns:o="urn:schemas-microsoft-com:office:office" xmlns:dgm="http://schemas.openxmlformats.org/drawingml/2006/diagram" xmlns:c="http://schemas.openxmlformats.org/drawingml/2006/chart" xmlns:mv="urn:schemas-microsoft-com:mac:vml" xmlns="">
       <p:transition spd="slow">
         <p:fade/>
       </p:transition>

--- a/TH1/Final.pptx
+++ b/TH1/Final.pptx
@@ -5,7 +5,7 @@
     <p:sldMasterId id="2147483648" r:id="rId1"/>
   </p:sldMasterIdLst>
   <p:notesMasterIdLst>
-    <p:notesMasterId r:id="rId24"/>
+    <p:notesMasterId r:id="rId20"/>
   </p:notesMasterIdLst>
   <p:sldIdLst>
     <p:sldId id="256" r:id="rId2"/>
@@ -16,20 +16,16 @@
     <p:sldId id="285" r:id="rId7"/>
     <p:sldId id="278" r:id="rId8"/>
     <p:sldId id="277" r:id="rId9"/>
-    <p:sldId id="281" r:id="rId10"/>
-    <p:sldId id="259" r:id="rId11"/>
-    <p:sldId id="272" r:id="rId12"/>
-    <p:sldId id="282" r:id="rId13"/>
-    <p:sldId id="262" r:id="rId14"/>
-    <p:sldId id="284" r:id="rId15"/>
-    <p:sldId id="263" r:id="rId16"/>
-    <p:sldId id="274" r:id="rId17"/>
-    <p:sldId id="275" r:id="rId18"/>
-    <p:sldId id="276" r:id="rId19"/>
-    <p:sldId id="286" r:id="rId20"/>
-    <p:sldId id="269" r:id="rId21"/>
-    <p:sldId id="271" r:id="rId22"/>
-    <p:sldId id="279" r:id="rId23"/>
+    <p:sldId id="284" r:id="rId10"/>
+    <p:sldId id="262" r:id="rId11"/>
+    <p:sldId id="263" r:id="rId12"/>
+    <p:sldId id="274" r:id="rId13"/>
+    <p:sldId id="275" r:id="rId14"/>
+    <p:sldId id="276" r:id="rId15"/>
+    <p:sldId id="286" r:id="rId16"/>
+    <p:sldId id="269" r:id="rId17"/>
+    <p:sldId id="271" r:id="rId18"/>
+    <p:sldId id="279" r:id="rId19"/>
   </p:sldIdLst>
   <p:sldSz cx="12192000" cy="6858000"/>
   <p:notesSz cx="6858000" cy="9144000"/>
@@ -1864,382 +1860,6 @@
   <p:cSld>
     <p:spTree>
       <p:nvGrpSpPr>
-        <p:cNvPr id="1" name="Shape 112"/>
-        <p:cNvGrpSpPr/>
-        <p:nvPr/>
-      </p:nvGrpSpPr>
-      <p:grpSpPr>
-        <a:xfrm>
-          <a:off x="0" y="0"/>
-          <a:ext cx="0" cy="0"/>
-          <a:chOff x="0" y="0"/>
-          <a:chExt cx="0" cy="0"/>
-        </a:xfrm>
-      </p:grpSpPr>
-      <p:sp>
-        <p:nvSpPr>
-          <p:cNvPr id="113" name="Google Shape;113;p4:notes"/>
-          <p:cNvSpPr txBox="1">
-            <a:spLocks noGrp="1"/>
-          </p:cNvSpPr>
-          <p:nvPr>
-            <p:ph type="body" idx="1"/>
-          </p:nvPr>
-        </p:nvSpPr>
-        <p:spPr>
-          <a:xfrm>
-            <a:off x="685800" y="4400550"/>
-            <a:ext cx="5486400" cy="3600450"/>
-          </a:xfrm>
-          <a:prstGeom prst="rect">
-            <a:avLst/>
-          </a:prstGeom>
-          <a:noFill/>
-          <a:ln>
-            <a:noFill/>
-          </a:ln>
-        </p:spPr>
-        <p:txBody>
-          <a:bodyPr spcFirstLastPara="1" wrap="square" lIns="91425" tIns="45700" rIns="91425" bIns="45700" anchor="t" anchorCtr="0">
-            <a:noAutofit/>
-          </a:bodyPr>
-          <a:lstStyle/>
-          <a:p>
-            <a:pPr marL="0" lvl="0" indent="0" algn="l" rtl="0">
-              <a:lnSpc>
-                <a:spcPct val="100000"/>
-              </a:lnSpc>
-              <a:spcBef>
-                <a:spcPts val="0"/>
-              </a:spcBef>
-              <a:spcAft>
-                <a:spcPts val="0"/>
-              </a:spcAft>
-              <a:buSzPts val="1400"/>
-              <a:buNone/>
-            </a:pPr>
-            <a:endParaRPr/>
-          </a:p>
-        </p:txBody>
-      </p:sp>
-      <p:sp>
-        <p:nvSpPr>
-          <p:cNvPr id="114" name="Google Shape;114;p4:notes"/>
-          <p:cNvSpPr>
-            <a:spLocks noGrp="1" noRot="1" noChangeAspect="1"/>
-          </p:cNvSpPr>
-          <p:nvPr>
-            <p:ph type="sldImg" idx="2"/>
-          </p:nvPr>
-        </p:nvSpPr>
-        <p:spPr>
-          <a:xfrm>
-            <a:off x="685800" y="1143000"/>
-            <a:ext cx="5486400" cy="3086100"/>
-          </a:xfrm>
-          <a:custGeom>
-            <a:avLst/>
-            <a:gdLst/>
-            <a:ahLst/>
-            <a:cxnLst/>
-            <a:rect l="l" t="t" r="r" b="b"/>
-            <a:pathLst>
-              <a:path w="120000" h="120000" extrusionOk="0">
-                <a:moveTo>
-                  <a:pt x="0" y="0"/>
-                </a:moveTo>
-                <a:lnTo>
-                  <a:pt x="120000" y="0"/>
-                </a:lnTo>
-                <a:lnTo>
-                  <a:pt x="120000" y="120000"/>
-                </a:lnTo>
-                <a:lnTo>
-                  <a:pt x="0" y="120000"/>
-                </a:lnTo>
-                <a:close/>
-              </a:path>
-            </a:pathLst>
-          </a:custGeom>
-          <a:noFill/>
-          <a:ln w="12700" cap="flat" cmpd="sng">
-            <a:solidFill>
-              <a:srgbClr val="000000"/>
-            </a:solidFill>
-            <a:prstDash val="solid"/>
-            <a:round/>
-            <a:headEnd type="none" w="sm" len="sm"/>
-            <a:tailEnd type="none" w="sm" len="sm"/>
-          </a:ln>
-        </p:spPr>
-      </p:sp>
-    </p:spTree>
-  </p:cSld>
-  <p:clrMapOvr>
-    <a:masterClrMapping/>
-  </p:clrMapOvr>
-</p:notes>
-</file>
-
-<file path=ppt/notesSlides/notesSlide11.xml><?xml version="1.0" encoding="utf-8"?>
-<p:notes xmlns:a="http://schemas.openxmlformats.org/drawingml/2006/main" xmlns:r="http://schemas.openxmlformats.org/officeDocument/2006/relationships" xmlns:p="http://schemas.openxmlformats.org/presentationml/2006/main" showMasterSp="0" showMasterPhAnim="0">
-  <p:cSld>
-    <p:spTree>
-      <p:nvGrpSpPr>
-        <p:cNvPr id="1" name="Shape 112"/>
-        <p:cNvGrpSpPr/>
-        <p:nvPr/>
-      </p:nvGrpSpPr>
-      <p:grpSpPr>
-        <a:xfrm>
-          <a:off x="0" y="0"/>
-          <a:ext cx="0" cy="0"/>
-          <a:chOff x="0" y="0"/>
-          <a:chExt cx="0" cy="0"/>
-        </a:xfrm>
-      </p:grpSpPr>
-      <p:sp>
-        <p:nvSpPr>
-          <p:cNvPr id="113" name="Google Shape;113;p4:notes"/>
-          <p:cNvSpPr txBox="1">
-            <a:spLocks noGrp="1"/>
-          </p:cNvSpPr>
-          <p:nvPr>
-            <p:ph type="body" idx="1"/>
-          </p:nvPr>
-        </p:nvSpPr>
-        <p:spPr>
-          <a:xfrm>
-            <a:off x="685800" y="4400550"/>
-            <a:ext cx="5486400" cy="3600450"/>
-          </a:xfrm>
-          <a:prstGeom prst="rect">
-            <a:avLst/>
-          </a:prstGeom>
-          <a:noFill/>
-          <a:ln>
-            <a:noFill/>
-          </a:ln>
-        </p:spPr>
-        <p:txBody>
-          <a:bodyPr spcFirstLastPara="1" wrap="square" lIns="91425" tIns="45700" rIns="91425" bIns="45700" anchor="t" anchorCtr="0">
-            <a:noAutofit/>
-          </a:bodyPr>
-          <a:lstStyle/>
-          <a:p>
-            <a:pPr marL="0" lvl="0" indent="0" algn="l" rtl="0">
-              <a:lnSpc>
-                <a:spcPct val="100000"/>
-              </a:lnSpc>
-              <a:spcBef>
-                <a:spcPts val="0"/>
-              </a:spcBef>
-              <a:spcAft>
-                <a:spcPts val="0"/>
-              </a:spcAft>
-              <a:buSzPts val="1400"/>
-              <a:buNone/>
-            </a:pPr>
-            <a:endParaRPr/>
-          </a:p>
-        </p:txBody>
-      </p:sp>
-      <p:sp>
-        <p:nvSpPr>
-          <p:cNvPr id="114" name="Google Shape;114;p4:notes"/>
-          <p:cNvSpPr>
-            <a:spLocks noGrp="1" noRot="1" noChangeAspect="1"/>
-          </p:cNvSpPr>
-          <p:nvPr>
-            <p:ph type="sldImg" idx="2"/>
-          </p:nvPr>
-        </p:nvSpPr>
-        <p:spPr>
-          <a:xfrm>
-            <a:off x="685800" y="1143000"/>
-            <a:ext cx="5486400" cy="3086100"/>
-          </a:xfrm>
-          <a:custGeom>
-            <a:avLst/>
-            <a:gdLst/>
-            <a:ahLst/>
-            <a:cxnLst/>
-            <a:rect l="l" t="t" r="r" b="b"/>
-            <a:pathLst>
-              <a:path w="120000" h="120000" extrusionOk="0">
-                <a:moveTo>
-                  <a:pt x="0" y="0"/>
-                </a:moveTo>
-                <a:lnTo>
-                  <a:pt x="120000" y="0"/>
-                </a:lnTo>
-                <a:lnTo>
-                  <a:pt x="120000" y="120000"/>
-                </a:lnTo>
-                <a:lnTo>
-                  <a:pt x="0" y="120000"/>
-                </a:lnTo>
-                <a:close/>
-              </a:path>
-            </a:pathLst>
-          </a:custGeom>
-          <a:noFill/>
-          <a:ln w="12700" cap="flat" cmpd="sng">
-            <a:solidFill>
-              <a:srgbClr val="000000"/>
-            </a:solidFill>
-            <a:prstDash val="solid"/>
-            <a:round/>
-            <a:headEnd type="none" w="sm" len="sm"/>
-            <a:tailEnd type="none" w="sm" len="sm"/>
-          </a:ln>
-        </p:spPr>
-      </p:sp>
-    </p:spTree>
-    <p:extLst>
-      <p:ext uri="{BB962C8B-B14F-4D97-AF65-F5344CB8AC3E}">
-        <p14:creationId xmlns:p14="http://schemas.microsoft.com/office/powerpoint/2010/main" val="2807820720"/>
-      </p:ext>
-    </p:extLst>
-  </p:cSld>
-  <p:clrMapOvr>
-    <a:masterClrMapping/>
-  </p:clrMapOvr>
-</p:notes>
-</file>
-
-<file path=ppt/notesSlides/notesSlide12.xml><?xml version="1.0" encoding="utf-8"?>
-<p:notes xmlns:a="http://schemas.openxmlformats.org/drawingml/2006/main" xmlns:r="http://schemas.openxmlformats.org/officeDocument/2006/relationships" xmlns:p="http://schemas.openxmlformats.org/presentationml/2006/main" showMasterSp="0" showMasterPhAnim="0">
-  <p:cSld>
-    <p:spTree>
-      <p:nvGrpSpPr>
-        <p:cNvPr id="1" name="Shape 112"/>
-        <p:cNvGrpSpPr/>
-        <p:nvPr/>
-      </p:nvGrpSpPr>
-      <p:grpSpPr>
-        <a:xfrm>
-          <a:off x="0" y="0"/>
-          <a:ext cx="0" cy="0"/>
-          <a:chOff x="0" y="0"/>
-          <a:chExt cx="0" cy="0"/>
-        </a:xfrm>
-      </p:grpSpPr>
-      <p:sp>
-        <p:nvSpPr>
-          <p:cNvPr id="113" name="Google Shape;113;p4:notes"/>
-          <p:cNvSpPr txBox="1">
-            <a:spLocks noGrp="1"/>
-          </p:cNvSpPr>
-          <p:nvPr>
-            <p:ph type="body" idx="1"/>
-          </p:nvPr>
-        </p:nvSpPr>
-        <p:spPr>
-          <a:xfrm>
-            <a:off x="685800" y="4400550"/>
-            <a:ext cx="5486400" cy="3600450"/>
-          </a:xfrm>
-          <a:prstGeom prst="rect">
-            <a:avLst/>
-          </a:prstGeom>
-          <a:noFill/>
-          <a:ln>
-            <a:noFill/>
-          </a:ln>
-        </p:spPr>
-        <p:txBody>
-          <a:bodyPr spcFirstLastPara="1" wrap="square" lIns="91425" tIns="45700" rIns="91425" bIns="45700" anchor="t" anchorCtr="0">
-            <a:noAutofit/>
-          </a:bodyPr>
-          <a:lstStyle/>
-          <a:p>
-            <a:pPr marL="0" lvl="0" indent="0" algn="l" rtl="0">
-              <a:lnSpc>
-                <a:spcPct val="100000"/>
-              </a:lnSpc>
-              <a:spcBef>
-                <a:spcPts val="0"/>
-              </a:spcBef>
-              <a:spcAft>
-                <a:spcPts val="0"/>
-              </a:spcAft>
-              <a:buSzPts val="1400"/>
-              <a:buNone/>
-            </a:pPr>
-            <a:endParaRPr/>
-          </a:p>
-        </p:txBody>
-      </p:sp>
-      <p:sp>
-        <p:nvSpPr>
-          <p:cNvPr id="114" name="Google Shape;114;p4:notes"/>
-          <p:cNvSpPr>
-            <a:spLocks noGrp="1" noRot="1" noChangeAspect="1"/>
-          </p:cNvSpPr>
-          <p:nvPr>
-            <p:ph type="sldImg" idx="2"/>
-          </p:nvPr>
-        </p:nvSpPr>
-        <p:spPr>
-          <a:xfrm>
-            <a:off x="685800" y="1143000"/>
-            <a:ext cx="5486400" cy="3086100"/>
-          </a:xfrm>
-          <a:custGeom>
-            <a:avLst/>
-            <a:gdLst/>
-            <a:ahLst/>
-            <a:cxnLst/>
-            <a:rect l="l" t="t" r="r" b="b"/>
-            <a:pathLst>
-              <a:path w="120000" h="120000" extrusionOk="0">
-                <a:moveTo>
-                  <a:pt x="0" y="0"/>
-                </a:moveTo>
-                <a:lnTo>
-                  <a:pt x="120000" y="0"/>
-                </a:lnTo>
-                <a:lnTo>
-                  <a:pt x="120000" y="120000"/>
-                </a:lnTo>
-                <a:lnTo>
-                  <a:pt x="0" y="120000"/>
-                </a:lnTo>
-                <a:close/>
-              </a:path>
-            </a:pathLst>
-          </a:custGeom>
-          <a:noFill/>
-          <a:ln w="12700" cap="flat" cmpd="sng">
-            <a:solidFill>
-              <a:srgbClr val="000000"/>
-            </a:solidFill>
-            <a:prstDash val="solid"/>
-            <a:round/>
-            <a:headEnd type="none" w="sm" len="sm"/>
-            <a:tailEnd type="none" w="sm" len="sm"/>
-          </a:ln>
-        </p:spPr>
-      </p:sp>
-    </p:spTree>
-    <p:extLst>
-      <p:ext uri="{BB962C8B-B14F-4D97-AF65-F5344CB8AC3E}">
-        <p14:creationId xmlns:p14="http://schemas.microsoft.com/office/powerpoint/2010/main" val="3950504409"/>
-      </p:ext>
-    </p:extLst>
-  </p:cSld>
-  <p:clrMapOvr>
-    <a:masterClrMapping/>
-  </p:clrMapOvr>
-</p:notes>
-</file>
-
-<file path=ppt/notesSlides/notesSlide13.xml><?xml version="1.0" encoding="utf-8"?>
-<p:notes xmlns:a="http://schemas.openxmlformats.org/drawingml/2006/main" xmlns:r="http://schemas.openxmlformats.org/officeDocument/2006/relationships" xmlns:p="http://schemas.openxmlformats.org/presentationml/2006/main" showMasterSp="0" showMasterPhAnim="0">
-  <p:cSld>
-    <p:spTree>
-      <p:nvGrpSpPr>
         <p:cNvPr id="1" name="Shape 134"/>
         <p:cNvGrpSpPr/>
         <p:nvPr/>
@@ -2357,12 +1977,12 @@
 </p:notes>
 </file>
 
-<file path=ppt/notesSlides/notesSlide14.xml><?xml version="1.0" encoding="utf-8"?>
+<file path=ppt/notesSlides/notesSlide11.xml><?xml version="1.0" encoding="utf-8"?>
 <p:notes xmlns:a="http://schemas.openxmlformats.org/drawingml/2006/main" xmlns:r="http://schemas.openxmlformats.org/officeDocument/2006/relationships" xmlns:p="http://schemas.openxmlformats.org/presentationml/2006/main" showMasterSp="0" showMasterPhAnim="0">
   <p:cSld>
     <p:spTree>
       <p:nvGrpSpPr>
-        <p:cNvPr id="1" name="Shape 112"/>
+        <p:cNvPr id="1" name="Shape 140"/>
         <p:cNvGrpSpPr/>
         <p:nvPr/>
       </p:nvGrpSpPr>
@@ -2376,53 +1996,7 @@
       </p:grpSpPr>
       <p:sp>
         <p:nvSpPr>
-          <p:cNvPr id="113" name="Google Shape;113;p4:notes"/>
-          <p:cNvSpPr txBox="1">
-            <a:spLocks noGrp="1"/>
-          </p:cNvSpPr>
-          <p:nvPr>
-            <p:ph type="body" idx="1"/>
-          </p:nvPr>
-        </p:nvSpPr>
-        <p:spPr>
-          <a:xfrm>
-            <a:off x="685800" y="4400550"/>
-            <a:ext cx="5486400" cy="3600450"/>
-          </a:xfrm>
-          <a:prstGeom prst="rect">
-            <a:avLst/>
-          </a:prstGeom>
-          <a:noFill/>
-          <a:ln>
-            <a:noFill/>
-          </a:ln>
-        </p:spPr>
-        <p:txBody>
-          <a:bodyPr spcFirstLastPara="1" wrap="square" lIns="91425" tIns="45700" rIns="91425" bIns="45700" anchor="t" anchorCtr="0">
-            <a:noAutofit/>
-          </a:bodyPr>
-          <a:lstStyle/>
-          <a:p>
-            <a:pPr marL="0" lvl="0" indent="0" algn="l" rtl="0">
-              <a:lnSpc>
-                <a:spcPct val="100000"/>
-              </a:lnSpc>
-              <a:spcBef>
-                <a:spcPts val="0"/>
-              </a:spcBef>
-              <a:spcAft>
-                <a:spcPts val="0"/>
-              </a:spcAft>
-              <a:buSzPts val="1400"/>
-              <a:buNone/>
-            </a:pPr>
-            <a:endParaRPr/>
-          </a:p>
-        </p:txBody>
-      </p:sp>
-      <p:sp>
-        <p:nvSpPr>
-          <p:cNvPr id="114" name="Google Shape;114;p4:notes"/>
+          <p:cNvPr id="141" name="Google Shape;141;p23:notes"/>
           <p:cNvSpPr>
             <a:spLocks noGrp="1" noRot="1" noChangeAspect="1"/>
           </p:cNvSpPr>
@@ -2471,10 +2045,680 @@
           </a:ln>
         </p:spPr>
       </p:sp>
+      <p:sp>
+        <p:nvSpPr>
+          <p:cNvPr id="142" name="Google Shape;142;p23:notes"/>
+          <p:cNvSpPr txBox="1">
+            <a:spLocks noGrp="1"/>
+          </p:cNvSpPr>
+          <p:nvPr>
+            <p:ph type="body" idx="1"/>
+          </p:nvPr>
+        </p:nvSpPr>
+        <p:spPr>
+          <a:xfrm>
+            <a:off x="685800" y="4400550"/>
+            <a:ext cx="5486400" cy="3600450"/>
+          </a:xfrm>
+          <a:prstGeom prst="rect">
+            <a:avLst/>
+          </a:prstGeom>
+          <a:noFill/>
+          <a:ln>
+            <a:noFill/>
+          </a:ln>
+        </p:spPr>
+        <p:txBody>
+          <a:bodyPr spcFirstLastPara="1" wrap="square" lIns="91425" tIns="45700" rIns="91425" bIns="45700" anchor="t" anchorCtr="0">
+            <a:noAutofit/>
+          </a:bodyPr>
+          <a:lstStyle/>
+          <a:p>
+            <a:pPr marL="0" marR="0" lvl="0" indent="0" algn="l" rtl="0">
+              <a:lnSpc>
+                <a:spcPct val="100000"/>
+              </a:lnSpc>
+              <a:spcBef>
+                <a:spcPts val="0"/>
+              </a:spcBef>
+              <a:spcAft>
+                <a:spcPts val="0"/>
+              </a:spcAft>
+              <a:buClr>
+                <a:schemeClr val="dk1"/>
+              </a:buClr>
+              <a:buSzPts val="1200"/>
+              <a:buFont typeface="Arial"/>
+              <a:buNone/>
+            </a:pPr>
+            <a:endParaRPr sz="1200" b="0" i="0">
+              <a:solidFill>
+                <a:schemeClr val="dk1"/>
+              </a:solidFill>
+              <a:latin typeface="Arial"/>
+              <a:ea typeface="Arial"/>
+              <a:cs typeface="Arial"/>
+              <a:sym typeface="Arial"/>
+            </a:endParaRPr>
+          </a:p>
+        </p:txBody>
+      </p:sp>
+      <p:sp>
+        <p:nvSpPr>
+          <p:cNvPr id="143" name="Google Shape;143;p23:notes"/>
+          <p:cNvSpPr txBox="1">
+            <a:spLocks noGrp="1"/>
+          </p:cNvSpPr>
+          <p:nvPr>
+            <p:ph type="sldNum" idx="12"/>
+          </p:nvPr>
+        </p:nvSpPr>
+        <p:spPr>
+          <a:xfrm>
+            <a:off x="3884613" y="8685213"/>
+            <a:ext cx="2971800" cy="458787"/>
+          </a:xfrm>
+          <a:prstGeom prst="rect">
+            <a:avLst/>
+          </a:prstGeom>
+          <a:noFill/>
+          <a:ln>
+            <a:noFill/>
+          </a:ln>
+        </p:spPr>
+        <p:txBody>
+          <a:bodyPr spcFirstLastPara="1" wrap="square" lIns="91425" tIns="45700" rIns="91425" bIns="45700" anchor="b" anchorCtr="0">
+            <a:noAutofit/>
+          </a:bodyPr>
+          <a:lstStyle/>
+          <a:p>
+            <a:pPr marL="0" lvl="0" indent="0" algn="r" rtl="0">
+              <a:lnSpc>
+                <a:spcPct val="100000"/>
+              </a:lnSpc>
+              <a:spcBef>
+                <a:spcPts val="0"/>
+              </a:spcBef>
+              <a:spcAft>
+                <a:spcPts val="0"/>
+              </a:spcAft>
+              <a:buSzPts val="1400"/>
+              <a:buNone/>
+            </a:pPr>
+            <a:fld id="{00000000-1234-1234-1234-123412341234}" type="slidenum">
+              <a:rPr lang="en-US"/>
+              <a:t>11</a:t>
+            </a:fld>
+            <a:endParaRPr/>
+          </a:p>
+        </p:txBody>
+      </p:sp>
+    </p:spTree>
+  </p:cSld>
+  <p:clrMapOvr>
+    <a:masterClrMapping/>
+  </p:clrMapOvr>
+</p:notes>
+</file>
+
+<file path=ppt/notesSlides/notesSlide12.xml><?xml version="1.0" encoding="utf-8"?>
+<p:notes xmlns:a="http://schemas.openxmlformats.org/drawingml/2006/main" xmlns:r="http://schemas.openxmlformats.org/officeDocument/2006/relationships" xmlns:p="http://schemas.openxmlformats.org/presentationml/2006/main" showMasterSp="0" showMasterPhAnim="0">
+  <p:cSld>
+    <p:spTree>
+      <p:nvGrpSpPr>
+        <p:cNvPr id="1" name="Shape 140"/>
+        <p:cNvGrpSpPr/>
+        <p:nvPr/>
+      </p:nvGrpSpPr>
+      <p:grpSpPr>
+        <a:xfrm>
+          <a:off x="0" y="0"/>
+          <a:ext cx="0" cy="0"/>
+          <a:chOff x="0" y="0"/>
+          <a:chExt cx="0" cy="0"/>
+        </a:xfrm>
+      </p:grpSpPr>
+      <p:sp>
+        <p:nvSpPr>
+          <p:cNvPr id="141" name="Google Shape;141;p23:notes"/>
+          <p:cNvSpPr>
+            <a:spLocks noGrp="1" noRot="1" noChangeAspect="1"/>
+          </p:cNvSpPr>
+          <p:nvPr>
+            <p:ph type="sldImg" idx="2"/>
+          </p:nvPr>
+        </p:nvSpPr>
+        <p:spPr>
+          <a:xfrm>
+            <a:off x="685800" y="1143000"/>
+            <a:ext cx="5486400" cy="3086100"/>
+          </a:xfrm>
+          <a:custGeom>
+            <a:avLst/>
+            <a:gdLst/>
+            <a:ahLst/>
+            <a:cxnLst/>
+            <a:rect l="l" t="t" r="r" b="b"/>
+            <a:pathLst>
+              <a:path w="120000" h="120000" extrusionOk="0">
+                <a:moveTo>
+                  <a:pt x="0" y="0"/>
+                </a:moveTo>
+                <a:lnTo>
+                  <a:pt x="120000" y="0"/>
+                </a:lnTo>
+                <a:lnTo>
+                  <a:pt x="120000" y="120000"/>
+                </a:lnTo>
+                <a:lnTo>
+                  <a:pt x="0" y="120000"/>
+                </a:lnTo>
+                <a:close/>
+              </a:path>
+            </a:pathLst>
+          </a:custGeom>
+          <a:noFill/>
+          <a:ln w="12700" cap="flat" cmpd="sng">
+            <a:solidFill>
+              <a:srgbClr val="000000"/>
+            </a:solidFill>
+            <a:prstDash val="solid"/>
+            <a:round/>
+            <a:headEnd type="none" w="sm" len="sm"/>
+            <a:tailEnd type="none" w="sm" len="sm"/>
+          </a:ln>
+        </p:spPr>
+      </p:sp>
+      <p:sp>
+        <p:nvSpPr>
+          <p:cNvPr id="142" name="Google Shape;142;p23:notes"/>
+          <p:cNvSpPr txBox="1">
+            <a:spLocks noGrp="1"/>
+          </p:cNvSpPr>
+          <p:nvPr>
+            <p:ph type="body" idx="1"/>
+          </p:nvPr>
+        </p:nvSpPr>
+        <p:spPr>
+          <a:xfrm>
+            <a:off x="685800" y="4400550"/>
+            <a:ext cx="5486400" cy="3600450"/>
+          </a:xfrm>
+          <a:prstGeom prst="rect">
+            <a:avLst/>
+          </a:prstGeom>
+          <a:noFill/>
+          <a:ln>
+            <a:noFill/>
+          </a:ln>
+        </p:spPr>
+        <p:txBody>
+          <a:bodyPr spcFirstLastPara="1" wrap="square" lIns="91425" tIns="45700" rIns="91425" bIns="45700" anchor="t" anchorCtr="0">
+            <a:noAutofit/>
+          </a:bodyPr>
+          <a:lstStyle/>
+          <a:p>
+            <a:pPr marL="0" marR="0" lvl="0" indent="0" algn="l" rtl="0">
+              <a:lnSpc>
+                <a:spcPct val="100000"/>
+              </a:lnSpc>
+              <a:spcBef>
+                <a:spcPts val="0"/>
+              </a:spcBef>
+              <a:spcAft>
+                <a:spcPts val="0"/>
+              </a:spcAft>
+              <a:buClr>
+                <a:schemeClr val="dk1"/>
+              </a:buClr>
+              <a:buSzPts val="1200"/>
+              <a:buFont typeface="Arial"/>
+              <a:buNone/>
+            </a:pPr>
+            <a:endParaRPr sz="1200" b="0" i="0">
+              <a:solidFill>
+                <a:schemeClr val="dk1"/>
+              </a:solidFill>
+              <a:latin typeface="Arial"/>
+              <a:ea typeface="Arial"/>
+              <a:cs typeface="Arial"/>
+              <a:sym typeface="Arial"/>
+            </a:endParaRPr>
+          </a:p>
+        </p:txBody>
+      </p:sp>
+      <p:sp>
+        <p:nvSpPr>
+          <p:cNvPr id="143" name="Google Shape;143;p23:notes"/>
+          <p:cNvSpPr txBox="1">
+            <a:spLocks noGrp="1"/>
+          </p:cNvSpPr>
+          <p:nvPr>
+            <p:ph type="sldNum" idx="12"/>
+          </p:nvPr>
+        </p:nvSpPr>
+        <p:spPr>
+          <a:xfrm>
+            <a:off x="3884613" y="8685213"/>
+            <a:ext cx="2971800" cy="458787"/>
+          </a:xfrm>
+          <a:prstGeom prst="rect">
+            <a:avLst/>
+          </a:prstGeom>
+          <a:noFill/>
+          <a:ln>
+            <a:noFill/>
+          </a:ln>
+        </p:spPr>
+        <p:txBody>
+          <a:bodyPr spcFirstLastPara="1" wrap="square" lIns="91425" tIns="45700" rIns="91425" bIns="45700" anchor="b" anchorCtr="0">
+            <a:noAutofit/>
+          </a:bodyPr>
+          <a:lstStyle/>
+          <a:p>
+            <a:pPr marL="0" lvl="0" indent="0" algn="r" rtl="0">
+              <a:lnSpc>
+                <a:spcPct val="100000"/>
+              </a:lnSpc>
+              <a:spcBef>
+                <a:spcPts val="0"/>
+              </a:spcBef>
+              <a:spcAft>
+                <a:spcPts val="0"/>
+              </a:spcAft>
+              <a:buSzPts val="1400"/>
+              <a:buNone/>
+            </a:pPr>
+            <a:fld id="{00000000-1234-1234-1234-123412341234}" type="slidenum">
+              <a:rPr lang="en-US"/>
+              <a:t>12</a:t>
+            </a:fld>
+            <a:endParaRPr/>
+          </a:p>
+        </p:txBody>
+      </p:sp>
     </p:spTree>
     <p:extLst>
       <p:ext uri="{BB962C8B-B14F-4D97-AF65-F5344CB8AC3E}">
-        <p14:creationId xmlns:p14="http://schemas.microsoft.com/office/powerpoint/2010/main" val="428518099"/>
+        <p14:creationId xmlns:p14="http://schemas.microsoft.com/office/powerpoint/2010/main" val="2560408357"/>
+      </p:ext>
+    </p:extLst>
+  </p:cSld>
+  <p:clrMapOvr>
+    <a:masterClrMapping/>
+  </p:clrMapOvr>
+</p:notes>
+</file>
+
+<file path=ppt/notesSlides/notesSlide13.xml><?xml version="1.0" encoding="utf-8"?>
+<p:notes xmlns:a="http://schemas.openxmlformats.org/drawingml/2006/main" xmlns:r="http://schemas.openxmlformats.org/officeDocument/2006/relationships" xmlns:p="http://schemas.openxmlformats.org/presentationml/2006/main" showMasterSp="0" showMasterPhAnim="0">
+  <p:cSld>
+    <p:spTree>
+      <p:nvGrpSpPr>
+        <p:cNvPr id="1" name="Shape 140"/>
+        <p:cNvGrpSpPr/>
+        <p:nvPr/>
+      </p:nvGrpSpPr>
+      <p:grpSpPr>
+        <a:xfrm>
+          <a:off x="0" y="0"/>
+          <a:ext cx="0" cy="0"/>
+          <a:chOff x="0" y="0"/>
+          <a:chExt cx="0" cy="0"/>
+        </a:xfrm>
+      </p:grpSpPr>
+      <p:sp>
+        <p:nvSpPr>
+          <p:cNvPr id="141" name="Google Shape;141;p23:notes"/>
+          <p:cNvSpPr>
+            <a:spLocks noGrp="1" noRot="1" noChangeAspect="1"/>
+          </p:cNvSpPr>
+          <p:nvPr>
+            <p:ph type="sldImg" idx="2"/>
+          </p:nvPr>
+        </p:nvSpPr>
+        <p:spPr>
+          <a:xfrm>
+            <a:off x="685800" y="1143000"/>
+            <a:ext cx="5486400" cy="3086100"/>
+          </a:xfrm>
+          <a:custGeom>
+            <a:avLst/>
+            <a:gdLst/>
+            <a:ahLst/>
+            <a:cxnLst/>
+            <a:rect l="l" t="t" r="r" b="b"/>
+            <a:pathLst>
+              <a:path w="120000" h="120000" extrusionOk="0">
+                <a:moveTo>
+                  <a:pt x="0" y="0"/>
+                </a:moveTo>
+                <a:lnTo>
+                  <a:pt x="120000" y="0"/>
+                </a:lnTo>
+                <a:lnTo>
+                  <a:pt x="120000" y="120000"/>
+                </a:lnTo>
+                <a:lnTo>
+                  <a:pt x="0" y="120000"/>
+                </a:lnTo>
+                <a:close/>
+              </a:path>
+            </a:pathLst>
+          </a:custGeom>
+          <a:noFill/>
+          <a:ln w="12700" cap="flat" cmpd="sng">
+            <a:solidFill>
+              <a:srgbClr val="000000"/>
+            </a:solidFill>
+            <a:prstDash val="solid"/>
+            <a:round/>
+            <a:headEnd type="none" w="sm" len="sm"/>
+            <a:tailEnd type="none" w="sm" len="sm"/>
+          </a:ln>
+        </p:spPr>
+      </p:sp>
+      <p:sp>
+        <p:nvSpPr>
+          <p:cNvPr id="142" name="Google Shape;142;p23:notes"/>
+          <p:cNvSpPr txBox="1">
+            <a:spLocks noGrp="1"/>
+          </p:cNvSpPr>
+          <p:nvPr>
+            <p:ph type="body" idx="1"/>
+          </p:nvPr>
+        </p:nvSpPr>
+        <p:spPr>
+          <a:xfrm>
+            <a:off x="685800" y="4400550"/>
+            <a:ext cx="5486400" cy="3600450"/>
+          </a:xfrm>
+          <a:prstGeom prst="rect">
+            <a:avLst/>
+          </a:prstGeom>
+          <a:noFill/>
+          <a:ln>
+            <a:noFill/>
+          </a:ln>
+        </p:spPr>
+        <p:txBody>
+          <a:bodyPr spcFirstLastPara="1" wrap="square" lIns="91425" tIns="45700" rIns="91425" bIns="45700" anchor="t" anchorCtr="0">
+            <a:noAutofit/>
+          </a:bodyPr>
+          <a:lstStyle/>
+          <a:p>
+            <a:pPr marL="0" marR="0" lvl="0" indent="0" algn="l" rtl="0">
+              <a:lnSpc>
+                <a:spcPct val="100000"/>
+              </a:lnSpc>
+              <a:spcBef>
+                <a:spcPts val="0"/>
+              </a:spcBef>
+              <a:spcAft>
+                <a:spcPts val="0"/>
+              </a:spcAft>
+              <a:buClr>
+                <a:schemeClr val="dk1"/>
+              </a:buClr>
+              <a:buSzPts val="1200"/>
+              <a:buFont typeface="Arial"/>
+              <a:buNone/>
+            </a:pPr>
+            <a:endParaRPr sz="1200" b="0" i="0">
+              <a:solidFill>
+                <a:schemeClr val="dk1"/>
+              </a:solidFill>
+              <a:latin typeface="Arial"/>
+              <a:ea typeface="Arial"/>
+              <a:cs typeface="Arial"/>
+              <a:sym typeface="Arial"/>
+            </a:endParaRPr>
+          </a:p>
+        </p:txBody>
+      </p:sp>
+      <p:sp>
+        <p:nvSpPr>
+          <p:cNvPr id="143" name="Google Shape;143;p23:notes"/>
+          <p:cNvSpPr txBox="1">
+            <a:spLocks noGrp="1"/>
+          </p:cNvSpPr>
+          <p:nvPr>
+            <p:ph type="sldNum" idx="12"/>
+          </p:nvPr>
+        </p:nvSpPr>
+        <p:spPr>
+          <a:xfrm>
+            <a:off x="3884613" y="8685213"/>
+            <a:ext cx="2971800" cy="458787"/>
+          </a:xfrm>
+          <a:prstGeom prst="rect">
+            <a:avLst/>
+          </a:prstGeom>
+          <a:noFill/>
+          <a:ln>
+            <a:noFill/>
+          </a:ln>
+        </p:spPr>
+        <p:txBody>
+          <a:bodyPr spcFirstLastPara="1" wrap="square" lIns="91425" tIns="45700" rIns="91425" bIns="45700" anchor="b" anchorCtr="0">
+            <a:noAutofit/>
+          </a:bodyPr>
+          <a:lstStyle/>
+          <a:p>
+            <a:pPr marL="0" lvl="0" indent="0" algn="r" rtl="0">
+              <a:lnSpc>
+                <a:spcPct val="100000"/>
+              </a:lnSpc>
+              <a:spcBef>
+                <a:spcPts val="0"/>
+              </a:spcBef>
+              <a:spcAft>
+                <a:spcPts val="0"/>
+              </a:spcAft>
+              <a:buSzPts val="1400"/>
+              <a:buNone/>
+            </a:pPr>
+            <a:fld id="{00000000-1234-1234-1234-123412341234}" type="slidenum">
+              <a:rPr lang="en-US"/>
+              <a:t>13</a:t>
+            </a:fld>
+            <a:endParaRPr/>
+          </a:p>
+        </p:txBody>
+      </p:sp>
+    </p:spTree>
+    <p:extLst>
+      <p:ext uri="{BB962C8B-B14F-4D97-AF65-F5344CB8AC3E}">
+        <p14:creationId xmlns:p14="http://schemas.microsoft.com/office/powerpoint/2010/main" val="808293360"/>
+      </p:ext>
+    </p:extLst>
+  </p:cSld>
+  <p:clrMapOvr>
+    <a:masterClrMapping/>
+  </p:clrMapOvr>
+</p:notes>
+</file>
+
+<file path=ppt/notesSlides/notesSlide14.xml><?xml version="1.0" encoding="utf-8"?>
+<p:notes xmlns:a="http://schemas.openxmlformats.org/drawingml/2006/main" xmlns:r="http://schemas.openxmlformats.org/officeDocument/2006/relationships" xmlns:p="http://schemas.openxmlformats.org/presentationml/2006/main" showMasterSp="0" showMasterPhAnim="0">
+  <p:cSld>
+    <p:spTree>
+      <p:nvGrpSpPr>
+        <p:cNvPr id="1" name="Shape 140"/>
+        <p:cNvGrpSpPr/>
+        <p:nvPr/>
+      </p:nvGrpSpPr>
+      <p:grpSpPr>
+        <a:xfrm>
+          <a:off x="0" y="0"/>
+          <a:ext cx="0" cy="0"/>
+          <a:chOff x="0" y="0"/>
+          <a:chExt cx="0" cy="0"/>
+        </a:xfrm>
+      </p:grpSpPr>
+      <p:sp>
+        <p:nvSpPr>
+          <p:cNvPr id="141" name="Google Shape;141;p23:notes"/>
+          <p:cNvSpPr>
+            <a:spLocks noGrp="1" noRot="1" noChangeAspect="1"/>
+          </p:cNvSpPr>
+          <p:nvPr>
+            <p:ph type="sldImg" idx="2"/>
+          </p:nvPr>
+        </p:nvSpPr>
+        <p:spPr>
+          <a:xfrm>
+            <a:off x="685800" y="1143000"/>
+            <a:ext cx="5486400" cy="3086100"/>
+          </a:xfrm>
+          <a:custGeom>
+            <a:avLst/>
+            <a:gdLst/>
+            <a:ahLst/>
+            <a:cxnLst/>
+            <a:rect l="l" t="t" r="r" b="b"/>
+            <a:pathLst>
+              <a:path w="120000" h="120000" extrusionOk="0">
+                <a:moveTo>
+                  <a:pt x="0" y="0"/>
+                </a:moveTo>
+                <a:lnTo>
+                  <a:pt x="120000" y="0"/>
+                </a:lnTo>
+                <a:lnTo>
+                  <a:pt x="120000" y="120000"/>
+                </a:lnTo>
+                <a:lnTo>
+                  <a:pt x="0" y="120000"/>
+                </a:lnTo>
+                <a:close/>
+              </a:path>
+            </a:pathLst>
+          </a:custGeom>
+          <a:noFill/>
+          <a:ln w="12700" cap="flat" cmpd="sng">
+            <a:solidFill>
+              <a:srgbClr val="000000"/>
+            </a:solidFill>
+            <a:prstDash val="solid"/>
+            <a:round/>
+            <a:headEnd type="none" w="sm" len="sm"/>
+            <a:tailEnd type="none" w="sm" len="sm"/>
+          </a:ln>
+        </p:spPr>
+      </p:sp>
+      <p:sp>
+        <p:nvSpPr>
+          <p:cNvPr id="142" name="Google Shape;142;p23:notes"/>
+          <p:cNvSpPr txBox="1">
+            <a:spLocks noGrp="1"/>
+          </p:cNvSpPr>
+          <p:nvPr>
+            <p:ph type="body" idx="1"/>
+          </p:nvPr>
+        </p:nvSpPr>
+        <p:spPr>
+          <a:xfrm>
+            <a:off x="685800" y="4400550"/>
+            <a:ext cx="5486400" cy="3600450"/>
+          </a:xfrm>
+          <a:prstGeom prst="rect">
+            <a:avLst/>
+          </a:prstGeom>
+          <a:noFill/>
+          <a:ln>
+            <a:noFill/>
+          </a:ln>
+        </p:spPr>
+        <p:txBody>
+          <a:bodyPr spcFirstLastPara="1" wrap="square" lIns="91425" tIns="45700" rIns="91425" bIns="45700" anchor="t" anchorCtr="0">
+            <a:noAutofit/>
+          </a:bodyPr>
+          <a:lstStyle/>
+          <a:p>
+            <a:pPr marL="0" marR="0" lvl="0" indent="0" algn="l" rtl="0">
+              <a:lnSpc>
+                <a:spcPct val="100000"/>
+              </a:lnSpc>
+              <a:spcBef>
+                <a:spcPts val="0"/>
+              </a:spcBef>
+              <a:spcAft>
+                <a:spcPts val="0"/>
+              </a:spcAft>
+              <a:buClr>
+                <a:schemeClr val="dk1"/>
+              </a:buClr>
+              <a:buSzPts val="1200"/>
+              <a:buFont typeface="Arial"/>
+              <a:buNone/>
+            </a:pPr>
+            <a:endParaRPr sz="1200" b="0" i="0">
+              <a:solidFill>
+                <a:schemeClr val="dk1"/>
+              </a:solidFill>
+              <a:latin typeface="Arial"/>
+              <a:ea typeface="Arial"/>
+              <a:cs typeface="Arial"/>
+              <a:sym typeface="Arial"/>
+            </a:endParaRPr>
+          </a:p>
+        </p:txBody>
+      </p:sp>
+      <p:sp>
+        <p:nvSpPr>
+          <p:cNvPr id="143" name="Google Shape;143;p23:notes"/>
+          <p:cNvSpPr txBox="1">
+            <a:spLocks noGrp="1"/>
+          </p:cNvSpPr>
+          <p:nvPr>
+            <p:ph type="sldNum" idx="12"/>
+          </p:nvPr>
+        </p:nvSpPr>
+        <p:spPr>
+          <a:xfrm>
+            <a:off x="3884613" y="8685213"/>
+            <a:ext cx="2971800" cy="458787"/>
+          </a:xfrm>
+          <a:prstGeom prst="rect">
+            <a:avLst/>
+          </a:prstGeom>
+          <a:noFill/>
+          <a:ln>
+            <a:noFill/>
+          </a:ln>
+        </p:spPr>
+        <p:txBody>
+          <a:bodyPr spcFirstLastPara="1" wrap="square" lIns="91425" tIns="45700" rIns="91425" bIns="45700" anchor="b" anchorCtr="0">
+            <a:noAutofit/>
+          </a:bodyPr>
+          <a:lstStyle/>
+          <a:p>
+            <a:pPr marL="0" lvl="0" indent="0" algn="r" rtl="0">
+              <a:lnSpc>
+                <a:spcPct val="100000"/>
+              </a:lnSpc>
+              <a:spcBef>
+                <a:spcPts val="0"/>
+              </a:spcBef>
+              <a:spcAft>
+                <a:spcPts val="0"/>
+              </a:spcAft>
+              <a:buSzPts val="1400"/>
+              <a:buNone/>
+            </a:pPr>
+            <a:fld id="{00000000-1234-1234-1234-123412341234}" type="slidenum">
+              <a:rPr lang="en-US"/>
+              <a:t>14</a:t>
+            </a:fld>
+            <a:endParaRPr/>
+          </a:p>
+        </p:txBody>
+      </p:sp>
+    </p:spTree>
+    <p:extLst>
+      <p:ext uri="{BB962C8B-B14F-4D97-AF65-F5344CB8AC3E}">
+        <p14:creationId xmlns:p14="http://schemas.microsoft.com/office/powerpoint/2010/main" val="2902635279"/>
       </p:ext>
     </p:extLst>
   </p:cSld>
@@ -2661,757 +2905,6 @@
         </p:txBody>
       </p:sp>
     </p:spTree>
-  </p:cSld>
-  <p:clrMapOvr>
-    <a:masterClrMapping/>
-  </p:clrMapOvr>
-</p:notes>
-</file>
-
-<file path=ppt/notesSlides/notesSlide16.xml><?xml version="1.0" encoding="utf-8"?>
-<p:notes xmlns:a="http://schemas.openxmlformats.org/drawingml/2006/main" xmlns:r="http://schemas.openxmlformats.org/officeDocument/2006/relationships" xmlns:p="http://schemas.openxmlformats.org/presentationml/2006/main" showMasterSp="0" showMasterPhAnim="0">
-  <p:cSld>
-    <p:spTree>
-      <p:nvGrpSpPr>
-        <p:cNvPr id="1" name="Shape 140"/>
-        <p:cNvGrpSpPr/>
-        <p:nvPr/>
-      </p:nvGrpSpPr>
-      <p:grpSpPr>
-        <a:xfrm>
-          <a:off x="0" y="0"/>
-          <a:ext cx="0" cy="0"/>
-          <a:chOff x="0" y="0"/>
-          <a:chExt cx="0" cy="0"/>
-        </a:xfrm>
-      </p:grpSpPr>
-      <p:sp>
-        <p:nvSpPr>
-          <p:cNvPr id="141" name="Google Shape;141;p23:notes"/>
-          <p:cNvSpPr>
-            <a:spLocks noGrp="1" noRot="1" noChangeAspect="1"/>
-          </p:cNvSpPr>
-          <p:nvPr>
-            <p:ph type="sldImg" idx="2"/>
-          </p:nvPr>
-        </p:nvSpPr>
-        <p:spPr>
-          <a:xfrm>
-            <a:off x="685800" y="1143000"/>
-            <a:ext cx="5486400" cy="3086100"/>
-          </a:xfrm>
-          <a:custGeom>
-            <a:avLst/>
-            <a:gdLst/>
-            <a:ahLst/>
-            <a:cxnLst/>
-            <a:rect l="l" t="t" r="r" b="b"/>
-            <a:pathLst>
-              <a:path w="120000" h="120000" extrusionOk="0">
-                <a:moveTo>
-                  <a:pt x="0" y="0"/>
-                </a:moveTo>
-                <a:lnTo>
-                  <a:pt x="120000" y="0"/>
-                </a:lnTo>
-                <a:lnTo>
-                  <a:pt x="120000" y="120000"/>
-                </a:lnTo>
-                <a:lnTo>
-                  <a:pt x="0" y="120000"/>
-                </a:lnTo>
-                <a:close/>
-              </a:path>
-            </a:pathLst>
-          </a:custGeom>
-          <a:noFill/>
-          <a:ln w="12700" cap="flat" cmpd="sng">
-            <a:solidFill>
-              <a:srgbClr val="000000"/>
-            </a:solidFill>
-            <a:prstDash val="solid"/>
-            <a:round/>
-            <a:headEnd type="none" w="sm" len="sm"/>
-            <a:tailEnd type="none" w="sm" len="sm"/>
-          </a:ln>
-        </p:spPr>
-      </p:sp>
-      <p:sp>
-        <p:nvSpPr>
-          <p:cNvPr id="142" name="Google Shape;142;p23:notes"/>
-          <p:cNvSpPr txBox="1">
-            <a:spLocks noGrp="1"/>
-          </p:cNvSpPr>
-          <p:nvPr>
-            <p:ph type="body" idx="1"/>
-          </p:nvPr>
-        </p:nvSpPr>
-        <p:spPr>
-          <a:xfrm>
-            <a:off x="685800" y="4400550"/>
-            <a:ext cx="5486400" cy="3600450"/>
-          </a:xfrm>
-          <a:prstGeom prst="rect">
-            <a:avLst/>
-          </a:prstGeom>
-          <a:noFill/>
-          <a:ln>
-            <a:noFill/>
-          </a:ln>
-        </p:spPr>
-        <p:txBody>
-          <a:bodyPr spcFirstLastPara="1" wrap="square" lIns="91425" tIns="45700" rIns="91425" bIns="45700" anchor="t" anchorCtr="0">
-            <a:noAutofit/>
-          </a:bodyPr>
-          <a:lstStyle/>
-          <a:p>
-            <a:pPr marL="0" marR="0" lvl="0" indent="0" algn="l" rtl="0">
-              <a:lnSpc>
-                <a:spcPct val="100000"/>
-              </a:lnSpc>
-              <a:spcBef>
-                <a:spcPts val="0"/>
-              </a:spcBef>
-              <a:spcAft>
-                <a:spcPts val="0"/>
-              </a:spcAft>
-              <a:buClr>
-                <a:schemeClr val="dk1"/>
-              </a:buClr>
-              <a:buSzPts val="1200"/>
-              <a:buFont typeface="Arial"/>
-              <a:buNone/>
-            </a:pPr>
-            <a:endParaRPr sz="1200" b="0" i="0">
-              <a:solidFill>
-                <a:schemeClr val="dk1"/>
-              </a:solidFill>
-              <a:latin typeface="Arial"/>
-              <a:ea typeface="Arial"/>
-              <a:cs typeface="Arial"/>
-              <a:sym typeface="Arial"/>
-            </a:endParaRPr>
-          </a:p>
-        </p:txBody>
-      </p:sp>
-      <p:sp>
-        <p:nvSpPr>
-          <p:cNvPr id="143" name="Google Shape;143;p23:notes"/>
-          <p:cNvSpPr txBox="1">
-            <a:spLocks noGrp="1"/>
-          </p:cNvSpPr>
-          <p:nvPr>
-            <p:ph type="sldNum" idx="12"/>
-          </p:nvPr>
-        </p:nvSpPr>
-        <p:spPr>
-          <a:xfrm>
-            <a:off x="3884613" y="8685213"/>
-            <a:ext cx="2971800" cy="458787"/>
-          </a:xfrm>
-          <a:prstGeom prst="rect">
-            <a:avLst/>
-          </a:prstGeom>
-          <a:noFill/>
-          <a:ln>
-            <a:noFill/>
-          </a:ln>
-        </p:spPr>
-        <p:txBody>
-          <a:bodyPr spcFirstLastPara="1" wrap="square" lIns="91425" tIns="45700" rIns="91425" bIns="45700" anchor="b" anchorCtr="0">
-            <a:noAutofit/>
-          </a:bodyPr>
-          <a:lstStyle/>
-          <a:p>
-            <a:pPr marL="0" lvl="0" indent="0" algn="r" rtl="0">
-              <a:lnSpc>
-                <a:spcPct val="100000"/>
-              </a:lnSpc>
-              <a:spcBef>
-                <a:spcPts val="0"/>
-              </a:spcBef>
-              <a:spcAft>
-                <a:spcPts val="0"/>
-              </a:spcAft>
-              <a:buSzPts val="1400"/>
-              <a:buNone/>
-            </a:pPr>
-            <a:fld id="{00000000-1234-1234-1234-123412341234}" type="slidenum">
-              <a:rPr lang="en-US"/>
-              <a:t>16</a:t>
-            </a:fld>
-            <a:endParaRPr/>
-          </a:p>
-        </p:txBody>
-      </p:sp>
-    </p:spTree>
-    <p:extLst>
-      <p:ext uri="{BB962C8B-B14F-4D97-AF65-F5344CB8AC3E}">
-        <p14:creationId xmlns:p14="http://schemas.microsoft.com/office/powerpoint/2010/main" val="2560408357"/>
-      </p:ext>
-    </p:extLst>
-  </p:cSld>
-  <p:clrMapOvr>
-    <a:masterClrMapping/>
-  </p:clrMapOvr>
-</p:notes>
-</file>
-
-<file path=ppt/notesSlides/notesSlide17.xml><?xml version="1.0" encoding="utf-8"?>
-<p:notes xmlns:a="http://schemas.openxmlformats.org/drawingml/2006/main" xmlns:r="http://schemas.openxmlformats.org/officeDocument/2006/relationships" xmlns:p="http://schemas.openxmlformats.org/presentationml/2006/main" showMasterSp="0" showMasterPhAnim="0">
-  <p:cSld>
-    <p:spTree>
-      <p:nvGrpSpPr>
-        <p:cNvPr id="1" name="Shape 140"/>
-        <p:cNvGrpSpPr/>
-        <p:nvPr/>
-      </p:nvGrpSpPr>
-      <p:grpSpPr>
-        <a:xfrm>
-          <a:off x="0" y="0"/>
-          <a:ext cx="0" cy="0"/>
-          <a:chOff x="0" y="0"/>
-          <a:chExt cx="0" cy="0"/>
-        </a:xfrm>
-      </p:grpSpPr>
-      <p:sp>
-        <p:nvSpPr>
-          <p:cNvPr id="141" name="Google Shape;141;p23:notes"/>
-          <p:cNvSpPr>
-            <a:spLocks noGrp="1" noRot="1" noChangeAspect="1"/>
-          </p:cNvSpPr>
-          <p:nvPr>
-            <p:ph type="sldImg" idx="2"/>
-          </p:nvPr>
-        </p:nvSpPr>
-        <p:spPr>
-          <a:xfrm>
-            <a:off x="685800" y="1143000"/>
-            <a:ext cx="5486400" cy="3086100"/>
-          </a:xfrm>
-          <a:custGeom>
-            <a:avLst/>
-            <a:gdLst/>
-            <a:ahLst/>
-            <a:cxnLst/>
-            <a:rect l="l" t="t" r="r" b="b"/>
-            <a:pathLst>
-              <a:path w="120000" h="120000" extrusionOk="0">
-                <a:moveTo>
-                  <a:pt x="0" y="0"/>
-                </a:moveTo>
-                <a:lnTo>
-                  <a:pt x="120000" y="0"/>
-                </a:lnTo>
-                <a:lnTo>
-                  <a:pt x="120000" y="120000"/>
-                </a:lnTo>
-                <a:lnTo>
-                  <a:pt x="0" y="120000"/>
-                </a:lnTo>
-                <a:close/>
-              </a:path>
-            </a:pathLst>
-          </a:custGeom>
-          <a:noFill/>
-          <a:ln w="12700" cap="flat" cmpd="sng">
-            <a:solidFill>
-              <a:srgbClr val="000000"/>
-            </a:solidFill>
-            <a:prstDash val="solid"/>
-            <a:round/>
-            <a:headEnd type="none" w="sm" len="sm"/>
-            <a:tailEnd type="none" w="sm" len="sm"/>
-          </a:ln>
-        </p:spPr>
-      </p:sp>
-      <p:sp>
-        <p:nvSpPr>
-          <p:cNvPr id="142" name="Google Shape;142;p23:notes"/>
-          <p:cNvSpPr txBox="1">
-            <a:spLocks noGrp="1"/>
-          </p:cNvSpPr>
-          <p:nvPr>
-            <p:ph type="body" idx="1"/>
-          </p:nvPr>
-        </p:nvSpPr>
-        <p:spPr>
-          <a:xfrm>
-            <a:off x="685800" y="4400550"/>
-            <a:ext cx="5486400" cy="3600450"/>
-          </a:xfrm>
-          <a:prstGeom prst="rect">
-            <a:avLst/>
-          </a:prstGeom>
-          <a:noFill/>
-          <a:ln>
-            <a:noFill/>
-          </a:ln>
-        </p:spPr>
-        <p:txBody>
-          <a:bodyPr spcFirstLastPara="1" wrap="square" lIns="91425" tIns="45700" rIns="91425" bIns="45700" anchor="t" anchorCtr="0">
-            <a:noAutofit/>
-          </a:bodyPr>
-          <a:lstStyle/>
-          <a:p>
-            <a:pPr marL="0" marR="0" lvl="0" indent="0" algn="l" rtl="0">
-              <a:lnSpc>
-                <a:spcPct val="100000"/>
-              </a:lnSpc>
-              <a:spcBef>
-                <a:spcPts val="0"/>
-              </a:spcBef>
-              <a:spcAft>
-                <a:spcPts val="0"/>
-              </a:spcAft>
-              <a:buClr>
-                <a:schemeClr val="dk1"/>
-              </a:buClr>
-              <a:buSzPts val="1200"/>
-              <a:buFont typeface="Arial"/>
-              <a:buNone/>
-            </a:pPr>
-            <a:endParaRPr sz="1200" b="0" i="0">
-              <a:solidFill>
-                <a:schemeClr val="dk1"/>
-              </a:solidFill>
-              <a:latin typeface="Arial"/>
-              <a:ea typeface="Arial"/>
-              <a:cs typeface="Arial"/>
-              <a:sym typeface="Arial"/>
-            </a:endParaRPr>
-          </a:p>
-        </p:txBody>
-      </p:sp>
-      <p:sp>
-        <p:nvSpPr>
-          <p:cNvPr id="143" name="Google Shape;143;p23:notes"/>
-          <p:cNvSpPr txBox="1">
-            <a:spLocks noGrp="1"/>
-          </p:cNvSpPr>
-          <p:nvPr>
-            <p:ph type="sldNum" idx="12"/>
-          </p:nvPr>
-        </p:nvSpPr>
-        <p:spPr>
-          <a:xfrm>
-            <a:off x="3884613" y="8685213"/>
-            <a:ext cx="2971800" cy="458787"/>
-          </a:xfrm>
-          <a:prstGeom prst="rect">
-            <a:avLst/>
-          </a:prstGeom>
-          <a:noFill/>
-          <a:ln>
-            <a:noFill/>
-          </a:ln>
-        </p:spPr>
-        <p:txBody>
-          <a:bodyPr spcFirstLastPara="1" wrap="square" lIns="91425" tIns="45700" rIns="91425" bIns="45700" anchor="b" anchorCtr="0">
-            <a:noAutofit/>
-          </a:bodyPr>
-          <a:lstStyle/>
-          <a:p>
-            <a:pPr marL="0" lvl="0" indent="0" algn="r" rtl="0">
-              <a:lnSpc>
-                <a:spcPct val="100000"/>
-              </a:lnSpc>
-              <a:spcBef>
-                <a:spcPts val="0"/>
-              </a:spcBef>
-              <a:spcAft>
-                <a:spcPts val="0"/>
-              </a:spcAft>
-              <a:buSzPts val="1400"/>
-              <a:buNone/>
-            </a:pPr>
-            <a:fld id="{00000000-1234-1234-1234-123412341234}" type="slidenum">
-              <a:rPr lang="en-US"/>
-              <a:t>17</a:t>
-            </a:fld>
-            <a:endParaRPr/>
-          </a:p>
-        </p:txBody>
-      </p:sp>
-    </p:spTree>
-    <p:extLst>
-      <p:ext uri="{BB962C8B-B14F-4D97-AF65-F5344CB8AC3E}">
-        <p14:creationId xmlns:p14="http://schemas.microsoft.com/office/powerpoint/2010/main" val="808293360"/>
-      </p:ext>
-    </p:extLst>
-  </p:cSld>
-  <p:clrMapOvr>
-    <a:masterClrMapping/>
-  </p:clrMapOvr>
-</p:notes>
-</file>
-
-<file path=ppt/notesSlides/notesSlide18.xml><?xml version="1.0" encoding="utf-8"?>
-<p:notes xmlns:a="http://schemas.openxmlformats.org/drawingml/2006/main" xmlns:r="http://schemas.openxmlformats.org/officeDocument/2006/relationships" xmlns:p="http://schemas.openxmlformats.org/presentationml/2006/main" showMasterSp="0" showMasterPhAnim="0">
-  <p:cSld>
-    <p:spTree>
-      <p:nvGrpSpPr>
-        <p:cNvPr id="1" name="Shape 140"/>
-        <p:cNvGrpSpPr/>
-        <p:nvPr/>
-      </p:nvGrpSpPr>
-      <p:grpSpPr>
-        <a:xfrm>
-          <a:off x="0" y="0"/>
-          <a:ext cx="0" cy="0"/>
-          <a:chOff x="0" y="0"/>
-          <a:chExt cx="0" cy="0"/>
-        </a:xfrm>
-      </p:grpSpPr>
-      <p:sp>
-        <p:nvSpPr>
-          <p:cNvPr id="141" name="Google Shape;141;p23:notes"/>
-          <p:cNvSpPr>
-            <a:spLocks noGrp="1" noRot="1" noChangeAspect="1"/>
-          </p:cNvSpPr>
-          <p:nvPr>
-            <p:ph type="sldImg" idx="2"/>
-          </p:nvPr>
-        </p:nvSpPr>
-        <p:spPr>
-          <a:xfrm>
-            <a:off x="685800" y="1143000"/>
-            <a:ext cx="5486400" cy="3086100"/>
-          </a:xfrm>
-          <a:custGeom>
-            <a:avLst/>
-            <a:gdLst/>
-            <a:ahLst/>
-            <a:cxnLst/>
-            <a:rect l="l" t="t" r="r" b="b"/>
-            <a:pathLst>
-              <a:path w="120000" h="120000" extrusionOk="0">
-                <a:moveTo>
-                  <a:pt x="0" y="0"/>
-                </a:moveTo>
-                <a:lnTo>
-                  <a:pt x="120000" y="0"/>
-                </a:lnTo>
-                <a:lnTo>
-                  <a:pt x="120000" y="120000"/>
-                </a:lnTo>
-                <a:lnTo>
-                  <a:pt x="0" y="120000"/>
-                </a:lnTo>
-                <a:close/>
-              </a:path>
-            </a:pathLst>
-          </a:custGeom>
-          <a:noFill/>
-          <a:ln w="12700" cap="flat" cmpd="sng">
-            <a:solidFill>
-              <a:srgbClr val="000000"/>
-            </a:solidFill>
-            <a:prstDash val="solid"/>
-            <a:round/>
-            <a:headEnd type="none" w="sm" len="sm"/>
-            <a:tailEnd type="none" w="sm" len="sm"/>
-          </a:ln>
-        </p:spPr>
-      </p:sp>
-      <p:sp>
-        <p:nvSpPr>
-          <p:cNvPr id="142" name="Google Shape;142;p23:notes"/>
-          <p:cNvSpPr txBox="1">
-            <a:spLocks noGrp="1"/>
-          </p:cNvSpPr>
-          <p:nvPr>
-            <p:ph type="body" idx="1"/>
-          </p:nvPr>
-        </p:nvSpPr>
-        <p:spPr>
-          <a:xfrm>
-            <a:off x="685800" y="4400550"/>
-            <a:ext cx="5486400" cy="3600450"/>
-          </a:xfrm>
-          <a:prstGeom prst="rect">
-            <a:avLst/>
-          </a:prstGeom>
-          <a:noFill/>
-          <a:ln>
-            <a:noFill/>
-          </a:ln>
-        </p:spPr>
-        <p:txBody>
-          <a:bodyPr spcFirstLastPara="1" wrap="square" lIns="91425" tIns="45700" rIns="91425" bIns="45700" anchor="t" anchorCtr="0">
-            <a:noAutofit/>
-          </a:bodyPr>
-          <a:lstStyle/>
-          <a:p>
-            <a:pPr marL="0" marR="0" lvl="0" indent="0" algn="l" rtl="0">
-              <a:lnSpc>
-                <a:spcPct val="100000"/>
-              </a:lnSpc>
-              <a:spcBef>
-                <a:spcPts val="0"/>
-              </a:spcBef>
-              <a:spcAft>
-                <a:spcPts val="0"/>
-              </a:spcAft>
-              <a:buClr>
-                <a:schemeClr val="dk1"/>
-              </a:buClr>
-              <a:buSzPts val="1200"/>
-              <a:buFont typeface="Arial"/>
-              <a:buNone/>
-            </a:pPr>
-            <a:endParaRPr sz="1200" b="0" i="0">
-              <a:solidFill>
-                <a:schemeClr val="dk1"/>
-              </a:solidFill>
-              <a:latin typeface="Arial"/>
-              <a:ea typeface="Arial"/>
-              <a:cs typeface="Arial"/>
-              <a:sym typeface="Arial"/>
-            </a:endParaRPr>
-          </a:p>
-        </p:txBody>
-      </p:sp>
-      <p:sp>
-        <p:nvSpPr>
-          <p:cNvPr id="143" name="Google Shape;143;p23:notes"/>
-          <p:cNvSpPr txBox="1">
-            <a:spLocks noGrp="1"/>
-          </p:cNvSpPr>
-          <p:nvPr>
-            <p:ph type="sldNum" idx="12"/>
-          </p:nvPr>
-        </p:nvSpPr>
-        <p:spPr>
-          <a:xfrm>
-            <a:off x="3884613" y="8685213"/>
-            <a:ext cx="2971800" cy="458787"/>
-          </a:xfrm>
-          <a:prstGeom prst="rect">
-            <a:avLst/>
-          </a:prstGeom>
-          <a:noFill/>
-          <a:ln>
-            <a:noFill/>
-          </a:ln>
-        </p:spPr>
-        <p:txBody>
-          <a:bodyPr spcFirstLastPara="1" wrap="square" lIns="91425" tIns="45700" rIns="91425" bIns="45700" anchor="b" anchorCtr="0">
-            <a:noAutofit/>
-          </a:bodyPr>
-          <a:lstStyle/>
-          <a:p>
-            <a:pPr marL="0" lvl="0" indent="0" algn="r" rtl="0">
-              <a:lnSpc>
-                <a:spcPct val="100000"/>
-              </a:lnSpc>
-              <a:spcBef>
-                <a:spcPts val="0"/>
-              </a:spcBef>
-              <a:spcAft>
-                <a:spcPts val="0"/>
-              </a:spcAft>
-              <a:buSzPts val="1400"/>
-              <a:buNone/>
-            </a:pPr>
-            <a:fld id="{00000000-1234-1234-1234-123412341234}" type="slidenum">
-              <a:rPr lang="en-US"/>
-              <a:t>18</a:t>
-            </a:fld>
-            <a:endParaRPr/>
-          </a:p>
-        </p:txBody>
-      </p:sp>
-    </p:spTree>
-    <p:extLst>
-      <p:ext uri="{BB962C8B-B14F-4D97-AF65-F5344CB8AC3E}">
-        <p14:creationId xmlns:p14="http://schemas.microsoft.com/office/powerpoint/2010/main" val="2902635279"/>
-      </p:ext>
-    </p:extLst>
-  </p:cSld>
-  <p:clrMapOvr>
-    <a:masterClrMapping/>
-  </p:clrMapOvr>
-</p:notes>
-</file>
-
-<file path=ppt/notesSlides/notesSlide19.xml><?xml version="1.0" encoding="utf-8"?>
-<p:notes xmlns:a="http://schemas.openxmlformats.org/drawingml/2006/main" xmlns:r="http://schemas.openxmlformats.org/officeDocument/2006/relationships" xmlns:p="http://schemas.openxmlformats.org/presentationml/2006/main" showMasterSp="0" showMasterPhAnim="0">
-  <p:cSld>
-    <p:spTree>
-      <p:nvGrpSpPr>
-        <p:cNvPr id="1" name="Shape 140"/>
-        <p:cNvGrpSpPr/>
-        <p:nvPr/>
-      </p:nvGrpSpPr>
-      <p:grpSpPr>
-        <a:xfrm>
-          <a:off x="0" y="0"/>
-          <a:ext cx="0" cy="0"/>
-          <a:chOff x="0" y="0"/>
-          <a:chExt cx="0" cy="0"/>
-        </a:xfrm>
-      </p:grpSpPr>
-      <p:sp>
-        <p:nvSpPr>
-          <p:cNvPr id="141" name="Google Shape;141;p23:notes"/>
-          <p:cNvSpPr>
-            <a:spLocks noGrp="1" noRot="1" noChangeAspect="1"/>
-          </p:cNvSpPr>
-          <p:nvPr>
-            <p:ph type="sldImg" idx="2"/>
-          </p:nvPr>
-        </p:nvSpPr>
-        <p:spPr>
-          <a:xfrm>
-            <a:off x="685800" y="1143000"/>
-            <a:ext cx="5486400" cy="3086100"/>
-          </a:xfrm>
-          <a:custGeom>
-            <a:avLst/>
-            <a:gdLst/>
-            <a:ahLst/>
-            <a:cxnLst/>
-            <a:rect l="l" t="t" r="r" b="b"/>
-            <a:pathLst>
-              <a:path w="120000" h="120000" extrusionOk="0">
-                <a:moveTo>
-                  <a:pt x="0" y="0"/>
-                </a:moveTo>
-                <a:lnTo>
-                  <a:pt x="120000" y="0"/>
-                </a:lnTo>
-                <a:lnTo>
-                  <a:pt x="120000" y="120000"/>
-                </a:lnTo>
-                <a:lnTo>
-                  <a:pt x="0" y="120000"/>
-                </a:lnTo>
-                <a:close/>
-              </a:path>
-            </a:pathLst>
-          </a:custGeom>
-          <a:noFill/>
-          <a:ln w="12700" cap="flat" cmpd="sng">
-            <a:solidFill>
-              <a:srgbClr val="000000"/>
-            </a:solidFill>
-            <a:prstDash val="solid"/>
-            <a:round/>
-            <a:headEnd type="none" w="sm" len="sm"/>
-            <a:tailEnd type="none" w="sm" len="sm"/>
-          </a:ln>
-        </p:spPr>
-      </p:sp>
-      <p:sp>
-        <p:nvSpPr>
-          <p:cNvPr id="142" name="Google Shape;142;p23:notes"/>
-          <p:cNvSpPr txBox="1">
-            <a:spLocks noGrp="1"/>
-          </p:cNvSpPr>
-          <p:nvPr>
-            <p:ph type="body" idx="1"/>
-          </p:nvPr>
-        </p:nvSpPr>
-        <p:spPr>
-          <a:xfrm>
-            <a:off x="685800" y="4400550"/>
-            <a:ext cx="5486400" cy="3600450"/>
-          </a:xfrm>
-          <a:prstGeom prst="rect">
-            <a:avLst/>
-          </a:prstGeom>
-          <a:noFill/>
-          <a:ln>
-            <a:noFill/>
-          </a:ln>
-        </p:spPr>
-        <p:txBody>
-          <a:bodyPr spcFirstLastPara="1" wrap="square" lIns="91425" tIns="45700" rIns="91425" bIns="45700" anchor="t" anchorCtr="0">
-            <a:noAutofit/>
-          </a:bodyPr>
-          <a:lstStyle/>
-          <a:p>
-            <a:pPr marL="0" marR="0" lvl="0" indent="0" algn="l" rtl="0">
-              <a:lnSpc>
-                <a:spcPct val="100000"/>
-              </a:lnSpc>
-              <a:spcBef>
-                <a:spcPts val="0"/>
-              </a:spcBef>
-              <a:spcAft>
-                <a:spcPts val="0"/>
-              </a:spcAft>
-              <a:buClr>
-                <a:schemeClr val="dk1"/>
-              </a:buClr>
-              <a:buSzPts val="1200"/>
-              <a:buFont typeface="Arial"/>
-              <a:buNone/>
-            </a:pPr>
-            <a:endParaRPr sz="1200" b="0" i="0">
-              <a:solidFill>
-                <a:schemeClr val="dk1"/>
-              </a:solidFill>
-              <a:latin typeface="Arial"/>
-              <a:ea typeface="Arial"/>
-              <a:cs typeface="Arial"/>
-              <a:sym typeface="Arial"/>
-            </a:endParaRPr>
-          </a:p>
-        </p:txBody>
-      </p:sp>
-      <p:sp>
-        <p:nvSpPr>
-          <p:cNvPr id="143" name="Google Shape;143;p23:notes"/>
-          <p:cNvSpPr txBox="1">
-            <a:spLocks noGrp="1"/>
-          </p:cNvSpPr>
-          <p:nvPr>
-            <p:ph type="sldNum" idx="12"/>
-          </p:nvPr>
-        </p:nvSpPr>
-        <p:spPr>
-          <a:xfrm>
-            <a:off x="3884613" y="8685213"/>
-            <a:ext cx="2971800" cy="458787"/>
-          </a:xfrm>
-          <a:prstGeom prst="rect">
-            <a:avLst/>
-          </a:prstGeom>
-          <a:noFill/>
-          <a:ln>
-            <a:noFill/>
-          </a:ln>
-        </p:spPr>
-        <p:txBody>
-          <a:bodyPr spcFirstLastPara="1" wrap="square" lIns="91425" tIns="45700" rIns="91425" bIns="45700" anchor="b" anchorCtr="0">
-            <a:noAutofit/>
-          </a:bodyPr>
-          <a:lstStyle/>
-          <a:p>
-            <a:pPr marL="0" lvl="0" indent="0" algn="r" rtl="0">
-              <a:lnSpc>
-                <a:spcPct val="100000"/>
-              </a:lnSpc>
-              <a:spcBef>
-                <a:spcPts val="0"/>
-              </a:spcBef>
-              <a:spcAft>
-                <a:spcPts val="0"/>
-              </a:spcAft>
-              <a:buSzPts val="1400"/>
-              <a:buNone/>
-            </a:pPr>
-            <a:fld id="{00000000-1234-1234-1234-123412341234}" type="slidenum">
-              <a:rPr lang="en-US"/>
-              <a:t>19</a:t>
-            </a:fld>
-            <a:endParaRPr/>
-          </a:p>
-        </p:txBody>
-      </p:sp>
-    </p:spTree>
     <p:extLst>
       <p:ext uri="{BB962C8B-B14F-4D97-AF65-F5344CB8AC3E}">
         <p14:creationId xmlns:p14="http://schemas.microsoft.com/office/powerpoint/2010/main" val="2935315737"/>
@@ -3424,129 +2917,7 @@
 </p:notes>
 </file>
 
-<file path=ppt/notesSlides/notesSlide2.xml><?xml version="1.0" encoding="utf-8"?>
-<p:notes xmlns:a="http://schemas.openxmlformats.org/drawingml/2006/main" xmlns:r="http://schemas.openxmlformats.org/officeDocument/2006/relationships" xmlns:p="http://schemas.openxmlformats.org/presentationml/2006/main" showMasterSp="0" showMasterPhAnim="0">
-  <p:cSld>
-    <p:spTree>
-      <p:nvGrpSpPr>
-        <p:cNvPr id="1" name="Shape 98"/>
-        <p:cNvGrpSpPr/>
-        <p:nvPr/>
-      </p:nvGrpSpPr>
-      <p:grpSpPr>
-        <a:xfrm>
-          <a:off x="0" y="0"/>
-          <a:ext cx="0" cy="0"/>
-          <a:chOff x="0" y="0"/>
-          <a:chExt cx="0" cy="0"/>
-        </a:xfrm>
-      </p:grpSpPr>
-      <p:sp>
-        <p:nvSpPr>
-          <p:cNvPr id="99" name="Google Shape;99;p2:notes"/>
-          <p:cNvSpPr txBox="1">
-            <a:spLocks noGrp="1"/>
-          </p:cNvSpPr>
-          <p:nvPr>
-            <p:ph type="body" idx="1"/>
-          </p:nvPr>
-        </p:nvSpPr>
-        <p:spPr>
-          <a:xfrm>
-            <a:off x="685800" y="4400550"/>
-            <a:ext cx="5486400" cy="3600450"/>
-          </a:xfrm>
-          <a:prstGeom prst="rect">
-            <a:avLst/>
-          </a:prstGeom>
-          <a:noFill/>
-          <a:ln>
-            <a:noFill/>
-          </a:ln>
-        </p:spPr>
-        <p:txBody>
-          <a:bodyPr spcFirstLastPara="1" wrap="square" lIns="91425" tIns="45700" rIns="91425" bIns="45700" anchor="t" anchorCtr="0">
-            <a:noAutofit/>
-          </a:bodyPr>
-          <a:lstStyle/>
-          <a:p>
-            <a:pPr marL="0" lvl="0" indent="0" algn="l" rtl="0">
-              <a:lnSpc>
-                <a:spcPct val="100000"/>
-              </a:lnSpc>
-              <a:spcBef>
-                <a:spcPts val="0"/>
-              </a:spcBef>
-              <a:spcAft>
-                <a:spcPts val="0"/>
-              </a:spcAft>
-              <a:buSzPts val="1400"/>
-              <a:buNone/>
-            </a:pPr>
-            <a:endParaRPr/>
-          </a:p>
-        </p:txBody>
-      </p:sp>
-      <p:sp>
-        <p:nvSpPr>
-          <p:cNvPr id="100" name="Google Shape;100;p2:notes"/>
-          <p:cNvSpPr>
-            <a:spLocks noGrp="1" noRot="1" noChangeAspect="1"/>
-          </p:cNvSpPr>
-          <p:nvPr>
-            <p:ph type="sldImg" idx="2"/>
-          </p:nvPr>
-        </p:nvSpPr>
-        <p:spPr>
-          <a:xfrm>
-            <a:off x="685800" y="1143000"/>
-            <a:ext cx="5486400" cy="3086100"/>
-          </a:xfrm>
-          <a:custGeom>
-            <a:avLst/>
-            <a:gdLst/>
-            <a:ahLst/>
-            <a:cxnLst/>
-            <a:rect l="l" t="t" r="r" b="b"/>
-            <a:pathLst>
-              <a:path w="120000" h="120000" extrusionOk="0">
-                <a:moveTo>
-                  <a:pt x="0" y="0"/>
-                </a:moveTo>
-                <a:lnTo>
-                  <a:pt x="120000" y="0"/>
-                </a:lnTo>
-                <a:lnTo>
-                  <a:pt x="120000" y="120000"/>
-                </a:lnTo>
-                <a:lnTo>
-                  <a:pt x="0" y="120000"/>
-                </a:lnTo>
-                <a:close/>
-              </a:path>
-            </a:pathLst>
-          </a:custGeom>
-          <a:noFill/>
-          <a:ln w="12700" cap="flat" cmpd="sng">
-            <a:solidFill>
-              <a:srgbClr val="000000"/>
-            </a:solidFill>
-            <a:prstDash val="solid"/>
-            <a:round/>
-            <a:headEnd type="none" w="sm" len="sm"/>
-            <a:tailEnd type="none" w="sm" len="sm"/>
-          </a:ln>
-        </p:spPr>
-      </p:sp>
-    </p:spTree>
-  </p:cSld>
-  <p:clrMapOvr>
-    <a:masterClrMapping/>
-  </p:clrMapOvr>
-</p:notes>
-</file>
-
-<file path=ppt/notesSlides/notesSlide20.xml><?xml version="1.0" encoding="utf-8"?>
+<file path=ppt/notesSlides/notesSlide16.xml><?xml version="1.0" encoding="utf-8"?>
 <p:notes xmlns:a="http://schemas.openxmlformats.org/drawingml/2006/main" xmlns:r="http://schemas.openxmlformats.org/officeDocument/2006/relationships" xmlns:p="http://schemas.openxmlformats.org/presentationml/2006/main" showMasterSp="0" showMasterPhAnim="0">
   <p:cSld>
     <p:spTree>
@@ -3650,7 +3021,7 @@
 </p:notes>
 </file>
 
-<file path=ppt/notesSlides/notesSlide21.xml><?xml version="1.0" encoding="utf-8"?>
+<file path=ppt/notesSlides/notesSlide17.xml><?xml version="1.0" encoding="utf-8"?>
 <p:notes xmlns:a="http://schemas.openxmlformats.org/drawingml/2006/main" xmlns:r="http://schemas.openxmlformats.org/officeDocument/2006/relationships" xmlns:p="http://schemas.openxmlformats.org/presentationml/2006/main" showMasterSp="0" showMasterPhAnim="0">
   <p:cSld>
     <p:spTree>
@@ -3754,7 +3125,7 @@
 </p:notes>
 </file>
 
-<file path=ppt/notesSlides/notesSlide22.xml><?xml version="1.0" encoding="utf-8"?>
+<file path=ppt/notesSlides/notesSlide18.xml><?xml version="1.0" encoding="utf-8"?>
 <p:notes xmlns:a="http://schemas.openxmlformats.org/drawingml/2006/main" xmlns:r="http://schemas.openxmlformats.org/officeDocument/2006/relationships" xmlns:p="http://schemas.openxmlformats.org/presentationml/2006/main" showMasterSp="0" showMasterPhAnim="0">
   <p:cSld>
     <p:spTree>
@@ -3874,6 +3245,128 @@
         <p14:creationId xmlns:p14="http://schemas.microsoft.com/office/powerpoint/2010/main" val="3546986153"/>
       </p:ext>
     </p:extLst>
+  </p:cSld>
+  <p:clrMapOvr>
+    <a:masterClrMapping/>
+  </p:clrMapOvr>
+</p:notes>
+</file>
+
+<file path=ppt/notesSlides/notesSlide2.xml><?xml version="1.0" encoding="utf-8"?>
+<p:notes xmlns:a="http://schemas.openxmlformats.org/drawingml/2006/main" xmlns:r="http://schemas.openxmlformats.org/officeDocument/2006/relationships" xmlns:p="http://schemas.openxmlformats.org/presentationml/2006/main" showMasterSp="0" showMasterPhAnim="0">
+  <p:cSld>
+    <p:spTree>
+      <p:nvGrpSpPr>
+        <p:cNvPr id="1" name="Shape 98"/>
+        <p:cNvGrpSpPr/>
+        <p:nvPr/>
+      </p:nvGrpSpPr>
+      <p:grpSpPr>
+        <a:xfrm>
+          <a:off x="0" y="0"/>
+          <a:ext cx="0" cy="0"/>
+          <a:chOff x="0" y="0"/>
+          <a:chExt cx="0" cy="0"/>
+        </a:xfrm>
+      </p:grpSpPr>
+      <p:sp>
+        <p:nvSpPr>
+          <p:cNvPr id="99" name="Google Shape;99;p2:notes"/>
+          <p:cNvSpPr txBox="1">
+            <a:spLocks noGrp="1"/>
+          </p:cNvSpPr>
+          <p:nvPr>
+            <p:ph type="body" idx="1"/>
+          </p:nvPr>
+        </p:nvSpPr>
+        <p:spPr>
+          <a:xfrm>
+            <a:off x="685800" y="4400550"/>
+            <a:ext cx="5486400" cy="3600450"/>
+          </a:xfrm>
+          <a:prstGeom prst="rect">
+            <a:avLst/>
+          </a:prstGeom>
+          <a:noFill/>
+          <a:ln>
+            <a:noFill/>
+          </a:ln>
+        </p:spPr>
+        <p:txBody>
+          <a:bodyPr spcFirstLastPara="1" wrap="square" lIns="91425" tIns="45700" rIns="91425" bIns="45700" anchor="t" anchorCtr="0">
+            <a:noAutofit/>
+          </a:bodyPr>
+          <a:lstStyle/>
+          <a:p>
+            <a:pPr marL="0" lvl="0" indent="0" algn="l" rtl="0">
+              <a:lnSpc>
+                <a:spcPct val="100000"/>
+              </a:lnSpc>
+              <a:spcBef>
+                <a:spcPts val="0"/>
+              </a:spcBef>
+              <a:spcAft>
+                <a:spcPts val="0"/>
+              </a:spcAft>
+              <a:buSzPts val="1400"/>
+              <a:buNone/>
+            </a:pPr>
+            <a:endParaRPr/>
+          </a:p>
+        </p:txBody>
+      </p:sp>
+      <p:sp>
+        <p:nvSpPr>
+          <p:cNvPr id="100" name="Google Shape;100;p2:notes"/>
+          <p:cNvSpPr>
+            <a:spLocks noGrp="1" noRot="1" noChangeAspect="1"/>
+          </p:cNvSpPr>
+          <p:nvPr>
+            <p:ph type="sldImg" idx="2"/>
+          </p:nvPr>
+        </p:nvSpPr>
+        <p:spPr>
+          <a:xfrm>
+            <a:off x="685800" y="1143000"/>
+            <a:ext cx="5486400" cy="3086100"/>
+          </a:xfrm>
+          <a:custGeom>
+            <a:avLst/>
+            <a:gdLst/>
+            <a:ahLst/>
+            <a:cxnLst/>
+            <a:rect l="l" t="t" r="r" b="b"/>
+            <a:pathLst>
+              <a:path w="120000" h="120000" extrusionOk="0">
+                <a:moveTo>
+                  <a:pt x="0" y="0"/>
+                </a:moveTo>
+                <a:lnTo>
+                  <a:pt x="120000" y="0"/>
+                </a:lnTo>
+                <a:lnTo>
+                  <a:pt x="120000" y="120000"/>
+                </a:lnTo>
+                <a:lnTo>
+                  <a:pt x="0" y="120000"/>
+                </a:lnTo>
+                <a:close/>
+              </a:path>
+            </a:pathLst>
+          </a:custGeom>
+          <a:noFill/>
+          <a:ln w="12700" cap="flat" cmpd="sng">
+            <a:solidFill>
+              <a:srgbClr val="000000"/>
+            </a:solidFill>
+            <a:prstDash val="solid"/>
+            <a:round/>
+            <a:headEnd type="none" w="sm" len="sm"/>
+            <a:tailEnd type="none" w="sm" len="sm"/>
+          </a:ln>
+        </p:spPr>
+      </p:sp>
+    </p:spTree>
   </p:cSld>
   <p:clrMapOvr>
     <a:masterClrMapping/>
@@ -5047,7 +4540,7 @@
     </p:spTree>
     <p:extLst>
       <p:ext uri="{BB962C8B-B14F-4D97-AF65-F5344CB8AC3E}">
-        <p14:creationId xmlns:p14="http://schemas.microsoft.com/office/powerpoint/2010/main" val="2140800319"/>
+        <p14:creationId xmlns:p14="http://schemas.microsoft.com/office/powerpoint/2010/main" val="428518099"/>
       </p:ext>
     </p:extLst>
   </p:cSld>
@@ -16214,7 +15707,7 @@
                   <a:srgbClr val="FFFF00"/>
                 </a:solidFill>
               </a:rPr>
-              <a:t>GVHD: </a:t>
+              <a:t>GVHD: Ts. </a:t>
             </a:r>
             <a:r>
               <a:rPr lang="en-US" sz="2400" dirty="0" err="1">
@@ -16277,2451 +15770,6 @@
 </file>
 
 <file path=ppt/slides/slide10.xml><?xml version="1.0" encoding="utf-8"?>
-<p:sld xmlns:a="http://schemas.openxmlformats.org/drawingml/2006/main" xmlns:r="http://schemas.openxmlformats.org/officeDocument/2006/relationships" xmlns:p="http://schemas.openxmlformats.org/presentationml/2006/main">
-  <p:cSld>
-    <p:spTree>
-      <p:nvGrpSpPr>
-        <p:cNvPr id="1" name="Shape 115"/>
-        <p:cNvGrpSpPr/>
-        <p:nvPr/>
-      </p:nvGrpSpPr>
-      <p:grpSpPr>
-        <a:xfrm>
-          <a:off x="0" y="0"/>
-          <a:ext cx="0" cy="0"/>
-          <a:chOff x="0" y="0"/>
-          <a:chExt cx="0" cy="0"/>
-        </a:xfrm>
-      </p:grpSpPr>
-      <p:sp>
-        <p:nvSpPr>
-          <p:cNvPr id="116" name="Google Shape;116;p4"/>
-          <p:cNvSpPr txBox="1">
-            <a:spLocks noGrp="1"/>
-          </p:cNvSpPr>
-          <p:nvPr>
-            <p:ph type="body" idx="1"/>
-          </p:nvPr>
-        </p:nvSpPr>
-        <p:spPr>
-          <a:xfrm>
-            <a:off x="451028" y="2045970"/>
-            <a:ext cx="6951600" cy="4190406"/>
-          </a:xfrm>
-          <a:prstGeom prst="rect">
-            <a:avLst/>
-          </a:prstGeom>
-          <a:noFill/>
-          <a:ln>
-            <a:noFill/>
-          </a:ln>
-        </p:spPr>
-        <p:txBody>
-          <a:bodyPr spcFirstLastPara="1" wrap="square" lIns="91425" tIns="45700" rIns="91425" bIns="45700" anchor="t" anchorCtr="0">
-            <a:noAutofit/>
-          </a:bodyPr>
-          <a:lstStyle/>
-          <a:p>
-            <a:pPr marL="0" lvl="0" indent="0" algn="l" rtl="0">
-              <a:lnSpc>
-                <a:spcPct val="130000"/>
-              </a:lnSpc>
-              <a:spcBef>
-                <a:spcPts val="600"/>
-              </a:spcBef>
-              <a:spcAft>
-                <a:spcPts val="0"/>
-              </a:spcAft>
-              <a:buNone/>
-            </a:pPr>
-            <a:endParaRPr dirty="0">
-              <a:solidFill>
-                <a:srgbClr val="000000"/>
-              </a:solidFill>
-            </a:endParaRPr>
-          </a:p>
-          <a:p>
-            <a:pPr marL="228600" lvl="0" indent="-91440" algn="l" rtl="0">
-              <a:lnSpc>
-                <a:spcPct val="130000"/>
-              </a:lnSpc>
-              <a:spcBef>
-                <a:spcPts val="600"/>
-              </a:spcBef>
-              <a:spcAft>
-                <a:spcPts val="0"/>
-              </a:spcAft>
-              <a:buSzPts val="2160"/>
-              <a:buNone/>
-            </a:pPr>
-            <a:endParaRPr dirty="0">
-              <a:solidFill>
-                <a:srgbClr val="000000"/>
-              </a:solidFill>
-            </a:endParaRPr>
-          </a:p>
-        </p:txBody>
-      </p:sp>
-      <p:sp>
-        <p:nvSpPr>
-          <p:cNvPr id="117" name="Google Shape;117;p4"/>
-          <p:cNvSpPr txBox="1">
-            <a:spLocks noGrp="1"/>
-          </p:cNvSpPr>
-          <p:nvPr>
-            <p:ph type="title"/>
-          </p:nvPr>
-        </p:nvSpPr>
-        <p:spPr>
-          <a:xfrm>
-            <a:off x="451018" y="1081776"/>
-            <a:ext cx="6951472" cy="590931"/>
-          </a:xfrm>
-          <a:prstGeom prst="rect">
-            <a:avLst/>
-          </a:prstGeom>
-          <a:noFill/>
-          <a:ln>
-            <a:noFill/>
-          </a:ln>
-        </p:spPr>
-        <p:txBody>
-          <a:bodyPr spcFirstLastPara="1" wrap="square" lIns="91425" tIns="45700" rIns="91425" bIns="45700" anchor="t" anchorCtr="0">
-            <a:noAutofit/>
-          </a:bodyPr>
-          <a:lstStyle/>
-          <a:p>
-            <a:pPr marL="0" lvl="0" indent="0" algn="l" rtl="0">
-              <a:lnSpc>
-                <a:spcPct val="100000"/>
-              </a:lnSpc>
-              <a:spcBef>
-                <a:spcPts val="0"/>
-              </a:spcBef>
-              <a:spcAft>
-                <a:spcPts val="0"/>
-              </a:spcAft>
-              <a:buClr>
-                <a:schemeClr val="dk2"/>
-              </a:buClr>
-              <a:buSzPts val="2800"/>
-              <a:buFont typeface="Arial"/>
-              <a:buNone/>
-            </a:pPr>
-            <a:r>
-              <a:rPr lang="en-US" sz="2800" dirty="0" err="1"/>
-              <a:t>Xác</a:t>
-            </a:r>
-            <a:r>
-              <a:rPr lang="en-US" sz="2800" dirty="0"/>
-              <a:t> </a:t>
-            </a:r>
-            <a:r>
-              <a:rPr lang="en-US" sz="2800" dirty="0" err="1"/>
-              <a:t>định</a:t>
-            </a:r>
-            <a:r>
-              <a:rPr lang="en-US" sz="2800" dirty="0"/>
-              <a:t> </a:t>
-            </a:r>
-            <a:r>
-              <a:rPr lang="en-US" sz="2800" dirty="0" err="1"/>
-              <a:t>ngưỡng</a:t>
-            </a:r>
-            <a:r>
-              <a:rPr lang="en-US" sz="2800" dirty="0"/>
-              <a:t> STE</a:t>
-            </a:r>
-            <a:endParaRPr sz="2800" dirty="0"/>
-          </a:p>
-        </p:txBody>
-      </p:sp>
-      <p:graphicFrame>
-        <p:nvGraphicFramePr>
-          <p:cNvPr id="2" name="Table 2">
-            <a:extLst>
-              <a:ext uri="{FF2B5EF4-FFF2-40B4-BE49-F238E27FC236}">
-                <a16:creationId xmlns:a16="http://schemas.microsoft.com/office/drawing/2014/main" id="{58BC1CBF-515E-5B42-A824-5DABE59FF0A2}"/>
-              </a:ext>
-            </a:extLst>
-          </p:cNvPr>
-          <p:cNvGraphicFramePr>
-            <a:graphicFrameLocks noGrp="1"/>
-          </p:cNvGraphicFramePr>
-          <p:nvPr>
-            <p:extLst>
-              <p:ext uri="{D42A27DB-BD31-4B8C-83A1-F6EECF244321}">
-                <p14:modId xmlns:p14="http://schemas.microsoft.com/office/powerpoint/2010/main" val="3763264712"/>
-              </p:ext>
-            </p:extLst>
-          </p:nvPr>
-        </p:nvGraphicFramePr>
-        <p:xfrm>
-          <a:off x="451018" y="1672708"/>
-          <a:ext cx="10441771" cy="3710945"/>
-        </p:xfrm>
-        <a:graphic>
-          <a:graphicData uri="http://schemas.openxmlformats.org/drawingml/2006/table">
-            <a:tbl>
-              <a:tblPr firstRow="1" bandRow="1">
-                <a:tableStyleId>{5C22544A-7EE6-4342-B048-85BDC9FD1C3A}</a:tableStyleId>
-              </a:tblPr>
-              <a:tblGrid>
-                <a:gridCol w="2148835">
-                  <a:extLst>
-                    <a:ext uri="{9D8B030D-6E8A-4147-A177-3AD203B41FA5}">
-                      <a16:colId xmlns:a16="http://schemas.microsoft.com/office/drawing/2014/main" val="1977437174"/>
-                    </a:ext>
-                  </a:extLst>
-                </a:gridCol>
-                <a:gridCol w="2073234">
-                  <a:extLst>
-                    <a:ext uri="{9D8B030D-6E8A-4147-A177-3AD203B41FA5}">
-                      <a16:colId xmlns:a16="http://schemas.microsoft.com/office/drawing/2014/main" val="1639461737"/>
-                    </a:ext>
-                  </a:extLst>
-                </a:gridCol>
-                <a:gridCol w="2073234">
-                  <a:extLst>
-                    <a:ext uri="{9D8B030D-6E8A-4147-A177-3AD203B41FA5}">
-                      <a16:colId xmlns:a16="http://schemas.microsoft.com/office/drawing/2014/main" val="4289298959"/>
-                    </a:ext>
-                  </a:extLst>
-                </a:gridCol>
-                <a:gridCol w="2073234">
-                  <a:extLst>
-                    <a:ext uri="{9D8B030D-6E8A-4147-A177-3AD203B41FA5}">
-                      <a16:colId xmlns:a16="http://schemas.microsoft.com/office/drawing/2014/main" val="4163473307"/>
-                    </a:ext>
-                  </a:extLst>
-                </a:gridCol>
-                <a:gridCol w="2073234">
-                  <a:extLst>
-                    <a:ext uri="{9D8B030D-6E8A-4147-A177-3AD203B41FA5}">
-                      <a16:colId xmlns:a16="http://schemas.microsoft.com/office/drawing/2014/main" val="49734491"/>
-                    </a:ext>
-                  </a:extLst>
-                </a:gridCol>
-              </a:tblGrid>
-              <a:tr h="562346">
-                <a:tc>
-                  <a:txBody>
-                    <a:bodyPr/>
-                    <a:lstStyle/>
-                    <a:p>
-                      <a:pPr algn="ctr"/>
-                      <a:endParaRPr lang="en-VN" sz="2000" dirty="0"/>
-                    </a:p>
-                  </a:txBody>
-                  <a:tcPr/>
-                </a:tc>
-                <a:tc>
-                  <a:txBody>
-                    <a:bodyPr/>
-                    <a:lstStyle/>
-                    <a:p>
-                      <a:pPr algn="ctr"/>
-                      <a:r>
-                        <a:rPr lang="en-VN" sz="2000" dirty="0"/>
-                        <a:t>01MDA</a:t>
-                      </a:r>
-                    </a:p>
-                  </a:txBody>
-                  <a:tcPr/>
-                </a:tc>
-                <a:tc>
-                  <a:txBody>
-                    <a:bodyPr/>
-                    <a:lstStyle/>
-                    <a:p>
-                      <a:pPr algn="ctr"/>
-                      <a:r>
-                        <a:rPr lang="en-VN" sz="2000" dirty="0"/>
-                        <a:t>03MAB</a:t>
-                      </a:r>
-                    </a:p>
-                  </a:txBody>
-                  <a:tcPr/>
-                </a:tc>
-                <a:tc>
-                  <a:txBody>
-                    <a:bodyPr/>
-                    <a:lstStyle/>
-                    <a:p>
-                      <a:pPr algn="ctr"/>
-                      <a:r>
-                        <a:rPr lang="en-VN" sz="2000" dirty="0"/>
-                        <a:t>02FVA</a:t>
-                      </a:r>
-                    </a:p>
-                  </a:txBody>
-                  <a:tcPr/>
-                </a:tc>
-                <a:tc>
-                  <a:txBody>
-                    <a:bodyPr/>
-                    <a:lstStyle/>
-                    <a:p>
-                      <a:pPr algn="ctr"/>
-                      <a:r>
-                        <a:rPr lang="en-VN" sz="2000" dirty="0"/>
-                        <a:t>06FTB</a:t>
-                      </a:r>
-                    </a:p>
-                  </a:txBody>
-                  <a:tcPr/>
-                </a:tc>
-                <a:extLst>
-                  <a:ext uri="{0D108BD9-81ED-4DB2-BD59-A6C34878D82A}">
-                    <a16:rowId xmlns:a16="http://schemas.microsoft.com/office/drawing/2014/main" val="762379995"/>
-                  </a:ext>
-                </a:extLst>
-              </a:tr>
-              <a:tr h="970043">
-                <a:tc>
-                  <a:txBody>
-                    <a:bodyPr/>
-                    <a:lstStyle/>
-                    <a:p>
-                      <a:pPr algn="ctr"/>
-                      <a:r>
-                        <a:rPr lang="en-VN" sz="2000" b="1" dirty="0">
-                          <a:solidFill>
-                            <a:schemeClr val="bg2">
-                              <a:lumMod val="50000"/>
-                            </a:schemeClr>
-                          </a:solidFill>
-                        </a:rPr>
-                        <a:t>Meanv</a:t>
-                      </a:r>
-                    </a:p>
-                  </a:txBody>
-                  <a:tcPr/>
-                </a:tc>
-                <a:tc>
-                  <a:txBody>
-                    <a:bodyPr/>
-                    <a:lstStyle/>
-                    <a:p>
-                      <a:pPr marL="0" marR="0" lvl="0" indent="0" algn="ctr" defTabSz="914400" rtl="0" eaLnBrk="1" fontAlgn="auto" latinLnBrk="0" hangingPunct="1">
-                        <a:lnSpc>
-                          <a:spcPct val="100000"/>
-                        </a:lnSpc>
-                        <a:spcBef>
-                          <a:spcPts val="0"/>
-                        </a:spcBef>
-                        <a:spcAft>
-                          <a:spcPts val="0"/>
-                        </a:spcAft>
-                        <a:buClr>
-                          <a:srgbClr val="000000"/>
-                        </a:buClr>
-                        <a:buSzTx/>
-                        <a:buFont typeface="Arial"/>
-                        <a:buNone/>
-                        <a:tabLst/>
-                        <a:defRPr/>
-                      </a:pPr>
-                      <a:r>
-                        <a:rPr lang="en-VN" sz="2000" b="0" i="0" u="none" strike="noStrike" cap="none" dirty="0">
-                          <a:solidFill>
-                            <a:schemeClr val="dk1"/>
-                          </a:solidFill>
-                          <a:effectLst/>
-                          <a:latin typeface="+mn-lt"/>
-                          <a:ea typeface="+mn-ea"/>
-                          <a:cs typeface="+mn-cs"/>
-                          <a:sym typeface="Arial"/>
-                        </a:rPr>
-                        <a:t>0.3399</a:t>
-                      </a:r>
-                    </a:p>
-                    <a:p>
-                      <a:pPr algn="ctr"/>
-                      <a:endParaRPr lang="en-VN" sz="2000" dirty="0"/>
-                    </a:p>
-                    <a:p>
-                      <a:pPr algn="ctr"/>
-                      <a:endParaRPr lang="en-VN" sz="2000" dirty="0"/>
-                    </a:p>
-                  </a:txBody>
-                  <a:tcPr/>
-                </a:tc>
-                <a:tc>
-                  <a:txBody>
-                    <a:bodyPr/>
-                    <a:lstStyle/>
-                    <a:p>
-                      <a:pPr marL="0" marR="0" lvl="0" indent="0" algn="ctr" defTabSz="914400" rtl="0" eaLnBrk="1" fontAlgn="auto" latinLnBrk="0" hangingPunct="1">
-                        <a:lnSpc>
-                          <a:spcPct val="100000"/>
-                        </a:lnSpc>
-                        <a:spcBef>
-                          <a:spcPts val="0"/>
-                        </a:spcBef>
-                        <a:spcAft>
-                          <a:spcPts val="0"/>
-                        </a:spcAft>
-                        <a:buClr>
-                          <a:srgbClr val="000000"/>
-                        </a:buClr>
-                        <a:buSzTx/>
-                        <a:buFont typeface="Arial"/>
-                        <a:buNone/>
-                        <a:tabLst/>
-                        <a:defRPr/>
-                      </a:pPr>
-                      <a:r>
-                        <a:rPr lang="en-VN" sz="2000" b="0" i="0" u="none" strike="noStrike" cap="none" dirty="0">
-                          <a:solidFill>
-                            <a:schemeClr val="dk1"/>
-                          </a:solidFill>
-                          <a:effectLst/>
-                          <a:latin typeface="+mn-lt"/>
-                          <a:ea typeface="+mn-ea"/>
-                          <a:cs typeface="+mn-cs"/>
-                          <a:sym typeface="Arial"/>
-                        </a:rPr>
-                        <a:t>0.3048</a:t>
-                      </a:r>
-                    </a:p>
-                  </a:txBody>
-                  <a:tcPr/>
-                </a:tc>
-                <a:tc>
-                  <a:txBody>
-                    <a:bodyPr/>
-                    <a:lstStyle/>
-                    <a:p>
-                      <a:pPr marL="0" marR="0" lvl="0" indent="0" algn="ctr" defTabSz="914400" rtl="0" eaLnBrk="1" fontAlgn="auto" latinLnBrk="0" hangingPunct="1">
-                        <a:lnSpc>
-                          <a:spcPct val="100000"/>
-                        </a:lnSpc>
-                        <a:spcBef>
-                          <a:spcPts val="0"/>
-                        </a:spcBef>
-                        <a:spcAft>
-                          <a:spcPts val="0"/>
-                        </a:spcAft>
-                        <a:buClr>
-                          <a:srgbClr val="000000"/>
-                        </a:buClr>
-                        <a:buSzTx/>
-                        <a:buFont typeface="Arial"/>
-                        <a:buNone/>
-                        <a:tabLst/>
-                        <a:defRPr/>
-                      </a:pPr>
-                      <a:r>
-                        <a:rPr lang="en-VN" sz="2000" b="0" i="0" u="none" strike="noStrike" cap="none" dirty="0">
-                          <a:solidFill>
-                            <a:schemeClr val="dk1"/>
-                          </a:solidFill>
-                          <a:effectLst/>
-                          <a:latin typeface="+mn-lt"/>
-                          <a:ea typeface="+mn-ea"/>
-                          <a:cs typeface="+mn-cs"/>
-                          <a:sym typeface="Arial"/>
-                        </a:rPr>
-                        <a:t>0.4116</a:t>
-                      </a:r>
-                      <a:endParaRPr lang="en-VN" sz="2000" dirty="0"/>
-                    </a:p>
-                  </a:txBody>
-                  <a:tcPr/>
-                </a:tc>
-                <a:tc>
-                  <a:txBody>
-                    <a:bodyPr/>
-                    <a:lstStyle/>
-                    <a:p>
-                      <a:pPr marL="0" marR="0" lvl="0" indent="0" algn="ctr" defTabSz="914400" rtl="0" eaLnBrk="1" fontAlgn="auto" latinLnBrk="0" hangingPunct="1">
-                        <a:lnSpc>
-                          <a:spcPct val="100000"/>
-                        </a:lnSpc>
-                        <a:spcBef>
-                          <a:spcPts val="0"/>
-                        </a:spcBef>
-                        <a:spcAft>
-                          <a:spcPts val="0"/>
-                        </a:spcAft>
-                        <a:buClr>
-                          <a:srgbClr val="000000"/>
-                        </a:buClr>
-                        <a:buSzTx/>
-                        <a:buFont typeface="Arial"/>
-                        <a:buNone/>
-                        <a:tabLst/>
-                        <a:defRPr/>
-                      </a:pPr>
-                      <a:r>
-                        <a:rPr lang="en-VN" sz="2000" b="0" i="0" u="none" strike="noStrike" cap="none" dirty="0">
-                          <a:solidFill>
-                            <a:schemeClr val="dk1"/>
-                          </a:solidFill>
-                          <a:effectLst/>
-                          <a:latin typeface="+mn-lt"/>
-                          <a:ea typeface="+mn-ea"/>
-                          <a:cs typeface="+mn-cs"/>
-                          <a:sym typeface="Arial"/>
-                        </a:rPr>
-                        <a:t>0.3179</a:t>
-                      </a:r>
-                    </a:p>
-                    <a:p>
-                      <a:pPr marL="0" marR="0" lvl="0" indent="0" algn="ctr" defTabSz="914400" rtl="0" eaLnBrk="1" fontAlgn="auto" latinLnBrk="0" hangingPunct="1">
-                        <a:lnSpc>
-                          <a:spcPct val="100000"/>
-                        </a:lnSpc>
-                        <a:spcBef>
-                          <a:spcPts val="0"/>
-                        </a:spcBef>
-                        <a:spcAft>
-                          <a:spcPts val="0"/>
-                        </a:spcAft>
-                        <a:buClr>
-                          <a:srgbClr val="000000"/>
-                        </a:buClr>
-                        <a:buSzTx/>
-                        <a:buFont typeface="Arial"/>
-                        <a:buNone/>
-                        <a:tabLst/>
-                        <a:defRPr/>
-                      </a:pPr>
-                      <a:endParaRPr lang="en-VN" sz="2000" b="0" i="0" u="none" strike="noStrike" cap="none" dirty="0">
-                        <a:solidFill>
-                          <a:schemeClr val="dk1"/>
-                        </a:solidFill>
-                        <a:effectLst/>
-                        <a:latin typeface="+mn-lt"/>
-                        <a:ea typeface="+mn-ea"/>
-                        <a:cs typeface="+mn-cs"/>
-                        <a:sym typeface="Arial"/>
-                      </a:endParaRPr>
-                    </a:p>
-                  </a:txBody>
-                  <a:tcPr/>
-                </a:tc>
-                <a:extLst>
-                  <a:ext uri="{0D108BD9-81ED-4DB2-BD59-A6C34878D82A}">
-                    <a16:rowId xmlns:a16="http://schemas.microsoft.com/office/drawing/2014/main" val="1113746075"/>
-                  </a:ext>
-                </a:extLst>
-              </a:tr>
-              <a:tr h="714253">
-                <a:tc>
-                  <a:txBody>
-                    <a:bodyPr/>
-                    <a:lstStyle/>
-                    <a:p>
-                      <a:pPr algn="ctr"/>
-                      <a:r>
-                        <a:rPr lang="en-VN" sz="2000" b="1" dirty="0">
-                          <a:solidFill>
-                            <a:schemeClr val="bg2">
-                              <a:lumMod val="50000"/>
-                            </a:schemeClr>
-                          </a:solidFill>
-                        </a:rPr>
-                        <a:t>Stdv</a:t>
-                      </a:r>
-                    </a:p>
-                  </a:txBody>
-                  <a:tcPr/>
-                </a:tc>
-                <a:tc>
-                  <a:txBody>
-                    <a:bodyPr/>
-                    <a:lstStyle/>
-                    <a:p>
-                      <a:pPr marL="0" marR="0" lvl="0" indent="0" algn="ctr" defTabSz="914400" rtl="0" eaLnBrk="1" fontAlgn="auto" latinLnBrk="0" hangingPunct="1">
-                        <a:lnSpc>
-                          <a:spcPct val="100000"/>
-                        </a:lnSpc>
-                        <a:spcBef>
-                          <a:spcPts val="0"/>
-                        </a:spcBef>
-                        <a:spcAft>
-                          <a:spcPts val="0"/>
-                        </a:spcAft>
-                        <a:buClr>
-                          <a:srgbClr val="000000"/>
-                        </a:buClr>
-                        <a:buSzTx/>
-                        <a:buFont typeface="Arial"/>
-                        <a:buNone/>
-                        <a:tabLst/>
-                        <a:defRPr/>
-                      </a:pPr>
-                      <a:r>
-                        <a:rPr lang="en-VN" sz="2000" b="0" i="0" u="none" strike="noStrike" cap="none" dirty="0">
-                          <a:solidFill>
-                            <a:schemeClr val="dk1"/>
-                          </a:solidFill>
-                          <a:effectLst/>
-                          <a:latin typeface="+mn-lt"/>
-                          <a:ea typeface="+mn-ea"/>
-                          <a:cs typeface="+mn-cs"/>
-                          <a:sym typeface="Arial"/>
-                        </a:rPr>
-                        <a:t>0.3784</a:t>
-                      </a:r>
-                    </a:p>
-                  </a:txBody>
-                  <a:tcPr/>
-                </a:tc>
-                <a:tc>
-                  <a:txBody>
-                    <a:bodyPr/>
-                    <a:lstStyle/>
-                    <a:p>
-                      <a:pPr marL="0" marR="0" lvl="0" indent="0" algn="ctr" defTabSz="914400" rtl="0" eaLnBrk="1" fontAlgn="auto" latinLnBrk="0" hangingPunct="1">
-                        <a:lnSpc>
-                          <a:spcPct val="100000"/>
-                        </a:lnSpc>
-                        <a:spcBef>
-                          <a:spcPts val="0"/>
-                        </a:spcBef>
-                        <a:spcAft>
-                          <a:spcPts val="0"/>
-                        </a:spcAft>
-                        <a:buClr>
-                          <a:srgbClr val="000000"/>
-                        </a:buClr>
-                        <a:buSzTx/>
-                        <a:buFont typeface="Arial"/>
-                        <a:buNone/>
-                        <a:tabLst/>
-                        <a:defRPr/>
-                      </a:pPr>
-                      <a:r>
-                        <a:rPr lang="en-VN" sz="2000" b="0" i="0" u="none" strike="noStrike" cap="none" dirty="0">
-                          <a:solidFill>
-                            <a:schemeClr val="dk1"/>
-                          </a:solidFill>
-                          <a:effectLst/>
-                          <a:latin typeface="+mn-lt"/>
-                          <a:ea typeface="+mn-ea"/>
-                          <a:cs typeface="+mn-cs"/>
-                          <a:sym typeface="Arial"/>
-                        </a:rPr>
-                        <a:t>0.2317</a:t>
-                      </a:r>
-                    </a:p>
-                  </a:txBody>
-                  <a:tcPr/>
-                </a:tc>
-                <a:tc>
-                  <a:txBody>
-                    <a:bodyPr/>
-                    <a:lstStyle/>
-                    <a:p>
-                      <a:pPr marL="0" marR="0" lvl="0" indent="0" algn="ctr" defTabSz="914400" rtl="0" eaLnBrk="1" fontAlgn="auto" latinLnBrk="0" hangingPunct="1">
-                        <a:lnSpc>
-                          <a:spcPct val="100000"/>
-                        </a:lnSpc>
-                        <a:spcBef>
-                          <a:spcPts val="0"/>
-                        </a:spcBef>
-                        <a:spcAft>
-                          <a:spcPts val="0"/>
-                        </a:spcAft>
-                        <a:buClr>
-                          <a:srgbClr val="000000"/>
-                        </a:buClr>
-                        <a:buSzTx/>
-                        <a:buFont typeface="Arial"/>
-                        <a:buNone/>
-                        <a:tabLst/>
-                        <a:defRPr/>
-                      </a:pPr>
-                      <a:r>
-                        <a:rPr lang="en-VN" sz="2000" b="0" i="0" u="none" strike="noStrike" cap="none" dirty="0">
-                          <a:solidFill>
-                            <a:schemeClr val="dk1"/>
-                          </a:solidFill>
-                          <a:effectLst/>
-                          <a:latin typeface="+mn-lt"/>
-                          <a:ea typeface="+mn-ea"/>
-                          <a:cs typeface="+mn-cs"/>
-                          <a:sym typeface="Arial"/>
-                        </a:rPr>
-                        <a:t>0.3696</a:t>
-                      </a:r>
-                    </a:p>
-                    <a:p>
-                      <a:pPr algn="ctr"/>
-                      <a:endParaRPr lang="en-VN" sz="2000" dirty="0"/>
-                    </a:p>
-                  </a:txBody>
-                  <a:tcPr/>
-                </a:tc>
-                <a:tc>
-                  <a:txBody>
-                    <a:bodyPr/>
-                    <a:lstStyle/>
-                    <a:p>
-                      <a:pPr marL="0" marR="0" lvl="0" indent="0" algn="ctr" defTabSz="914400" rtl="0" eaLnBrk="1" fontAlgn="auto" latinLnBrk="0" hangingPunct="1">
-                        <a:lnSpc>
-                          <a:spcPct val="100000"/>
-                        </a:lnSpc>
-                        <a:spcBef>
-                          <a:spcPts val="0"/>
-                        </a:spcBef>
-                        <a:spcAft>
-                          <a:spcPts val="0"/>
-                        </a:spcAft>
-                        <a:buClr>
-                          <a:srgbClr val="000000"/>
-                        </a:buClr>
-                        <a:buSzTx/>
-                        <a:buFont typeface="Arial"/>
-                        <a:buNone/>
-                        <a:tabLst/>
-                        <a:defRPr/>
-                      </a:pPr>
-                      <a:r>
-                        <a:rPr lang="en-VN" sz="2000" b="0" i="0" u="none" strike="noStrike" cap="none" dirty="0">
-                          <a:solidFill>
-                            <a:schemeClr val="dk1"/>
-                          </a:solidFill>
-                          <a:effectLst/>
-                          <a:latin typeface="+mn-lt"/>
-                          <a:ea typeface="+mn-ea"/>
-                          <a:cs typeface="+mn-cs"/>
-                          <a:sym typeface="Arial"/>
-                        </a:rPr>
-                        <a:t>0.3537</a:t>
-                      </a:r>
-                    </a:p>
-                    <a:p>
-                      <a:pPr algn="ctr"/>
-                      <a:endParaRPr lang="en-VN" sz="2000" dirty="0"/>
-                    </a:p>
-                  </a:txBody>
-                  <a:tcPr/>
-                </a:tc>
-                <a:extLst>
-                  <a:ext uri="{0D108BD9-81ED-4DB2-BD59-A6C34878D82A}">
-                    <a16:rowId xmlns:a16="http://schemas.microsoft.com/office/drawing/2014/main" val="3874263939"/>
-                  </a:ext>
-                </a:extLst>
-              </a:tr>
-              <a:tr h="714253">
-                <a:tc>
-                  <a:txBody>
-                    <a:bodyPr/>
-                    <a:lstStyle/>
-                    <a:p>
-                      <a:pPr algn="ctr"/>
-                      <a:r>
-                        <a:rPr lang="en-VN" sz="2000" b="1" dirty="0">
-                          <a:solidFill>
-                            <a:schemeClr val="bg2">
-                              <a:lumMod val="50000"/>
-                            </a:schemeClr>
-                          </a:solidFill>
-                        </a:rPr>
-                        <a:t>Meanuv</a:t>
-                      </a:r>
-                    </a:p>
-                  </a:txBody>
-                  <a:tcPr/>
-                </a:tc>
-                <a:tc>
-                  <a:txBody>
-                    <a:bodyPr/>
-                    <a:lstStyle/>
-                    <a:p>
-                      <a:pPr marL="0" marR="0" lvl="0" indent="0" algn="ctr" defTabSz="914400" rtl="0" eaLnBrk="1" fontAlgn="auto" latinLnBrk="0" hangingPunct="1">
-                        <a:lnSpc>
-                          <a:spcPct val="100000"/>
-                        </a:lnSpc>
-                        <a:spcBef>
-                          <a:spcPts val="0"/>
-                        </a:spcBef>
-                        <a:spcAft>
-                          <a:spcPts val="0"/>
-                        </a:spcAft>
-                        <a:buClr>
-                          <a:srgbClr val="000000"/>
-                        </a:buClr>
-                        <a:buSzTx/>
-                        <a:buFont typeface="Arial"/>
-                        <a:buNone/>
-                        <a:tabLst/>
-                        <a:defRPr/>
-                      </a:pPr>
-                      <a:r>
-                        <a:rPr lang="en-VN" sz="2000" b="0" i="0" u="none" strike="noStrike" cap="none" dirty="0">
-                          <a:solidFill>
-                            <a:schemeClr val="dk1"/>
-                          </a:solidFill>
-                          <a:effectLst/>
-                          <a:latin typeface="+mn-lt"/>
-                          <a:ea typeface="+mn-ea"/>
-                          <a:cs typeface="+mn-cs"/>
-                          <a:sym typeface="Arial"/>
-                        </a:rPr>
-                        <a:t>0.1762</a:t>
-                      </a:r>
-                    </a:p>
-                    <a:p>
-                      <a:pPr algn="ctr"/>
-                      <a:endParaRPr lang="en-VN" sz="2000" dirty="0"/>
-                    </a:p>
-                  </a:txBody>
-                  <a:tcPr/>
-                </a:tc>
-                <a:tc>
-                  <a:txBody>
-                    <a:bodyPr/>
-                    <a:lstStyle/>
-                    <a:p>
-                      <a:pPr marL="0" marR="0" lvl="0" indent="0" algn="ctr" defTabSz="914400" rtl="0" eaLnBrk="1" fontAlgn="auto" latinLnBrk="0" hangingPunct="1">
-                        <a:lnSpc>
-                          <a:spcPct val="100000"/>
-                        </a:lnSpc>
-                        <a:spcBef>
-                          <a:spcPts val="0"/>
-                        </a:spcBef>
-                        <a:spcAft>
-                          <a:spcPts val="0"/>
-                        </a:spcAft>
-                        <a:buClr>
-                          <a:srgbClr val="000000"/>
-                        </a:buClr>
-                        <a:buSzTx/>
-                        <a:buFont typeface="Arial"/>
-                        <a:buNone/>
-                        <a:tabLst/>
-                        <a:defRPr/>
-                      </a:pPr>
-                      <a:r>
-                        <a:rPr lang="en-VN" sz="2000" b="0" i="0" u="none" strike="noStrike" cap="none" dirty="0">
-                          <a:solidFill>
-                            <a:schemeClr val="dk1"/>
-                          </a:solidFill>
-                          <a:effectLst/>
-                          <a:latin typeface="+mn-lt"/>
-                          <a:ea typeface="+mn-ea"/>
-                          <a:cs typeface="+mn-cs"/>
-                          <a:sym typeface="Arial"/>
-                        </a:rPr>
-                        <a:t>0.2303</a:t>
-                      </a:r>
-                    </a:p>
-                  </a:txBody>
-                  <a:tcPr/>
-                </a:tc>
-                <a:tc>
-                  <a:txBody>
-                    <a:bodyPr/>
-                    <a:lstStyle/>
-                    <a:p>
-                      <a:pPr marL="0" marR="0" lvl="0" indent="0" algn="ctr" defTabSz="914400" rtl="0" eaLnBrk="1" fontAlgn="auto" latinLnBrk="0" hangingPunct="1">
-                        <a:lnSpc>
-                          <a:spcPct val="100000"/>
-                        </a:lnSpc>
-                        <a:spcBef>
-                          <a:spcPts val="0"/>
-                        </a:spcBef>
-                        <a:spcAft>
-                          <a:spcPts val="0"/>
-                        </a:spcAft>
-                        <a:buClr>
-                          <a:srgbClr val="000000"/>
-                        </a:buClr>
-                        <a:buSzTx/>
-                        <a:buFont typeface="Arial"/>
-                        <a:buNone/>
-                        <a:tabLst/>
-                        <a:defRPr/>
-                      </a:pPr>
-                      <a:r>
-                        <a:rPr lang="en-VN" sz="2000" b="0" i="0" u="none" strike="noStrike" cap="none" dirty="0">
-                          <a:solidFill>
-                            <a:schemeClr val="dk1"/>
-                          </a:solidFill>
-                          <a:effectLst/>
-                          <a:latin typeface="+mn-lt"/>
-                          <a:ea typeface="+mn-ea"/>
-                          <a:cs typeface="+mn-cs"/>
-                          <a:sym typeface="Arial"/>
-                        </a:rPr>
-                        <a:t>0.3705</a:t>
-                      </a:r>
-                    </a:p>
-                    <a:p>
-                      <a:pPr algn="ctr"/>
-                      <a:endParaRPr lang="en-VN" sz="2000" dirty="0"/>
-                    </a:p>
-                  </a:txBody>
-                  <a:tcPr/>
-                </a:tc>
-                <a:tc>
-                  <a:txBody>
-                    <a:bodyPr/>
-                    <a:lstStyle/>
-                    <a:p>
-                      <a:pPr marL="0" marR="0" lvl="0" indent="0" algn="ctr" defTabSz="914400" rtl="0" eaLnBrk="1" fontAlgn="auto" latinLnBrk="0" hangingPunct="1">
-                        <a:lnSpc>
-                          <a:spcPct val="100000"/>
-                        </a:lnSpc>
-                        <a:spcBef>
-                          <a:spcPts val="0"/>
-                        </a:spcBef>
-                        <a:spcAft>
-                          <a:spcPts val="0"/>
-                        </a:spcAft>
-                        <a:buClr>
-                          <a:srgbClr val="000000"/>
-                        </a:buClr>
-                        <a:buSzTx/>
-                        <a:buFont typeface="Arial"/>
-                        <a:buNone/>
-                        <a:tabLst/>
-                        <a:defRPr/>
-                      </a:pPr>
-                      <a:r>
-                        <a:rPr lang="en-VN" sz="2000" b="0" i="0" u="none" strike="noStrike" cap="none" dirty="0">
-                          <a:solidFill>
-                            <a:schemeClr val="dk1"/>
-                          </a:solidFill>
-                          <a:effectLst/>
-                          <a:latin typeface="+mn-lt"/>
-                          <a:ea typeface="+mn-ea"/>
-                          <a:cs typeface="+mn-cs"/>
-                          <a:sym typeface="Arial"/>
-                        </a:rPr>
-                        <a:t>0.2591</a:t>
-                      </a:r>
-                    </a:p>
-                    <a:p>
-                      <a:pPr algn="ctr"/>
-                      <a:endParaRPr lang="en-VN" sz="2000" dirty="0"/>
-                    </a:p>
-                  </a:txBody>
-                  <a:tcPr/>
-                </a:tc>
-                <a:extLst>
-                  <a:ext uri="{0D108BD9-81ED-4DB2-BD59-A6C34878D82A}">
-                    <a16:rowId xmlns:a16="http://schemas.microsoft.com/office/drawing/2014/main" val="3732852221"/>
-                  </a:ext>
-                </a:extLst>
-              </a:tr>
-              <a:tr h="714253">
-                <a:tc>
-                  <a:txBody>
-                    <a:bodyPr/>
-                    <a:lstStyle/>
-                    <a:p>
-                      <a:pPr algn="ctr"/>
-                      <a:r>
-                        <a:rPr lang="en-VN" sz="2000" b="1" dirty="0">
-                          <a:solidFill>
-                            <a:schemeClr val="bg2">
-                              <a:lumMod val="50000"/>
-                            </a:schemeClr>
-                          </a:solidFill>
-                        </a:rPr>
-                        <a:t>Stduv</a:t>
-                      </a:r>
-                    </a:p>
-                  </a:txBody>
-                  <a:tcPr/>
-                </a:tc>
-                <a:tc>
-                  <a:txBody>
-                    <a:bodyPr/>
-                    <a:lstStyle/>
-                    <a:p>
-                      <a:pPr marL="0" marR="0" lvl="0" indent="0" algn="ctr" defTabSz="914400" rtl="0" eaLnBrk="1" fontAlgn="auto" latinLnBrk="0" hangingPunct="1">
-                        <a:lnSpc>
-                          <a:spcPct val="100000"/>
-                        </a:lnSpc>
-                        <a:spcBef>
-                          <a:spcPts val="0"/>
-                        </a:spcBef>
-                        <a:spcAft>
-                          <a:spcPts val="0"/>
-                        </a:spcAft>
-                        <a:buClr>
-                          <a:srgbClr val="000000"/>
-                        </a:buClr>
-                        <a:buSzTx/>
-                        <a:buFont typeface="Arial"/>
-                        <a:buNone/>
-                        <a:tabLst/>
-                        <a:defRPr/>
-                      </a:pPr>
-                      <a:r>
-                        <a:rPr lang="en-VN" sz="2000" b="0" i="0" u="none" strike="noStrike" cap="none" dirty="0">
-                          <a:solidFill>
-                            <a:schemeClr val="dk1"/>
-                          </a:solidFill>
-                          <a:effectLst/>
-                          <a:latin typeface="+mn-lt"/>
-                          <a:ea typeface="+mn-ea"/>
-                          <a:cs typeface="+mn-cs"/>
-                          <a:sym typeface="Arial"/>
-                        </a:rPr>
-                        <a:t>0.2</a:t>
-                      </a:r>
-                    </a:p>
-                  </a:txBody>
-                  <a:tcPr/>
-                </a:tc>
-                <a:tc>
-                  <a:txBody>
-                    <a:bodyPr/>
-                    <a:lstStyle/>
-                    <a:p>
-                      <a:pPr marL="0" marR="0" lvl="0" indent="0" algn="ctr" defTabSz="914400" rtl="0" eaLnBrk="1" fontAlgn="auto" latinLnBrk="0" hangingPunct="1">
-                        <a:lnSpc>
-                          <a:spcPct val="100000"/>
-                        </a:lnSpc>
-                        <a:spcBef>
-                          <a:spcPts val="0"/>
-                        </a:spcBef>
-                        <a:spcAft>
-                          <a:spcPts val="0"/>
-                        </a:spcAft>
-                        <a:buClr>
-                          <a:srgbClr val="000000"/>
-                        </a:buClr>
-                        <a:buSzTx/>
-                        <a:buFont typeface="Arial"/>
-                        <a:buNone/>
-                        <a:tabLst/>
-                        <a:defRPr/>
-                      </a:pPr>
-                      <a:r>
-                        <a:rPr lang="en-VN" sz="2000" b="0" i="0" u="none" strike="noStrike" cap="none" dirty="0">
-                          <a:solidFill>
-                            <a:schemeClr val="dk1"/>
-                          </a:solidFill>
-                          <a:effectLst/>
-                          <a:latin typeface="+mn-lt"/>
-                          <a:ea typeface="+mn-ea"/>
-                          <a:cs typeface="+mn-cs"/>
-                          <a:sym typeface="Arial"/>
-                        </a:rPr>
-                        <a:t>0.2034</a:t>
-                      </a:r>
-                    </a:p>
-                  </a:txBody>
-                  <a:tcPr/>
-                </a:tc>
-                <a:tc>
-                  <a:txBody>
-                    <a:bodyPr/>
-                    <a:lstStyle/>
-                    <a:p>
-                      <a:pPr marL="0" marR="0" lvl="0" indent="0" algn="ctr" defTabSz="914400" rtl="0" eaLnBrk="1" fontAlgn="auto" latinLnBrk="0" hangingPunct="1">
-                        <a:lnSpc>
-                          <a:spcPct val="100000"/>
-                        </a:lnSpc>
-                        <a:spcBef>
-                          <a:spcPts val="0"/>
-                        </a:spcBef>
-                        <a:spcAft>
-                          <a:spcPts val="0"/>
-                        </a:spcAft>
-                        <a:buClr>
-                          <a:srgbClr val="000000"/>
-                        </a:buClr>
-                        <a:buSzTx/>
-                        <a:buFont typeface="Arial"/>
-                        <a:buNone/>
-                        <a:tabLst/>
-                        <a:defRPr/>
-                      </a:pPr>
-                      <a:r>
-                        <a:rPr lang="en-VN" sz="2000" b="0" i="0" u="none" strike="noStrike" cap="none" dirty="0">
-                          <a:solidFill>
-                            <a:schemeClr val="dk1"/>
-                          </a:solidFill>
-                          <a:effectLst/>
-                          <a:latin typeface="+mn-lt"/>
-                          <a:ea typeface="+mn-ea"/>
-                          <a:cs typeface="+mn-cs"/>
-                          <a:sym typeface="Arial"/>
-                        </a:rPr>
-                        <a:t>0.2100</a:t>
-                      </a:r>
-                    </a:p>
-                    <a:p>
-                      <a:pPr algn="ctr"/>
-                      <a:endParaRPr lang="en-VN" sz="2000" dirty="0"/>
-                    </a:p>
-                  </a:txBody>
-                  <a:tcPr/>
-                </a:tc>
-                <a:tc>
-                  <a:txBody>
-                    <a:bodyPr/>
-                    <a:lstStyle/>
-                    <a:p>
-                      <a:pPr marL="0" marR="0" lvl="0" indent="0" algn="ctr" defTabSz="914400" rtl="0" eaLnBrk="1" fontAlgn="auto" latinLnBrk="0" hangingPunct="1">
-                        <a:lnSpc>
-                          <a:spcPct val="100000"/>
-                        </a:lnSpc>
-                        <a:spcBef>
-                          <a:spcPts val="0"/>
-                        </a:spcBef>
-                        <a:spcAft>
-                          <a:spcPts val="0"/>
-                        </a:spcAft>
-                        <a:buClr>
-                          <a:srgbClr val="000000"/>
-                        </a:buClr>
-                        <a:buSzTx/>
-                        <a:buFont typeface="Arial"/>
-                        <a:buNone/>
-                        <a:tabLst/>
-                        <a:defRPr/>
-                      </a:pPr>
-                      <a:r>
-                        <a:rPr lang="en-VN" sz="2000" b="0" i="0" u="none" strike="noStrike" cap="none" dirty="0">
-                          <a:solidFill>
-                            <a:schemeClr val="dk1"/>
-                          </a:solidFill>
-                          <a:effectLst/>
-                          <a:latin typeface="+mn-lt"/>
-                          <a:ea typeface="+mn-ea"/>
-                          <a:cs typeface="+mn-cs"/>
-                          <a:sym typeface="Arial"/>
-                        </a:rPr>
-                        <a:t>0.1824</a:t>
-                      </a:r>
-                    </a:p>
-                  </a:txBody>
-                  <a:tcPr/>
-                </a:tc>
-                <a:extLst>
-                  <a:ext uri="{0D108BD9-81ED-4DB2-BD59-A6C34878D82A}">
-                    <a16:rowId xmlns:a16="http://schemas.microsoft.com/office/drawing/2014/main" val="1354287867"/>
-                  </a:ext>
-                </a:extLst>
-              </a:tr>
-            </a:tbl>
-          </a:graphicData>
-        </a:graphic>
-      </p:graphicFrame>
-      <p:sp>
-        <p:nvSpPr>
-          <p:cNvPr id="5" name="TextBox 4">
-            <a:extLst>
-              <a:ext uri="{FF2B5EF4-FFF2-40B4-BE49-F238E27FC236}">
-                <a16:creationId xmlns:a16="http://schemas.microsoft.com/office/drawing/2014/main" id="{7B513E3B-664B-934C-A698-0747B5005CF5}"/>
-              </a:ext>
-            </a:extLst>
-          </p:cNvPr>
-          <p:cNvSpPr txBox="1"/>
-          <p:nvPr/>
-        </p:nvSpPr>
-        <p:spPr>
-          <a:xfrm>
-            <a:off x="451018" y="5776224"/>
-            <a:ext cx="8309610" cy="477054"/>
-          </a:xfrm>
-          <a:prstGeom prst="rect">
-            <a:avLst/>
-          </a:prstGeom>
-          <a:noFill/>
-        </p:spPr>
-        <p:txBody>
-          <a:bodyPr wrap="square" rtlCol="0">
-            <a:spAutoFit/>
-          </a:bodyPr>
-          <a:lstStyle/>
-          <a:p>
-            <a:r>
-              <a:rPr lang="en-VN" sz="2500" dirty="0">
-                <a:solidFill>
-                  <a:schemeClr val="bg2">
-                    <a:lumMod val="50000"/>
-                  </a:schemeClr>
-                </a:solidFill>
-                <a:sym typeface="Wingdings" pitchFamily="2" charset="2"/>
-              </a:rPr>
-              <a:t> Threshold: (0.207+0.215+0.238+0.211)/4 ~= </a:t>
-            </a:r>
-            <a:r>
-              <a:rPr lang="en-VN" sz="2500" b="1" dirty="0">
-                <a:solidFill>
-                  <a:schemeClr val="bg2">
-                    <a:lumMod val="50000"/>
-                  </a:schemeClr>
-                </a:solidFill>
-              </a:rPr>
-              <a:t>0.2175</a:t>
-            </a:r>
-          </a:p>
-        </p:txBody>
-      </p:sp>
-    </p:spTree>
-  </p:cSld>
-  <p:clrMapOvr>
-    <a:masterClrMapping/>
-  </p:clrMapOvr>
-</p:sld>
-</file>
-
-<file path=ppt/slides/slide11.xml><?xml version="1.0" encoding="utf-8"?>
-<p:sld xmlns:a="http://schemas.openxmlformats.org/drawingml/2006/main" xmlns:r="http://schemas.openxmlformats.org/officeDocument/2006/relationships" xmlns:p="http://schemas.openxmlformats.org/presentationml/2006/main">
-  <p:cSld>
-    <p:spTree>
-      <p:nvGrpSpPr>
-        <p:cNvPr id="1" name="Shape 115"/>
-        <p:cNvGrpSpPr/>
-        <p:nvPr/>
-      </p:nvGrpSpPr>
-      <p:grpSpPr>
-        <a:xfrm>
-          <a:off x="0" y="0"/>
-          <a:ext cx="0" cy="0"/>
-          <a:chOff x="0" y="0"/>
-          <a:chExt cx="0" cy="0"/>
-        </a:xfrm>
-      </p:grpSpPr>
-      <p:sp>
-        <p:nvSpPr>
-          <p:cNvPr id="116" name="Google Shape;116;p4"/>
-          <p:cNvSpPr txBox="1">
-            <a:spLocks noGrp="1"/>
-          </p:cNvSpPr>
-          <p:nvPr>
-            <p:ph type="body" idx="1"/>
-          </p:nvPr>
-        </p:nvSpPr>
-        <p:spPr>
-          <a:xfrm>
-            <a:off x="451028" y="2045970"/>
-            <a:ext cx="6951600" cy="4190406"/>
-          </a:xfrm>
-          <a:prstGeom prst="rect">
-            <a:avLst/>
-          </a:prstGeom>
-          <a:noFill/>
-          <a:ln>
-            <a:noFill/>
-          </a:ln>
-        </p:spPr>
-        <p:txBody>
-          <a:bodyPr spcFirstLastPara="1" wrap="square" lIns="91425" tIns="45700" rIns="91425" bIns="45700" anchor="t" anchorCtr="0">
-            <a:noAutofit/>
-          </a:bodyPr>
-          <a:lstStyle/>
-          <a:p>
-            <a:pPr marL="0" lvl="0" indent="0" algn="l" rtl="0">
-              <a:lnSpc>
-                <a:spcPct val="130000"/>
-              </a:lnSpc>
-              <a:spcBef>
-                <a:spcPts val="600"/>
-              </a:spcBef>
-              <a:spcAft>
-                <a:spcPts val="0"/>
-              </a:spcAft>
-              <a:buNone/>
-            </a:pPr>
-            <a:endParaRPr dirty="0">
-              <a:solidFill>
-                <a:srgbClr val="000000"/>
-              </a:solidFill>
-            </a:endParaRPr>
-          </a:p>
-          <a:p>
-            <a:pPr marL="228600" lvl="0" indent="-91440" algn="l" rtl="0">
-              <a:lnSpc>
-                <a:spcPct val="130000"/>
-              </a:lnSpc>
-              <a:spcBef>
-                <a:spcPts val="600"/>
-              </a:spcBef>
-              <a:spcAft>
-                <a:spcPts val="0"/>
-              </a:spcAft>
-              <a:buSzPts val="2160"/>
-              <a:buNone/>
-            </a:pPr>
-            <a:endParaRPr dirty="0">
-              <a:solidFill>
-                <a:srgbClr val="000000"/>
-              </a:solidFill>
-            </a:endParaRPr>
-          </a:p>
-        </p:txBody>
-      </p:sp>
-      <p:sp>
-        <p:nvSpPr>
-          <p:cNvPr id="117" name="Google Shape;117;p4"/>
-          <p:cNvSpPr txBox="1">
-            <a:spLocks noGrp="1"/>
-          </p:cNvSpPr>
-          <p:nvPr>
-            <p:ph type="title"/>
-          </p:nvPr>
-        </p:nvSpPr>
-        <p:spPr>
-          <a:xfrm>
-            <a:off x="451018" y="1081776"/>
-            <a:ext cx="6951472" cy="590931"/>
-          </a:xfrm>
-          <a:prstGeom prst="rect">
-            <a:avLst/>
-          </a:prstGeom>
-          <a:noFill/>
-          <a:ln>
-            <a:noFill/>
-          </a:ln>
-        </p:spPr>
-        <p:txBody>
-          <a:bodyPr spcFirstLastPara="1" wrap="square" lIns="91425" tIns="45700" rIns="91425" bIns="45700" anchor="t" anchorCtr="0">
-            <a:noAutofit/>
-          </a:bodyPr>
-          <a:lstStyle/>
-          <a:p>
-            <a:pPr marL="0" lvl="0" indent="0" algn="l" rtl="0">
-              <a:lnSpc>
-                <a:spcPct val="100000"/>
-              </a:lnSpc>
-              <a:spcBef>
-                <a:spcPts val="0"/>
-              </a:spcBef>
-              <a:spcAft>
-                <a:spcPts val="0"/>
-              </a:spcAft>
-              <a:buClr>
-                <a:schemeClr val="dk2"/>
-              </a:buClr>
-              <a:buSzPts val="2800"/>
-              <a:buFont typeface="Arial"/>
-              <a:buNone/>
-            </a:pPr>
-            <a:r>
-              <a:rPr lang="en-US" sz="2800" dirty="0" err="1"/>
-              <a:t>Xác</a:t>
-            </a:r>
-            <a:r>
-              <a:rPr lang="en-US" sz="2800" dirty="0"/>
-              <a:t> </a:t>
-            </a:r>
-            <a:r>
-              <a:rPr lang="en-US" sz="2800" dirty="0" err="1"/>
-              <a:t>định</a:t>
-            </a:r>
-            <a:r>
-              <a:rPr lang="en-US" sz="2800" dirty="0"/>
-              <a:t> </a:t>
-            </a:r>
-            <a:r>
-              <a:rPr lang="en-US" sz="2800" dirty="0" err="1"/>
-              <a:t>ngưỡng</a:t>
-            </a:r>
-            <a:r>
-              <a:rPr lang="en-US" sz="2800" dirty="0"/>
-              <a:t> Autocorrect</a:t>
-            </a:r>
-            <a:endParaRPr sz="2800" dirty="0"/>
-          </a:p>
-        </p:txBody>
-      </p:sp>
-      <p:graphicFrame>
-        <p:nvGraphicFramePr>
-          <p:cNvPr id="2" name="Table 2">
-            <a:extLst>
-              <a:ext uri="{FF2B5EF4-FFF2-40B4-BE49-F238E27FC236}">
-                <a16:creationId xmlns:a16="http://schemas.microsoft.com/office/drawing/2014/main" id="{58BC1CBF-515E-5B42-A824-5DABE59FF0A2}"/>
-              </a:ext>
-            </a:extLst>
-          </p:cNvPr>
-          <p:cNvGraphicFramePr>
-            <a:graphicFrameLocks noGrp="1"/>
-          </p:cNvGraphicFramePr>
-          <p:nvPr>
-            <p:extLst>
-              <p:ext uri="{D42A27DB-BD31-4B8C-83A1-F6EECF244321}">
-                <p14:modId xmlns:p14="http://schemas.microsoft.com/office/powerpoint/2010/main" val="2687197299"/>
-              </p:ext>
-            </p:extLst>
-          </p:nvPr>
-        </p:nvGraphicFramePr>
-        <p:xfrm>
-          <a:off x="640080" y="1672707"/>
-          <a:ext cx="10229850" cy="4040821"/>
-        </p:xfrm>
-        <a:graphic>
-          <a:graphicData uri="http://schemas.openxmlformats.org/drawingml/2006/table">
-            <a:tbl>
-              <a:tblPr firstRow="1" bandRow="1">
-                <a:tableStyleId>{5C22544A-7EE6-4342-B048-85BDC9FD1C3A}</a:tableStyleId>
-              </a:tblPr>
-              <a:tblGrid>
-                <a:gridCol w="2045970">
-                  <a:extLst>
-                    <a:ext uri="{9D8B030D-6E8A-4147-A177-3AD203B41FA5}">
-                      <a16:colId xmlns:a16="http://schemas.microsoft.com/office/drawing/2014/main" val="1977437174"/>
-                    </a:ext>
-                  </a:extLst>
-                </a:gridCol>
-                <a:gridCol w="2045970">
-                  <a:extLst>
-                    <a:ext uri="{9D8B030D-6E8A-4147-A177-3AD203B41FA5}">
-                      <a16:colId xmlns:a16="http://schemas.microsoft.com/office/drawing/2014/main" val="1639461737"/>
-                    </a:ext>
-                  </a:extLst>
-                </a:gridCol>
-                <a:gridCol w="2045970">
-                  <a:extLst>
-                    <a:ext uri="{9D8B030D-6E8A-4147-A177-3AD203B41FA5}">
-                      <a16:colId xmlns:a16="http://schemas.microsoft.com/office/drawing/2014/main" val="4289298959"/>
-                    </a:ext>
-                  </a:extLst>
-                </a:gridCol>
-                <a:gridCol w="2045970">
-                  <a:extLst>
-                    <a:ext uri="{9D8B030D-6E8A-4147-A177-3AD203B41FA5}">
-                      <a16:colId xmlns:a16="http://schemas.microsoft.com/office/drawing/2014/main" val="4163473307"/>
-                    </a:ext>
-                  </a:extLst>
-                </a:gridCol>
-                <a:gridCol w="2045970">
-                  <a:extLst>
-                    <a:ext uri="{9D8B030D-6E8A-4147-A177-3AD203B41FA5}">
-                      <a16:colId xmlns:a16="http://schemas.microsoft.com/office/drawing/2014/main" val="49734491"/>
-                    </a:ext>
-                  </a:extLst>
-                </a:gridCol>
-              </a:tblGrid>
-              <a:tr h="777898">
-                <a:tc>
-                  <a:txBody>
-                    <a:bodyPr/>
-                    <a:lstStyle/>
-                    <a:p>
-                      <a:pPr algn="ctr"/>
-                      <a:endParaRPr lang="en-VN" sz="2000" dirty="0"/>
-                    </a:p>
-                  </a:txBody>
-                  <a:tcPr/>
-                </a:tc>
-                <a:tc>
-                  <a:txBody>
-                    <a:bodyPr/>
-                    <a:lstStyle/>
-                    <a:p>
-                      <a:pPr algn="ctr"/>
-                      <a:r>
-                        <a:rPr lang="en-VN" sz="2000" dirty="0"/>
-                        <a:t>01MDA</a:t>
-                      </a:r>
-                    </a:p>
-                  </a:txBody>
-                  <a:tcPr/>
-                </a:tc>
-                <a:tc>
-                  <a:txBody>
-                    <a:bodyPr/>
-                    <a:lstStyle/>
-                    <a:p>
-                      <a:pPr algn="ctr"/>
-                      <a:r>
-                        <a:rPr lang="en-VN" sz="2000" dirty="0"/>
-                        <a:t>02MAB</a:t>
-                      </a:r>
-                    </a:p>
-                  </a:txBody>
-                  <a:tcPr/>
-                </a:tc>
-                <a:tc>
-                  <a:txBody>
-                    <a:bodyPr/>
-                    <a:lstStyle/>
-                    <a:p>
-                      <a:pPr algn="ctr"/>
-                      <a:r>
-                        <a:rPr lang="en-VN" sz="2000" dirty="0"/>
-                        <a:t>02FVA</a:t>
-                      </a:r>
-                    </a:p>
-                  </a:txBody>
-                  <a:tcPr/>
-                </a:tc>
-                <a:tc>
-                  <a:txBody>
-                    <a:bodyPr/>
-                    <a:lstStyle/>
-                    <a:p>
-                      <a:pPr algn="ctr"/>
-                      <a:r>
-                        <a:rPr lang="en-VN" sz="2000" dirty="0"/>
-                        <a:t>06FTB</a:t>
-                      </a:r>
-                    </a:p>
-                  </a:txBody>
-                  <a:tcPr/>
-                </a:tc>
-                <a:extLst>
-                  <a:ext uri="{0D108BD9-81ED-4DB2-BD59-A6C34878D82A}">
-                    <a16:rowId xmlns:a16="http://schemas.microsoft.com/office/drawing/2014/main" val="762379995"/>
-                  </a:ext>
-                </a:extLst>
-              </a:tr>
-              <a:tr h="946443">
-                <a:tc>
-                  <a:txBody>
-                    <a:bodyPr/>
-                    <a:lstStyle/>
-                    <a:p>
-                      <a:pPr algn="ctr"/>
-                      <a:r>
-                        <a:rPr lang="en-US" sz="2000" b="1" dirty="0" err="1">
-                          <a:solidFill>
-                            <a:schemeClr val="bg2">
-                              <a:lumMod val="50000"/>
-                            </a:schemeClr>
-                          </a:solidFill>
-                        </a:rPr>
-                        <a:t>thresholdv</a:t>
-                      </a:r>
-                      <a:endParaRPr lang="en-VN" sz="2000" b="1" dirty="0">
-                        <a:solidFill>
-                          <a:schemeClr val="bg2">
-                            <a:lumMod val="50000"/>
-                          </a:schemeClr>
-                        </a:solidFill>
-                      </a:endParaRPr>
-                    </a:p>
-                  </a:txBody>
-                  <a:tcPr/>
-                </a:tc>
-                <a:tc>
-                  <a:txBody>
-                    <a:bodyPr/>
-                    <a:lstStyle/>
-                    <a:p>
-                      <a:pPr marL="0" marR="0" lvl="0" indent="0" algn="ctr" defTabSz="914400" rtl="0" eaLnBrk="1" fontAlgn="auto" latinLnBrk="0" hangingPunct="1">
-                        <a:lnSpc>
-                          <a:spcPct val="100000"/>
-                        </a:lnSpc>
-                        <a:spcBef>
-                          <a:spcPts val="0"/>
-                        </a:spcBef>
-                        <a:spcAft>
-                          <a:spcPts val="0"/>
-                        </a:spcAft>
-                        <a:buClr>
-                          <a:srgbClr val="000000"/>
-                        </a:buClr>
-                        <a:buSzTx/>
-                        <a:buFont typeface="Arial"/>
-                        <a:buNone/>
-                        <a:tabLst/>
-                        <a:defRPr/>
-                      </a:pPr>
-                      <a:r>
-                        <a:rPr lang="en-VN" sz="2000" b="0" i="0" u="none" strike="noStrike" cap="none" dirty="0">
-                          <a:solidFill>
-                            <a:schemeClr val="dk1"/>
-                          </a:solidFill>
-                          <a:effectLst/>
-                          <a:latin typeface="+mn-lt"/>
-                          <a:ea typeface="+mn-ea"/>
-                          <a:cs typeface="+mn-cs"/>
-                          <a:sym typeface="Arial"/>
-                        </a:rPr>
-                        <a:t>0.4865</a:t>
-                      </a:r>
-                    </a:p>
-                    <a:p>
-                      <a:pPr marL="0" marR="0" lvl="0" indent="0" algn="ctr" defTabSz="914400" rtl="0" eaLnBrk="1" fontAlgn="auto" latinLnBrk="0" hangingPunct="1">
-                        <a:lnSpc>
-                          <a:spcPct val="100000"/>
-                        </a:lnSpc>
-                        <a:spcBef>
-                          <a:spcPts val="0"/>
-                        </a:spcBef>
-                        <a:spcAft>
-                          <a:spcPts val="0"/>
-                        </a:spcAft>
-                        <a:buClr>
-                          <a:srgbClr val="000000"/>
-                        </a:buClr>
-                        <a:buSzTx/>
-                        <a:buFont typeface="Arial"/>
-                        <a:buNone/>
-                        <a:tabLst/>
-                        <a:defRPr/>
-                      </a:pPr>
-                      <a:endParaRPr lang="en-VN" sz="2000" b="0" i="0" u="none" strike="noStrike" cap="none" dirty="0">
-                        <a:solidFill>
-                          <a:schemeClr val="dk1"/>
-                        </a:solidFill>
-                        <a:effectLst/>
-                        <a:latin typeface="+mn-lt"/>
-                        <a:ea typeface="+mn-ea"/>
-                        <a:cs typeface="+mn-cs"/>
-                        <a:sym typeface="Arial"/>
-                      </a:endParaRPr>
-                    </a:p>
-                    <a:p>
-                      <a:pPr marL="0" marR="0" lvl="0" indent="0" algn="ctr" defTabSz="914400" rtl="0" eaLnBrk="1" fontAlgn="auto" latinLnBrk="0" hangingPunct="1">
-                        <a:lnSpc>
-                          <a:spcPct val="100000"/>
-                        </a:lnSpc>
-                        <a:spcBef>
-                          <a:spcPts val="0"/>
-                        </a:spcBef>
-                        <a:spcAft>
-                          <a:spcPts val="0"/>
-                        </a:spcAft>
-                        <a:buClr>
-                          <a:srgbClr val="000000"/>
-                        </a:buClr>
-                        <a:buSzTx/>
-                        <a:buFont typeface="Arial"/>
-                        <a:buNone/>
-                        <a:tabLst/>
-                        <a:defRPr/>
-                      </a:pPr>
-                      <a:endParaRPr lang="en-VN" sz="2000" b="0" i="0" u="none" strike="noStrike" cap="none" dirty="0">
-                        <a:solidFill>
-                          <a:schemeClr val="dk1"/>
-                        </a:solidFill>
-                        <a:effectLst/>
-                        <a:latin typeface="+mn-lt"/>
-                        <a:ea typeface="+mn-ea"/>
-                        <a:cs typeface="+mn-cs"/>
-                        <a:sym typeface="Arial"/>
-                      </a:endParaRPr>
-                    </a:p>
-                    <a:p>
-                      <a:pPr algn="ctr"/>
-                      <a:endParaRPr lang="en-VN" sz="2000" dirty="0"/>
-                    </a:p>
-                  </a:txBody>
-                  <a:tcPr/>
-                </a:tc>
-                <a:tc>
-                  <a:txBody>
-                    <a:bodyPr/>
-                    <a:lstStyle/>
-                    <a:p>
-                      <a:pPr algn="ctr"/>
-                      <a:r>
-                        <a:rPr lang="en-VN" sz="2000" b="0" i="0" u="none" strike="noStrike" cap="none" dirty="0">
-                          <a:solidFill>
-                            <a:schemeClr val="dk1"/>
-                          </a:solidFill>
-                          <a:effectLst/>
-                          <a:latin typeface="+mn-lt"/>
-                          <a:ea typeface="+mn-ea"/>
-                          <a:cs typeface="+mn-cs"/>
-                          <a:sym typeface="Arial"/>
-                        </a:rPr>
-                        <a:t>0.5375</a:t>
-                      </a:r>
-                    </a:p>
-                  </a:txBody>
-                  <a:tcPr/>
-                </a:tc>
-                <a:tc>
-                  <a:txBody>
-                    <a:bodyPr/>
-                    <a:lstStyle/>
-                    <a:p>
-                      <a:pPr algn="ctr"/>
-                      <a:r>
-                        <a:rPr lang="en-VN" sz="2000" b="0" i="0" u="none" strike="noStrike" cap="none" dirty="0">
-                          <a:solidFill>
-                            <a:schemeClr val="dk1"/>
-                          </a:solidFill>
-                          <a:effectLst/>
-                          <a:latin typeface="+mn-lt"/>
-                          <a:ea typeface="+mn-ea"/>
-                          <a:cs typeface="+mn-cs"/>
-                          <a:sym typeface="Arial"/>
-                        </a:rPr>
-                        <a:t>0.4015 </a:t>
-                      </a:r>
-                    </a:p>
-                    <a:p>
-                      <a:pPr algn="ctr"/>
-                      <a:endParaRPr lang="en-VN" sz="2000" dirty="0"/>
-                    </a:p>
-                  </a:txBody>
-                  <a:tcPr/>
-                </a:tc>
-                <a:tc>
-                  <a:txBody>
-                    <a:bodyPr/>
-                    <a:lstStyle/>
-                    <a:p>
-                      <a:pPr marL="0" marR="0" lvl="0" indent="0" algn="ctr" defTabSz="914400" rtl="0" eaLnBrk="1" fontAlgn="auto" latinLnBrk="0" hangingPunct="1">
-                        <a:lnSpc>
-                          <a:spcPct val="100000"/>
-                        </a:lnSpc>
-                        <a:spcBef>
-                          <a:spcPts val="0"/>
-                        </a:spcBef>
-                        <a:spcAft>
-                          <a:spcPts val="0"/>
-                        </a:spcAft>
-                        <a:buClr>
-                          <a:srgbClr val="000000"/>
-                        </a:buClr>
-                        <a:buSzTx/>
-                        <a:buFont typeface="Arial"/>
-                        <a:buNone/>
-                        <a:tabLst/>
-                        <a:defRPr/>
-                      </a:pPr>
-                      <a:r>
-                        <a:rPr lang="en-VN" sz="2000" b="0" i="0" u="none" strike="noStrike" cap="none" dirty="0">
-                          <a:solidFill>
-                            <a:schemeClr val="dk1"/>
-                          </a:solidFill>
-                          <a:effectLst/>
-                          <a:latin typeface="+mn-lt"/>
-                          <a:ea typeface="+mn-ea"/>
-                          <a:cs typeface="+mn-cs"/>
-                          <a:sym typeface="Arial"/>
-                        </a:rPr>
-                        <a:t>0.3347</a:t>
-                      </a:r>
-                    </a:p>
-                    <a:p>
-                      <a:pPr marL="0" marR="0" lvl="0" indent="0" algn="ctr" defTabSz="914400" rtl="0" eaLnBrk="1" fontAlgn="auto" latinLnBrk="0" hangingPunct="1">
-                        <a:lnSpc>
-                          <a:spcPct val="100000"/>
-                        </a:lnSpc>
-                        <a:spcBef>
-                          <a:spcPts val="0"/>
-                        </a:spcBef>
-                        <a:spcAft>
-                          <a:spcPts val="0"/>
-                        </a:spcAft>
-                        <a:buClr>
-                          <a:srgbClr val="000000"/>
-                        </a:buClr>
-                        <a:buSzTx/>
-                        <a:buFont typeface="Arial"/>
-                        <a:buNone/>
-                        <a:tabLst/>
-                        <a:defRPr/>
-                      </a:pPr>
-                      <a:endParaRPr lang="en-VN" sz="2000" b="0" i="0" u="none" strike="noStrike" cap="none" dirty="0">
-                        <a:solidFill>
-                          <a:schemeClr val="dk1"/>
-                        </a:solidFill>
-                        <a:effectLst/>
-                        <a:latin typeface="+mn-lt"/>
-                        <a:ea typeface="+mn-ea"/>
-                        <a:cs typeface="+mn-cs"/>
-                        <a:sym typeface="Arial"/>
-                      </a:endParaRPr>
-                    </a:p>
-                    <a:p>
-                      <a:pPr marL="0" marR="0" lvl="0" indent="0" algn="ctr" defTabSz="914400" rtl="0" eaLnBrk="1" fontAlgn="auto" latinLnBrk="0" hangingPunct="1">
-                        <a:lnSpc>
-                          <a:spcPct val="100000"/>
-                        </a:lnSpc>
-                        <a:spcBef>
-                          <a:spcPts val="0"/>
-                        </a:spcBef>
-                        <a:spcAft>
-                          <a:spcPts val="0"/>
-                        </a:spcAft>
-                        <a:buClr>
-                          <a:srgbClr val="000000"/>
-                        </a:buClr>
-                        <a:buSzTx/>
-                        <a:buFont typeface="Arial"/>
-                        <a:buNone/>
-                        <a:tabLst/>
-                        <a:defRPr/>
-                      </a:pPr>
-                      <a:endParaRPr lang="en-VN" sz="2000" b="0" i="0" u="none" strike="noStrike" cap="none" dirty="0">
-                        <a:solidFill>
-                          <a:schemeClr val="dk1"/>
-                        </a:solidFill>
-                        <a:effectLst/>
-                        <a:latin typeface="+mn-lt"/>
-                        <a:ea typeface="+mn-ea"/>
-                        <a:cs typeface="+mn-cs"/>
-                        <a:sym typeface="Arial"/>
-                      </a:endParaRPr>
-                    </a:p>
-                  </a:txBody>
-                  <a:tcPr/>
-                </a:tc>
-                <a:extLst>
-                  <a:ext uri="{0D108BD9-81ED-4DB2-BD59-A6C34878D82A}">
-                    <a16:rowId xmlns:a16="http://schemas.microsoft.com/office/drawing/2014/main" val="1113746075"/>
-                  </a:ext>
-                </a:extLst>
-              </a:tr>
-              <a:tr h="946443">
-                <a:tc>
-                  <a:txBody>
-                    <a:bodyPr/>
-                    <a:lstStyle/>
-                    <a:p>
-                      <a:pPr algn="ctr"/>
-                      <a:r>
-                        <a:rPr lang="en-US" sz="2000" b="1" dirty="0" err="1">
-                          <a:solidFill>
-                            <a:schemeClr val="bg2">
-                              <a:lumMod val="50000"/>
-                            </a:schemeClr>
-                          </a:solidFill>
-                        </a:rPr>
-                        <a:t>thresholduv</a:t>
-                      </a:r>
-                      <a:endParaRPr lang="en-VN" sz="2000" b="1" dirty="0">
-                        <a:solidFill>
-                          <a:schemeClr val="bg2">
-                            <a:lumMod val="50000"/>
-                          </a:schemeClr>
-                        </a:solidFill>
-                      </a:endParaRPr>
-                    </a:p>
-                  </a:txBody>
-                  <a:tcPr/>
-                </a:tc>
-                <a:tc>
-                  <a:txBody>
-                    <a:bodyPr/>
-                    <a:lstStyle/>
-                    <a:p>
-                      <a:pPr algn="ctr"/>
-                      <a:r>
-                        <a:rPr lang="en-VN" sz="2000" b="0" i="0" u="none" strike="noStrike" cap="none" dirty="0">
-                          <a:solidFill>
-                            <a:schemeClr val="dk1"/>
-                          </a:solidFill>
-                          <a:effectLst/>
-                          <a:latin typeface="+mn-lt"/>
-                          <a:ea typeface="+mn-ea"/>
-                          <a:cs typeface="+mn-cs"/>
-                          <a:sym typeface="Arial"/>
-                        </a:rPr>
-                        <a:t>0.241</a:t>
-                      </a:r>
-                    </a:p>
-                  </a:txBody>
-                  <a:tcPr/>
-                </a:tc>
-                <a:tc>
-                  <a:txBody>
-                    <a:bodyPr/>
-                    <a:lstStyle/>
-                    <a:p>
-                      <a:pPr algn="ctr"/>
-                      <a:r>
-                        <a:rPr lang="en-VN" sz="2000" b="0" i="0" u="none" strike="noStrike" cap="none" dirty="0">
-                          <a:solidFill>
-                            <a:schemeClr val="dk1"/>
-                          </a:solidFill>
-                          <a:effectLst/>
-                          <a:latin typeface="+mn-lt"/>
-                          <a:ea typeface="+mn-ea"/>
-                          <a:cs typeface="+mn-cs"/>
-                          <a:sym typeface="Arial"/>
-                        </a:rPr>
-                        <a:t>0.39</a:t>
-                      </a:r>
-                    </a:p>
-                    <a:p>
-                      <a:pPr algn="ctr"/>
-                      <a:endParaRPr lang="en-VN" sz="2000" dirty="0"/>
-                    </a:p>
-                  </a:txBody>
-                  <a:tcPr/>
-                </a:tc>
-                <a:tc>
-                  <a:txBody>
-                    <a:bodyPr/>
-                    <a:lstStyle/>
-                    <a:p>
-                      <a:pPr algn="ctr"/>
-                      <a:r>
-                        <a:rPr lang="en-VN" sz="2000" b="0" i="0" u="none" strike="noStrike" cap="none" dirty="0">
-                          <a:solidFill>
-                            <a:schemeClr val="dk1"/>
-                          </a:solidFill>
-                          <a:effectLst/>
-                          <a:latin typeface="+mn-lt"/>
-                          <a:ea typeface="+mn-ea"/>
-                          <a:cs typeface="+mn-cs"/>
-                          <a:sym typeface="Arial"/>
-                        </a:rPr>
-                        <a:t>0.4459</a:t>
-                      </a:r>
-                    </a:p>
-                    <a:p>
-                      <a:pPr algn="ctr"/>
-                      <a:endParaRPr lang="en-VN" sz="2000" dirty="0"/>
-                    </a:p>
-                  </a:txBody>
-                  <a:tcPr/>
-                </a:tc>
-                <a:tc>
-                  <a:txBody>
-                    <a:bodyPr/>
-                    <a:lstStyle/>
-                    <a:p>
-                      <a:pPr marL="0" marR="0" lvl="0" indent="0" algn="ctr" defTabSz="914400" rtl="0" eaLnBrk="1" fontAlgn="auto" latinLnBrk="0" hangingPunct="1">
-                        <a:lnSpc>
-                          <a:spcPct val="100000"/>
-                        </a:lnSpc>
-                        <a:spcBef>
-                          <a:spcPts val="0"/>
-                        </a:spcBef>
-                        <a:spcAft>
-                          <a:spcPts val="0"/>
-                        </a:spcAft>
-                        <a:buClr>
-                          <a:srgbClr val="000000"/>
-                        </a:buClr>
-                        <a:buSzTx/>
-                        <a:buFont typeface="Arial"/>
-                        <a:buNone/>
-                        <a:tabLst/>
-                        <a:defRPr/>
-                      </a:pPr>
-                      <a:r>
-                        <a:rPr lang="en-VN" sz="2000" b="0" i="0" u="none" strike="noStrike" cap="none" dirty="0">
-                          <a:solidFill>
-                            <a:schemeClr val="dk1"/>
-                          </a:solidFill>
-                          <a:effectLst/>
-                          <a:latin typeface="+mn-lt"/>
-                          <a:ea typeface="+mn-ea"/>
-                          <a:cs typeface="+mn-cs"/>
-                          <a:sym typeface="Arial"/>
-                        </a:rPr>
-                        <a:t>0.5671</a:t>
-                      </a:r>
-                    </a:p>
-                    <a:p>
-                      <a:pPr marL="0" marR="0" lvl="0" indent="0" algn="ctr" defTabSz="914400" rtl="0" eaLnBrk="1" fontAlgn="auto" latinLnBrk="0" hangingPunct="1">
-                        <a:lnSpc>
-                          <a:spcPct val="100000"/>
-                        </a:lnSpc>
-                        <a:spcBef>
-                          <a:spcPts val="0"/>
-                        </a:spcBef>
-                        <a:spcAft>
-                          <a:spcPts val="0"/>
-                        </a:spcAft>
-                        <a:buClr>
-                          <a:srgbClr val="000000"/>
-                        </a:buClr>
-                        <a:buSzTx/>
-                        <a:buFont typeface="Arial"/>
-                        <a:buNone/>
-                        <a:tabLst/>
-                        <a:defRPr/>
-                      </a:pPr>
-                      <a:endParaRPr lang="en-VN" sz="2000" b="0" i="0" u="none" strike="noStrike" cap="none" dirty="0">
-                        <a:solidFill>
-                          <a:schemeClr val="dk1"/>
-                        </a:solidFill>
-                        <a:effectLst/>
-                        <a:latin typeface="+mn-lt"/>
-                        <a:ea typeface="+mn-ea"/>
-                        <a:cs typeface="+mn-cs"/>
-                        <a:sym typeface="Arial"/>
-                      </a:endParaRPr>
-                    </a:p>
-                    <a:p>
-                      <a:pPr algn="ctr"/>
-                      <a:endParaRPr lang="en-VN" sz="2000" dirty="0"/>
-                    </a:p>
-                  </a:txBody>
-                  <a:tcPr/>
-                </a:tc>
-                <a:extLst>
-                  <a:ext uri="{0D108BD9-81ED-4DB2-BD59-A6C34878D82A}">
-                    <a16:rowId xmlns:a16="http://schemas.microsoft.com/office/drawing/2014/main" val="3874263939"/>
-                  </a:ext>
-                </a:extLst>
-              </a:tr>
-              <a:tr h="946443">
-                <a:tc>
-                  <a:txBody>
-                    <a:bodyPr/>
-                    <a:lstStyle/>
-                    <a:p>
-                      <a:pPr algn="ctr"/>
-                      <a:r>
-                        <a:rPr lang="en-US" sz="2000" b="1" dirty="0">
-                          <a:solidFill>
-                            <a:schemeClr val="bg2">
-                              <a:lumMod val="50000"/>
-                            </a:schemeClr>
-                          </a:solidFill>
-                        </a:rPr>
-                        <a:t>threshold</a:t>
-                      </a:r>
-                      <a:endParaRPr lang="en-VN" sz="2000" b="1" dirty="0">
-                        <a:solidFill>
-                          <a:schemeClr val="bg2">
-                            <a:lumMod val="50000"/>
-                          </a:schemeClr>
-                        </a:solidFill>
-                      </a:endParaRPr>
-                    </a:p>
-                  </a:txBody>
-                  <a:tcPr/>
-                </a:tc>
-                <a:tc>
-                  <a:txBody>
-                    <a:bodyPr/>
-                    <a:lstStyle/>
-                    <a:p>
-                      <a:pPr algn="ctr"/>
-                      <a:r>
-                        <a:rPr lang="en-VN" sz="2000" b="0" i="0" u="none" strike="noStrike" cap="none" dirty="0">
-                          <a:solidFill>
-                            <a:schemeClr val="dk1"/>
-                          </a:solidFill>
-                          <a:effectLst/>
-                          <a:latin typeface="+mn-lt"/>
-                          <a:ea typeface="+mn-ea"/>
-                          <a:cs typeface="+mn-cs"/>
-                          <a:sym typeface="Arial"/>
-                        </a:rPr>
-                        <a:t>0.35</a:t>
-                      </a:r>
-                    </a:p>
-                    <a:p>
-                      <a:pPr algn="ctr"/>
-                      <a:endParaRPr lang="en-VN" sz="2000" dirty="0"/>
-                    </a:p>
-                  </a:txBody>
-                  <a:tcPr/>
-                </a:tc>
-                <a:tc>
-                  <a:txBody>
-                    <a:bodyPr/>
-                    <a:lstStyle/>
-                    <a:p>
-                      <a:pPr algn="ctr"/>
-                      <a:r>
-                        <a:rPr lang="en-VN" sz="2000" b="0" i="0" u="none" strike="noStrike" cap="none" dirty="0">
-                          <a:solidFill>
-                            <a:schemeClr val="dk1"/>
-                          </a:solidFill>
-                          <a:effectLst/>
-                          <a:latin typeface="+mn-lt"/>
-                          <a:ea typeface="+mn-ea"/>
-                          <a:cs typeface="+mn-cs"/>
-                          <a:sym typeface="Arial"/>
-                        </a:rPr>
-                        <a:t>0.4</a:t>
-                      </a:r>
-                    </a:p>
-                  </a:txBody>
-                  <a:tcPr/>
-                </a:tc>
-                <a:tc>
-                  <a:txBody>
-                    <a:bodyPr/>
-                    <a:lstStyle/>
-                    <a:p>
-                      <a:pPr algn="ctr"/>
-                      <a:r>
-                        <a:rPr lang="en-VN" sz="2000" b="0" i="0" u="none" strike="noStrike" cap="none" dirty="0">
-                          <a:solidFill>
-                            <a:schemeClr val="dk1"/>
-                          </a:solidFill>
-                          <a:effectLst/>
-                          <a:latin typeface="+mn-lt"/>
-                          <a:ea typeface="+mn-ea"/>
-                          <a:cs typeface="+mn-cs"/>
-                          <a:sym typeface="Arial"/>
-                        </a:rPr>
-                        <a:t>0.4237 </a:t>
-                      </a:r>
-                    </a:p>
-                    <a:p>
-                      <a:pPr algn="ctr"/>
-                      <a:endParaRPr lang="en-VN" sz="2000" dirty="0"/>
-                    </a:p>
-                  </a:txBody>
-                  <a:tcPr/>
-                </a:tc>
-                <a:tc>
-                  <a:txBody>
-                    <a:bodyPr/>
-                    <a:lstStyle/>
-                    <a:p>
-                      <a:pPr algn="ctr"/>
-                      <a:r>
-                        <a:rPr lang="en-VN" sz="2000" b="0" i="0" u="none" strike="noStrike" cap="none" dirty="0">
-                          <a:solidFill>
-                            <a:schemeClr val="dk1"/>
-                          </a:solidFill>
-                          <a:effectLst/>
-                          <a:latin typeface="+mn-lt"/>
-                          <a:ea typeface="+mn-ea"/>
-                          <a:cs typeface="+mn-cs"/>
-                          <a:sym typeface="Arial"/>
-                        </a:rPr>
-                        <a:t>0.4009</a:t>
-                      </a:r>
-                    </a:p>
-                    <a:p>
-                      <a:pPr algn="ctr"/>
-                      <a:endParaRPr lang="en-VN" sz="2000" dirty="0"/>
-                    </a:p>
-                  </a:txBody>
-                  <a:tcPr/>
-                </a:tc>
-                <a:extLst>
-                  <a:ext uri="{0D108BD9-81ED-4DB2-BD59-A6C34878D82A}">
-                    <a16:rowId xmlns:a16="http://schemas.microsoft.com/office/drawing/2014/main" val="3732852221"/>
-                  </a:ext>
-                </a:extLst>
-              </a:tr>
-            </a:tbl>
-          </a:graphicData>
-        </a:graphic>
-      </p:graphicFrame>
-      <p:sp>
-        <p:nvSpPr>
-          <p:cNvPr id="3" name="TextBox 2">
-            <a:extLst>
-              <a:ext uri="{FF2B5EF4-FFF2-40B4-BE49-F238E27FC236}">
-                <a16:creationId xmlns:a16="http://schemas.microsoft.com/office/drawing/2014/main" id="{60E14EEE-28A9-B64D-95B0-010D0C9C9FEB}"/>
-              </a:ext>
-            </a:extLst>
-          </p:cNvPr>
-          <p:cNvSpPr txBox="1"/>
-          <p:nvPr/>
-        </p:nvSpPr>
-        <p:spPr>
-          <a:xfrm>
-            <a:off x="826669" y="6048097"/>
-            <a:ext cx="8309610" cy="477054"/>
-          </a:xfrm>
-          <a:prstGeom prst="rect">
-            <a:avLst/>
-          </a:prstGeom>
-          <a:noFill/>
-        </p:spPr>
-        <p:txBody>
-          <a:bodyPr wrap="square" rtlCol="0">
-            <a:spAutoFit/>
-          </a:bodyPr>
-          <a:lstStyle/>
-          <a:p>
-            <a:r>
-              <a:rPr lang="en-VN" sz="2500" dirty="0">
-                <a:solidFill>
-                  <a:schemeClr val="bg2">
-                    <a:lumMod val="50000"/>
-                  </a:schemeClr>
-                </a:solidFill>
-                <a:sym typeface="Wingdings" pitchFamily="2" charset="2"/>
-              </a:rPr>
-              <a:t> Threshold: (0.35+0.4+0.4237+0.4009)/4 ~= </a:t>
-            </a:r>
-            <a:r>
-              <a:rPr lang="en-VN" sz="2500" b="1" dirty="0">
-                <a:solidFill>
-                  <a:schemeClr val="bg2">
-                    <a:lumMod val="50000"/>
-                  </a:schemeClr>
-                </a:solidFill>
-              </a:rPr>
-              <a:t>0.37</a:t>
-            </a:r>
-          </a:p>
-        </p:txBody>
-      </p:sp>
-    </p:spTree>
-    <p:extLst>
-      <p:ext uri="{BB962C8B-B14F-4D97-AF65-F5344CB8AC3E}">
-        <p14:creationId xmlns:p14="http://schemas.microsoft.com/office/powerpoint/2010/main" val="4219292196"/>
-      </p:ext>
-    </p:extLst>
-  </p:cSld>
-  <p:clrMapOvr>
-    <a:masterClrMapping/>
-  </p:clrMapOvr>
-</p:sld>
-</file>
-
-<file path=ppt/slides/slide12.xml><?xml version="1.0" encoding="utf-8"?>
-<p:sld xmlns:a="http://schemas.openxmlformats.org/drawingml/2006/main" xmlns:r="http://schemas.openxmlformats.org/officeDocument/2006/relationships" xmlns:p="http://schemas.openxmlformats.org/presentationml/2006/main">
-  <p:cSld>
-    <p:spTree>
-      <p:nvGrpSpPr>
-        <p:cNvPr id="1" name="Shape 115"/>
-        <p:cNvGrpSpPr/>
-        <p:nvPr/>
-      </p:nvGrpSpPr>
-      <p:grpSpPr>
-        <a:xfrm>
-          <a:off x="0" y="0"/>
-          <a:ext cx="0" cy="0"/>
-          <a:chOff x="0" y="0"/>
-          <a:chExt cx="0" cy="0"/>
-        </a:xfrm>
-      </p:grpSpPr>
-      <p:sp>
-        <p:nvSpPr>
-          <p:cNvPr id="116" name="Google Shape;116;p4"/>
-          <p:cNvSpPr txBox="1">
-            <a:spLocks noGrp="1"/>
-          </p:cNvSpPr>
-          <p:nvPr>
-            <p:ph type="body" idx="1"/>
-          </p:nvPr>
-        </p:nvSpPr>
-        <p:spPr>
-          <a:xfrm>
-            <a:off x="451028" y="2045970"/>
-            <a:ext cx="6951600" cy="4190406"/>
-          </a:xfrm>
-          <a:prstGeom prst="rect">
-            <a:avLst/>
-          </a:prstGeom>
-          <a:noFill/>
-          <a:ln>
-            <a:noFill/>
-          </a:ln>
-        </p:spPr>
-        <p:txBody>
-          <a:bodyPr spcFirstLastPara="1" wrap="square" lIns="91425" tIns="45700" rIns="91425" bIns="45700" anchor="t" anchorCtr="0">
-            <a:noAutofit/>
-          </a:bodyPr>
-          <a:lstStyle/>
-          <a:p>
-            <a:pPr marL="0" lvl="0" indent="0" algn="l" rtl="0">
-              <a:lnSpc>
-                <a:spcPct val="130000"/>
-              </a:lnSpc>
-              <a:spcBef>
-                <a:spcPts val="600"/>
-              </a:spcBef>
-              <a:spcAft>
-                <a:spcPts val="0"/>
-              </a:spcAft>
-              <a:buNone/>
-            </a:pPr>
-            <a:endParaRPr dirty="0">
-              <a:solidFill>
-                <a:srgbClr val="000000"/>
-              </a:solidFill>
-            </a:endParaRPr>
-          </a:p>
-          <a:p>
-            <a:pPr marL="228600" lvl="0" indent="-91440" algn="l" rtl="0">
-              <a:lnSpc>
-                <a:spcPct val="130000"/>
-              </a:lnSpc>
-              <a:spcBef>
-                <a:spcPts val="600"/>
-              </a:spcBef>
-              <a:spcAft>
-                <a:spcPts val="0"/>
-              </a:spcAft>
-              <a:buSzPts val="2160"/>
-              <a:buNone/>
-            </a:pPr>
-            <a:endParaRPr dirty="0">
-              <a:solidFill>
-                <a:srgbClr val="000000"/>
-              </a:solidFill>
-            </a:endParaRPr>
-          </a:p>
-        </p:txBody>
-      </p:sp>
-      <p:sp>
-        <p:nvSpPr>
-          <p:cNvPr id="117" name="Google Shape;117;p4"/>
-          <p:cNvSpPr txBox="1">
-            <a:spLocks noGrp="1"/>
-          </p:cNvSpPr>
-          <p:nvPr>
-            <p:ph type="title"/>
-          </p:nvPr>
-        </p:nvSpPr>
-        <p:spPr>
-          <a:xfrm>
-            <a:off x="478727" y="1081776"/>
-            <a:ext cx="6951472" cy="590931"/>
-          </a:xfrm>
-          <a:prstGeom prst="rect">
-            <a:avLst/>
-          </a:prstGeom>
-          <a:noFill/>
-          <a:ln>
-            <a:noFill/>
-          </a:ln>
-        </p:spPr>
-        <p:txBody>
-          <a:bodyPr spcFirstLastPara="1" wrap="square" lIns="91425" tIns="45700" rIns="91425" bIns="45700" anchor="t" anchorCtr="0">
-            <a:noAutofit/>
-          </a:bodyPr>
-          <a:lstStyle/>
-          <a:p>
-            <a:pPr marL="0" lvl="0" indent="0" algn="l" rtl="0">
-              <a:lnSpc>
-                <a:spcPct val="100000"/>
-              </a:lnSpc>
-              <a:spcBef>
-                <a:spcPts val="0"/>
-              </a:spcBef>
-              <a:spcAft>
-                <a:spcPts val="0"/>
-              </a:spcAft>
-              <a:buClr>
-                <a:schemeClr val="dk2"/>
-              </a:buClr>
-              <a:buSzPts val="2800"/>
-              <a:buFont typeface="Arial"/>
-              <a:buNone/>
-            </a:pPr>
-            <a:r>
-              <a:rPr lang="en-US" sz="2800" dirty="0" err="1"/>
-              <a:t>Chọn</a:t>
-            </a:r>
-            <a:r>
-              <a:rPr lang="en-US" sz="2800" dirty="0"/>
-              <a:t> N </a:t>
-            </a:r>
-            <a:r>
-              <a:rPr lang="en-US" sz="2800" dirty="0" err="1"/>
-              <a:t>trong</a:t>
-            </a:r>
-            <a:r>
-              <a:rPr lang="en-US" sz="2800" dirty="0"/>
-              <a:t> </a:t>
-            </a:r>
-            <a:r>
-              <a:rPr lang="en-US" sz="2800" dirty="0" err="1"/>
-              <a:t>khi</a:t>
-            </a:r>
-            <a:r>
-              <a:rPr lang="en-US" sz="2800" dirty="0"/>
-              <a:t> </a:t>
-            </a:r>
-            <a:r>
-              <a:rPr lang="en-US" sz="2800" dirty="0" err="1"/>
-              <a:t>sử</a:t>
-            </a:r>
-            <a:r>
-              <a:rPr lang="en-US" sz="2800" dirty="0"/>
-              <a:t> dung FFT</a:t>
-            </a:r>
-            <a:endParaRPr sz="2800" dirty="0"/>
-          </a:p>
-        </p:txBody>
-      </p:sp>
-      <p:sp>
-        <p:nvSpPr>
-          <p:cNvPr id="5" name="TextBox 4">
-            <a:extLst>
-              <a:ext uri="{FF2B5EF4-FFF2-40B4-BE49-F238E27FC236}">
-                <a16:creationId xmlns:a16="http://schemas.microsoft.com/office/drawing/2014/main" id="{7B513E3B-664B-934C-A698-0747B5005CF5}"/>
-              </a:ext>
-            </a:extLst>
-          </p:cNvPr>
-          <p:cNvSpPr txBox="1"/>
-          <p:nvPr/>
-        </p:nvSpPr>
-        <p:spPr>
-          <a:xfrm>
-            <a:off x="478727" y="6279157"/>
-            <a:ext cx="8309610" cy="477054"/>
-          </a:xfrm>
-          <a:prstGeom prst="rect">
-            <a:avLst/>
-          </a:prstGeom>
-          <a:noFill/>
-        </p:spPr>
-        <p:txBody>
-          <a:bodyPr wrap="square" rtlCol="0">
-            <a:spAutoFit/>
-          </a:bodyPr>
-          <a:lstStyle/>
-          <a:p>
-            <a:r>
-              <a:rPr lang="en-VN" sz="2500" dirty="0">
-                <a:solidFill>
-                  <a:schemeClr val="bg2">
-                    <a:lumMod val="50000"/>
-                  </a:schemeClr>
-                </a:solidFill>
-                <a:sym typeface="Wingdings" pitchFamily="2" charset="2"/>
-              </a:rPr>
-              <a:t> N = </a:t>
-            </a:r>
-            <a:r>
-              <a:rPr lang="en-VN" sz="2500" b="1" dirty="0">
-                <a:solidFill>
-                  <a:schemeClr val="bg2">
-                    <a:lumMod val="50000"/>
-                  </a:schemeClr>
-                </a:solidFill>
-              </a:rPr>
-              <a:t>32068</a:t>
-            </a:r>
-          </a:p>
-        </p:txBody>
-      </p:sp>
-      <p:pic>
-        <p:nvPicPr>
-          <p:cNvPr id="3" name="Picture 2">
-            <a:extLst>
-              <a:ext uri="{FF2B5EF4-FFF2-40B4-BE49-F238E27FC236}">
-                <a16:creationId xmlns:a16="http://schemas.microsoft.com/office/drawing/2014/main" id="{915D94F8-A1CA-484F-BF1C-01846BB54D21}"/>
-              </a:ext>
-            </a:extLst>
-          </p:cNvPr>
-          <p:cNvPicPr>
-            <a:picLocks noChangeAspect="1"/>
-          </p:cNvPicPr>
-          <p:nvPr/>
-        </p:nvPicPr>
-        <p:blipFill>
-          <a:blip r:embed="rId3"/>
-          <a:stretch>
-            <a:fillRect/>
-          </a:stretch>
-        </p:blipFill>
-        <p:spPr>
-          <a:xfrm>
-            <a:off x="817426" y="1534253"/>
-            <a:ext cx="8309610" cy="4744904"/>
-          </a:xfrm>
-          <a:prstGeom prst="rect">
-            <a:avLst/>
-          </a:prstGeom>
-        </p:spPr>
-      </p:pic>
-    </p:spTree>
-    <p:extLst>
-      <p:ext uri="{BB962C8B-B14F-4D97-AF65-F5344CB8AC3E}">
-        <p14:creationId xmlns:p14="http://schemas.microsoft.com/office/powerpoint/2010/main" val="2992089931"/>
-      </p:ext>
-    </p:extLst>
-  </p:cSld>
-  <p:clrMapOvr>
-    <a:masterClrMapping/>
-  </p:clrMapOvr>
-</p:sld>
-</file>
-
-<file path=ppt/slides/slide13.xml><?xml version="1.0" encoding="utf-8"?>
 <p:sld xmlns:a="http://schemas.openxmlformats.org/drawingml/2006/main" xmlns:r="http://schemas.openxmlformats.org/officeDocument/2006/relationships" xmlns:p="http://schemas.openxmlformats.org/presentationml/2006/main">
   <p:cSld>
     <p:spTree>
@@ -18847,247 +15895,7 @@
 </p:sld>
 </file>
 
-<file path=ppt/slides/slide14.xml><?xml version="1.0" encoding="utf-8"?>
-<p:sld xmlns:a="http://schemas.openxmlformats.org/drawingml/2006/main" xmlns:r="http://schemas.openxmlformats.org/officeDocument/2006/relationships" xmlns:p="http://schemas.openxmlformats.org/presentationml/2006/main">
-  <p:cSld>
-    <p:spTree>
-      <p:nvGrpSpPr>
-        <p:cNvPr id="1" name="Shape 115"/>
-        <p:cNvGrpSpPr/>
-        <p:nvPr/>
-      </p:nvGrpSpPr>
-      <p:grpSpPr>
-        <a:xfrm>
-          <a:off x="0" y="0"/>
-          <a:ext cx="0" cy="0"/>
-          <a:chOff x="0" y="0"/>
-          <a:chExt cx="0" cy="0"/>
-        </a:xfrm>
-      </p:grpSpPr>
-      <p:sp>
-        <p:nvSpPr>
-          <p:cNvPr id="116" name="Google Shape;116;p4"/>
-          <p:cNvSpPr txBox="1">
-            <a:spLocks noGrp="1"/>
-          </p:cNvSpPr>
-          <p:nvPr>
-            <p:ph type="body" idx="1"/>
-          </p:nvPr>
-        </p:nvSpPr>
-        <p:spPr>
-          <a:xfrm>
-            <a:off x="451028" y="2045970"/>
-            <a:ext cx="6951600" cy="4190406"/>
-          </a:xfrm>
-          <a:prstGeom prst="rect">
-            <a:avLst/>
-          </a:prstGeom>
-          <a:noFill/>
-          <a:ln>
-            <a:noFill/>
-          </a:ln>
-        </p:spPr>
-        <p:txBody>
-          <a:bodyPr spcFirstLastPara="1" wrap="square" lIns="91425" tIns="45700" rIns="91425" bIns="45700" anchor="t" anchorCtr="0">
-            <a:noAutofit/>
-          </a:bodyPr>
-          <a:lstStyle/>
-          <a:p>
-            <a:pPr marL="0" lvl="0" indent="0" algn="l" rtl="0">
-              <a:lnSpc>
-                <a:spcPct val="130000"/>
-              </a:lnSpc>
-              <a:spcBef>
-                <a:spcPts val="600"/>
-              </a:spcBef>
-              <a:spcAft>
-                <a:spcPts val="0"/>
-              </a:spcAft>
-              <a:buNone/>
-            </a:pPr>
-            <a:endParaRPr dirty="0">
-              <a:solidFill>
-                <a:srgbClr val="000000"/>
-              </a:solidFill>
-            </a:endParaRPr>
-          </a:p>
-          <a:p>
-            <a:pPr marL="228600" lvl="0" indent="-91440" algn="l" rtl="0">
-              <a:lnSpc>
-                <a:spcPct val="130000"/>
-              </a:lnSpc>
-              <a:spcBef>
-                <a:spcPts val="600"/>
-              </a:spcBef>
-              <a:spcAft>
-                <a:spcPts val="0"/>
-              </a:spcAft>
-              <a:buSzPts val="2160"/>
-              <a:buNone/>
-            </a:pPr>
-            <a:endParaRPr dirty="0">
-              <a:solidFill>
-                <a:srgbClr val="000000"/>
-              </a:solidFill>
-            </a:endParaRPr>
-          </a:p>
-        </p:txBody>
-      </p:sp>
-      <p:sp>
-        <p:nvSpPr>
-          <p:cNvPr id="117" name="Google Shape;117;p4"/>
-          <p:cNvSpPr txBox="1">
-            <a:spLocks noGrp="1"/>
-          </p:cNvSpPr>
-          <p:nvPr>
-            <p:ph type="title"/>
-          </p:nvPr>
-        </p:nvSpPr>
-        <p:spPr>
-          <a:xfrm>
-            <a:off x="145095" y="931300"/>
-            <a:ext cx="6951472" cy="590931"/>
-          </a:xfrm>
-          <a:prstGeom prst="rect">
-            <a:avLst/>
-          </a:prstGeom>
-          <a:noFill/>
-          <a:ln>
-            <a:noFill/>
-          </a:ln>
-        </p:spPr>
-        <p:txBody>
-          <a:bodyPr spcFirstLastPara="1" wrap="square" lIns="91425" tIns="45700" rIns="91425" bIns="45700" anchor="t" anchorCtr="0">
-            <a:noAutofit/>
-          </a:bodyPr>
-          <a:lstStyle/>
-          <a:p>
-            <a:pPr marL="0" lvl="0" indent="0" algn="l" rtl="0">
-              <a:lnSpc>
-                <a:spcPct val="100000"/>
-              </a:lnSpc>
-              <a:spcBef>
-                <a:spcPts val="0"/>
-              </a:spcBef>
-              <a:spcAft>
-                <a:spcPts val="0"/>
-              </a:spcAft>
-              <a:buClr>
-                <a:schemeClr val="dk2"/>
-              </a:buClr>
-              <a:buSzPts val="2800"/>
-              <a:buFont typeface="Arial"/>
-              <a:buNone/>
-            </a:pPr>
-            <a:r>
-              <a:rPr lang="en-US" sz="2800" dirty="0"/>
-              <a:t>So </a:t>
-            </a:r>
-            <a:r>
-              <a:rPr lang="en-US" sz="2800" dirty="0" err="1"/>
-              <a:t>sánh</a:t>
-            </a:r>
-            <a:r>
-              <a:rPr lang="en-US" sz="2800" dirty="0"/>
-              <a:t> ACF vs FFT</a:t>
-            </a:r>
-            <a:endParaRPr sz="2800" dirty="0"/>
-          </a:p>
-        </p:txBody>
-      </p:sp>
-      <p:pic>
-        <p:nvPicPr>
-          <p:cNvPr id="2" name="Picture 1">
-            <a:extLst>
-              <a:ext uri="{FF2B5EF4-FFF2-40B4-BE49-F238E27FC236}">
-                <a16:creationId xmlns:a16="http://schemas.microsoft.com/office/drawing/2014/main" id="{E82610BD-3F06-EF43-A909-091D17480766}"/>
-              </a:ext>
-            </a:extLst>
-          </p:cNvPr>
-          <p:cNvPicPr>
-            <a:picLocks noChangeAspect="1"/>
-          </p:cNvPicPr>
-          <p:nvPr/>
-        </p:nvPicPr>
-        <p:blipFill>
-          <a:blip r:embed="rId3"/>
-          <a:stretch>
-            <a:fillRect/>
-          </a:stretch>
-        </p:blipFill>
-        <p:spPr>
-          <a:xfrm>
-            <a:off x="345990" y="1408670"/>
-            <a:ext cx="9957738" cy="4518030"/>
-          </a:xfrm>
-          <a:prstGeom prst="rect">
-            <a:avLst/>
-          </a:prstGeom>
-        </p:spPr>
-      </p:pic>
-      <p:sp>
-        <p:nvSpPr>
-          <p:cNvPr id="9" name="TextBox 8">
-            <a:extLst>
-              <a:ext uri="{FF2B5EF4-FFF2-40B4-BE49-F238E27FC236}">
-                <a16:creationId xmlns:a16="http://schemas.microsoft.com/office/drawing/2014/main" id="{81DEB13A-6045-E543-A435-559B50247122}"/>
-              </a:ext>
-            </a:extLst>
-          </p:cNvPr>
-          <p:cNvSpPr txBox="1"/>
-          <p:nvPr/>
-        </p:nvSpPr>
-        <p:spPr>
-          <a:xfrm>
-            <a:off x="451028" y="5933218"/>
-            <a:ext cx="8309610" cy="861774"/>
-          </a:xfrm>
-          <a:prstGeom prst="rect">
-            <a:avLst/>
-          </a:prstGeom>
-          <a:noFill/>
-        </p:spPr>
-        <p:txBody>
-          <a:bodyPr wrap="square" rtlCol="0">
-            <a:spAutoFit/>
-          </a:bodyPr>
-          <a:lstStyle/>
-          <a:p>
-            <a:r>
-              <a:rPr lang="en-VN" sz="2500" dirty="0">
-                <a:solidFill>
-                  <a:schemeClr val="bg2">
-                    <a:lumMod val="50000"/>
-                  </a:schemeClr>
-                </a:solidFill>
-                <a:sym typeface="Wingdings" pitchFamily="2" charset="2"/>
-              </a:rPr>
-              <a:t> Thuật toán ACF cho ra độ chính xác cao hơn, sai số trung bình 3,3%</a:t>
-            </a:r>
-            <a:endParaRPr lang="en-VN" sz="2500" b="1" dirty="0">
-              <a:solidFill>
-                <a:schemeClr val="bg2">
-                  <a:lumMod val="50000"/>
-                </a:schemeClr>
-              </a:solidFill>
-            </a:endParaRPr>
-          </a:p>
-        </p:txBody>
-      </p:sp>
-    </p:spTree>
-    <p:extLst>
-      <p:ext uri="{BB962C8B-B14F-4D97-AF65-F5344CB8AC3E}">
-        <p14:creationId xmlns:p14="http://schemas.microsoft.com/office/powerpoint/2010/main" val="873403689"/>
-      </p:ext>
-    </p:extLst>
-  </p:cSld>
-  <p:clrMapOvr>
-    <a:masterClrMapping/>
-  </p:clrMapOvr>
-</p:sld>
-</file>
-
-<file path=ppt/slides/slide15.xml><?xml version="1.0" encoding="utf-8"?>
+<file path=ppt/slides/slide11.xml><?xml version="1.0" encoding="utf-8"?>
 <p:sld xmlns:a="http://schemas.openxmlformats.org/drawingml/2006/main" xmlns:r="http://schemas.openxmlformats.org/officeDocument/2006/relationships" xmlns:p="http://schemas.openxmlformats.org/presentationml/2006/main">
   <p:cSld>
     <p:spTree>
@@ -19208,7 +16016,7 @@
 </p:sld>
 </file>
 
-<file path=ppt/slides/slide16.xml><?xml version="1.0" encoding="utf-8"?>
+<file path=ppt/slides/slide12.xml><?xml version="1.0" encoding="utf-8"?>
 <p:sld xmlns:a="http://schemas.openxmlformats.org/drawingml/2006/main" xmlns:r="http://schemas.openxmlformats.org/officeDocument/2006/relationships" xmlns:p="http://schemas.openxmlformats.org/presentationml/2006/main">
   <p:cSld>
     <p:spTree>
@@ -19334,7 +16142,7 @@
 </p:sld>
 </file>
 
-<file path=ppt/slides/slide17.xml><?xml version="1.0" encoding="utf-8"?>
+<file path=ppt/slides/slide13.xml><?xml version="1.0" encoding="utf-8"?>
 <p:sld xmlns:a="http://schemas.openxmlformats.org/drawingml/2006/main" xmlns:r="http://schemas.openxmlformats.org/officeDocument/2006/relationships" xmlns:p="http://schemas.openxmlformats.org/presentationml/2006/main">
   <p:cSld>
     <p:spTree>
@@ -19460,7 +16268,7 @@
 </p:sld>
 </file>
 
-<file path=ppt/slides/slide18.xml><?xml version="1.0" encoding="utf-8"?>
+<file path=ppt/slides/slide14.xml><?xml version="1.0" encoding="utf-8"?>
 <p:sld xmlns:a="http://schemas.openxmlformats.org/drawingml/2006/main" xmlns:r="http://schemas.openxmlformats.org/officeDocument/2006/relationships" xmlns:p="http://schemas.openxmlformats.org/presentationml/2006/main">
   <p:cSld>
     <p:spTree>
@@ -19586,7 +16394,7 @@
 </p:sld>
 </file>
 
-<file path=ppt/slides/slide19.xml><?xml version="1.0" encoding="utf-8"?>
+<file path=ppt/slides/slide15.xml><?xml version="1.0" encoding="utf-8"?>
 <p:sld xmlns:a="http://schemas.openxmlformats.org/drawingml/2006/main" xmlns:r="http://schemas.openxmlformats.org/officeDocument/2006/relationships" xmlns:p="http://schemas.openxmlformats.org/presentationml/2006/main">
   <p:cSld>
     <p:spTree>
@@ -19712,6 +16520,643 @@
 </p:sld>
 </file>
 
+<file path=ppt/slides/slide16.xml><?xml version="1.0" encoding="utf-8"?>
+<p:sld xmlns:a="http://schemas.openxmlformats.org/drawingml/2006/main" xmlns:r="http://schemas.openxmlformats.org/officeDocument/2006/relationships" xmlns:p="http://schemas.openxmlformats.org/presentationml/2006/main">
+  <p:cSld>
+    <p:spTree>
+      <p:nvGrpSpPr>
+        <p:cNvPr id="1" name="Shape 187"/>
+        <p:cNvGrpSpPr/>
+        <p:nvPr/>
+      </p:nvGrpSpPr>
+      <p:grpSpPr>
+        <a:xfrm>
+          <a:off x="0" y="0"/>
+          <a:ext cx="0" cy="0"/>
+          <a:chOff x="0" y="0"/>
+          <a:chExt cx="0" cy="0"/>
+        </a:xfrm>
+      </p:grpSpPr>
+      <p:sp>
+        <p:nvSpPr>
+          <p:cNvPr id="188" name="Google Shape;188;p29"/>
+          <p:cNvSpPr txBox="1">
+            <a:spLocks noGrp="1"/>
+          </p:cNvSpPr>
+          <p:nvPr>
+            <p:ph type="ctrTitle"/>
+          </p:nvPr>
+        </p:nvSpPr>
+        <p:spPr>
+          <a:xfrm>
+            <a:off x="147941" y="1197553"/>
+            <a:ext cx="5158155" cy="699828"/>
+          </a:xfrm>
+          <a:prstGeom prst="rect">
+            <a:avLst/>
+          </a:prstGeom>
+          <a:noFill/>
+          <a:ln>
+            <a:noFill/>
+          </a:ln>
+        </p:spPr>
+        <p:txBody>
+          <a:bodyPr spcFirstLastPara="1" wrap="square" lIns="0" tIns="45700" rIns="91425" bIns="45700" anchor="b" anchorCtr="0">
+            <a:noAutofit/>
+          </a:bodyPr>
+          <a:lstStyle/>
+          <a:p>
+            <a:pPr marL="0" lvl="0" indent="0" algn="l" rtl="0">
+              <a:lnSpc>
+                <a:spcPct val="100000"/>
+              </a:lnSpc>
+              <a:spcBef>
+                <a:spcPts val="0"/>
+              </a:spcBef>
+              <a:spcAft>
+                <a:spcPts val="0"/>
+              </a:spcAft>
+              <a:buSzPts val="6000"/>
+              <a:buNone/>
+            </a:pPr>
+            <a:r>
+              <a:rPr lang="en-US" sz="5400" dirty="0"/>
+              <a:t>KẾT LUẬN:</a:t>
+            </a:r>
+            <a:endParaRPr dirty="0"/>
+          </a:p>
+        </p:txBody>
+      </p:sp>
+      <p:sp>
+        <p:nvSpPr>
+          <p:cNvPr id="189" name="Google Shape;189;p29"/>
+          <p:cNvSpPr/>
+          <p:nvPr/>
+        </p:nvSpPr>
+        <p:spPr>
+          <a:xfrm>
+            <a:off x="369397" y="1802788"/>
+            <a:ext cx="5977011" cy="3941298"/>
+          </a:xfrm>
+          <a:prstGeom prst="rect">
+            <a:avLst/>
+          </a:prstGeom>
+          <a:solidFill>
+            <a:schemeClr val="lt1"/>
+          </a:solidFill>
+          <a:ln>
+            <a:noFill/>
+          </a:ln>
+        </p:spPr>
+        <p:txBody>
+          <a:bodyPr spcFirstLastPara="1" wrap="square" lIns="91425" tIns="45700" rIns="91425" bIns="45700" anchor="ctr" anchorCtr="0">
+            <a:noAutofit/>
+          </a:bodyPr>
+          <a:lstStyle/>
+          <a:p>
+            <a:pPr marL="0" marR="0" lvl="0" indent="0" algn="ctr" rtl="0">
+              <a:lnSpc>
+                <a:spcPct val="100000"/>
+              </a:lnSpc>
+              <a:spcBef>
+                <a:spcPts val="0"/>
+              </a:spcBef>
+              <a:spcAft>
+                <a:spcPts val="0"/>
+              </a:spcAft>
+              <a:buNone/>
+            </a:pPr>
+            <a:endParaRPr sz="2200" b="0" i="0" u="none" strike="noStrike" cap="none" dirty="0">
+              <a:solidFill>
+                <a:schemeClr val="lt1"/>
+              </a:solidFill>
+              <a:latin typeface="Arial"/>
+              <a:ea typeface="Arial"/>
+              <a:cs typeface="Arial"/>
+              <a:sym typeface="Arial"/>
+            </a:endParaRPr>
+          </a:p>
+        </p:txBody>
+      </p:sp>
+      <p:sp>
+        <p:nvSpPr>
+          <p:cNvPr id="4" name="TextBox 3">
+            <a:extLst>
+              <a:ext uri="{FF2B5EF4-FFF2-40B4-BE49-F238E27FC236}">
+                <a16:creationId xmlns:a16="http://schemas.microsoft.com/office/drawing/2014/main" id="{22BD33D6-D14E-C84A-B2FF-116991EBFA5C}"/>
+              </a:ext>
+            </a:extLst>
+          </p:cNvPr>
+          <p:cNvSpPr txBox="1"/>
+          <p:nvPr/>
+        </p:nvSpPr>
+        <p:spPr>
+          <a:xfrm>
+            <a:off x="147941" y="1982694"/>
+            <a:ext cx="7257612" cy="3816429"/>
+          </a:xfrm>
+          <a:prstGeom prst="rect">
+            <a:avLst/>
+          </a:prstGeom>
+          <a:noFill/>
+        </p:spPr>
+        <p:txBody>
+          <a:bodyPr wrap="square" rtlCol="0">
+            <a:spAutoFit/>
+          </a:bodyPr>
+          <a:lstStyle/>
+          <a:p>
+            <a:pPr marL="285750" indent="-285750">
+              <a:buFontTx/>
+              <a:buChar char="-"/>
+            </a:pPr>
+            <a:r>
+              <a:rPr lang="en-VN" sz="2200" dirty="0">
+                <a:solidFill>
+                  <a:schemeClr val="bg2">
+                    <a:lumMod val="50000"/>
+                  </a:schemeClr>
+                </a:solidFill>
+              </a:rPr>
+              <a:t>Ngưỡng chung: + STE: 0.21  +MA:0.185   </a:t>
+            </a:r>
+          </a:p>
+          <a:p>
+            <a:pPr lvl="4"/>
+            <a:r>
+              <a:rPr lang="en-VN" sz="2200" dirty="0">
+                <a:solidFill>
+                  <a:schemeClr val="bg2">
+                    <a:lumMod val="50000"/>
+                  </a:schemeClr>
+                </a:solidFill>
+              </a:rPr>
+              <a:t>			+ Autocorrect : 0.37</a:t>
+            </a:r>
+          </a:p>
+          <a:p>
+            <a:pPr marL="285750" indent="-285750">
+              <a:buFontTx/>
+              <a:buChar char="-"/>
+            </a:pPr>
+            <a:r>
+              <a:rPr lang="en-VN" sz="2200" dirty="0">
+                <a:solidFill>
+                  <a:schemeClr val="bg2">
+                    <a:lumMod val="50000"/>
+                  </a:schemeClr>
+                </a:solidFill>
+              </a:rPr>
+              <a:t>Kết quả trên tín hiệu kiểm thử cho thấy:</a:t>
+            </a:r>
+          </a:p>
+          <a:p>
+            <a:r>
+              <a:rPr lang="en-VN" sz="2200" dirty="0">
+                <a:solidFill>
+                  <a:schemeClr val="bg2">
+                    <a:lumMod val="50000"/>
+                  </a:schemeClr>
+                </a:solidFill>
+              </a:rPr>
+              <a:t>	+ Thuật toán ACF cho ra kết quả chính xác cao, sai số nhỏ hơn thuật toán FFT. Tuy nhiên nếu k được sử lý lọc trung vị thì điều trên không đúng vì A</a:t>
+            </a:r>
+            <a:r>
+              <a:rPr lang="en-US" sz="2200" dirty="0">
+                <a:solidFill>
+                  <a:schemeClr val="bg2">
+                    <a:lumMod val="50000"/>
+                  </a:schemeClr>
+                </a:solidFill>
+              </a:rPr>
+              <a:t>CF </a:t>
+            </a:r>
+            <a:r>
+              <a:rPr lang="en-US" sz="2200" dirty="0" err="1">
+                <a:solidFill>
+                  <a:schemeClr val="bg2">
+                    <a:lumMod val="50000"/>
+                  </a:schemeClr>
+                </a:solidFill>
+              </a:rPr>
+              <a:t>cho</a:t>
+            </a:r>
+            <a:r>
+              <a:rPr lang="en-US" sz="2200" dirty="0">
+                <a:solidFill>
+                  <a:schemeClr val="bg2">
+                    <a:lumMod val="50000"/>
+                  </a:schemeClr>
+                </a:solidFill>
+              </a:rPr>
+              <a:t> ra </a:t>
+            </a:r>
+            <a:r>
+              <a:rPr lang="en-US" sz="2200" dirty="0" err="1">
+                <a:solidFill>
+                  <a:schemeClr val="bg2">
+                    <a:lumMod val="50000"/>
+                  </a:schemeClr>
+                </a:solidFill>
+              </a:rPr>
+              <a:t>nhiều</a:t>
+            </a:r>
+            <a:r>
+              <a:rPr lang="en-US" sz="2200" dirty="0">
+                <a:solidFill>
+                  <a:schemeClr val="bg2">
+                    <a:lumMod val="50000"/>
+                  </a:schemeClr>
+                </a:solidFill>
+              </a:rPr>
+              <a:t> pitch </a:t>
+            </a:r>
+            <a:r>
+              <a:rPr lang="en-US" sz="2200" dirty="0" err="1">
+                <a:solidFill>
+                  <a:schemeClr val="bg2">
+                    <a:lumMod val="50000"/>
+                  </a:schemeClr>
+                </a:solidFill>
+              </a:rPr>
+              <a:t>ảo</a:t>
+            </a:r>
+            <a:r>
+              <a:rPr lang="en-US" sz="2200" dirty="0">
+                <a:solidFill>
+                  <a:schemeClr val="bg2">
+                    <a:lumMod val="50000"/>
+                  </a:schemeClr>
+                </a:solidFill>
+              </a:rPr>
+              <a:t> </a:t>
+            </a:r>
+            <a:r>
+              <a:rPr lang="en-US" sz="2200" dirty="0" err="1">
+                <a:solidFill>
+                  <a:schemeClr val="bg2">
+                    <a:lumMod val="50000"/>
+                  </a:schemeClr>
+                </a:solidFill>
+              </a:rPr>
+              <a:t>hơn</a:t>
+            </a:r>
+            <a:r>
+              <a:rPr lang="en-US" sz="2200" dirty="0">
+                <a:solidFill>
+                  <a:schemeClr val="bg2">
+                    <a:lumMod val="50000"/>
+                  </a:schemeClr>
+                </a:solidFill>
+              </a:rPr>
+              <a:t>.</a:t>
+            </a:r>
+            <a:endParaRPr lang="en-VN" sz="2200" dirty="0">
+              <a:solidFill>
+                <a:schemeClr val="bg2">
+                  <a:lumMod val="50000"/>
+                </a:schemeClr>
+              </a:solidFill>
+            </a:endParaRPr>
+          </a:p>
+          <a:p>
+            <a:r>
+              <a:rPr lang="en-VN" sz="2200" dirty="0">
+                <a:solidFill>
+                  <a:schemeClr val="bg2">
+                    <a:lumMod val="50000"/>
+                  </a:schemeClr>
+                </a:solidFill>
+              </a:rPr>
+              <a:t>	+ Độ chính xác khi phân biệt file nam hay nữ : 100%</a:t>
+            </a:r>
+          </a:p>
+          <a:p>
+            <a:r>
+              <a:rPr lang="en-VN" sz="2200" dirty="0">
+                <a:solidFill>
+                  <a:schemeClr val="bg2">
+                    <a:lumMod val="50000"/>
+                  </a:schemeClr>
+                </a:solidFill>
+              </a:rPr>
+              <a:t>- Xử lý pitch ảo bằng hàm lọc trung vị cho ra kết quả chuẩn sát hơn</a:t>
+            </a:r>
+          </a:p>
+        </p:txBody>
+      </p:sp>
+    </p:spTree>
+  </p:cSld>
+  <p:clrMapOvr>
+    <a:masterClrMapping/>
+  </p:clrMapOvr>
+  <mc:AlternateContent xmlns:mc="http://schemas.openxmlformats.org/markup-compatibility/2006" xmlns:p14="http://schemas.microsoft.com/office/powerpoint/2010/main">
+    <mc:Choice Requires="p14">
+      <p:transition spd="med" p14:dur="700">
+        <p:fade/>
+      </p:transition>
+    </mc:Choice>
+    <mc:Fallback xmlns:ahyp="http://schemas.microsoft.com/office/drawing/2018/hyperlinkcolor" xmlns:p15="http://schemas.microsoft.com/office/powerpoint/2012/main" xmlns:com="http://schemas.openxmlformats.org/drawingml/2006/compatibility" xmlns:pvml="urn:schemas-microsoft-com:office:powerpoint" xmlns:v="urn:schemas-microsoft-com:vml" xmlns:o="urn:schemas-microsoft-com:office:office" xmlns:dgm="http://schemas.openxmlformats.org/drawingml/2006/diagram" xmlns:c="http://schemas.openxmlformats.org/drawingml/2006/chart" xmlns:mv="urn:schemas-microsoft-com:mac:vml" xmlns="">
+      <p:transition spd="slow">
+        <p:fade/>
+      </p:transition>
+    </mc:Fallback>
+  </mc:AlternateContent>
+</p:sld>
+</file>
+
+<file path=ppt/slides/slide17.xml><?xml version="1.0" encoding="utf-8"?>
+<p:sld xmlns:a="http://schemas.openxmlformats.org/drawingml/2006/main" xmlns:r="http://schemas.openxmlformats.org/officeDocument/2006/relationships" xmlns:p="http://schemas.openxmlformats.org/presentationml/2006/main">
+  <p:cSld>
+    <p:spTree>
+      <p:nvGrpSpPr>
+        <p:cNvPr id="1" name="Shape 200"/>
+        <p:cNvGrpSpPr/>
+        <p:nvPr/>
+      </p:nvGrpSpPr>
+      <p:grpSpPr>
+        <a:xfrm>
+          <a:off x="0" y="0"/>
+          <a:ext cx="0" cy="0"/>
+          <a:chOff x="0" y="0"/>
+          <a:chExt cx="0" cy="0"/>
+        </a:xfrm>
+      </p:grpSpPr>
+      <p:sp>
+        <p:nvSpPr>
+          <p:cNvPr id="201" name="Google Shape;201;p31"/>
+          <p:cNvSpPr/>
+          <p:nvPr/>
+        </p:nvSpPr>
+        <p:spPr>
+          <a:xfrm>
+            <a:off x="492369" y="4454769"/>
+            <a:ext cx="5158154" cy="1406769"/>
+          </a:xfrm>
+          <a:prstGeom prst="rect">
+            <a:avLst/>
+          </a:prstGeom>
+          <a:solidFill>
+            <a:schemeClr val="lt1"/>
+          </a:solidFill>
+          <a:ln>
+            <a:noFill/>
+          </a:ln>
+        </p:spPr>
+        <p:txBody>
+          <a:bodyPr spcFirstLastPara="1" wrap="square" lIns="91425" tIns="45700" rIns="91425" bIns="45700" anchor="ctr" anchorCtr="0">
+            <a:noAutofit/>
+          </a:bodyPr>
+          <a:lstStyle/>
+          <a:p>
+            <a:pPr marL="0" marR="0" lvl="0" indent="0" algn="ctr" rtl="0">
+              <a:lnSpc>
+                <a:spcPct val="100000"/>
+              </a:lnSpc>
+              <a:spcBef>
+                <a:spcPts val="0"/>
+              </a:spcBef>
+              <a:spcAft>
+                <a:spcPts val="0"/>
+              </a:spcAft>
+              <a:buNone/>
+            </a:pPr>
+            <a:endParaRPr sz="1400" b="0" i="0" u="none" strike="noStrike" cap="none">
+              <a:solidFill>
+                <a:schemeClr val="lt1"/>
+              </a:solidFill>
+              <a:latin typeface="Arial"/>
+              <a:ea typeface="Arial"/>
+              <a:cs typeface="Arial"/>
+              <a:sym typeface="Arial"/>
+            </a:endParaRPr>
+          </a:p>
+        </p:txBody>
+      </p:sp>
+      <p:sp>
+        <p:nvSpPr>
+          <p:cNvPr id="202" name="Google Shape;202;p31"/>
+          <p:cNvSpPr txBox="1">
+            <a:spLocks noGrp="1"/>
+          </p:cNvSpPr>
+          <p:nvPr>
+            <p:ph type="ctrTitle"/>
+          </p:nvPr>
+        </p:nvSpPr>
+        <p:spPr>
+          <a:xfrm>
+            <a:off x="590843" y="2144760"/>
+            <a:ext cx="9179277" cy="2568480"/>
+          </a:xfrm>
+          <a:prstGeom prst="rect">
+            <a:avLst/>
+          </a:prstGeom>
+          <a:noFill/>
+          <a:ln>
+            <a:noFill/>
+          </a:ln>
+        </p:spPr>
+        <p:txBody>
+          <a:bodyPr spcFirstLastPara="1" wrap="square" lIns="0" tIns="45700" rIns="91425" bIns="45700" anchor="b" anchorCtr="0">
+            <a:noAutofit/>
+          </a:bodyPr>
+          <a:lstStyle/>
+          <a:p>
+            <a:pPr marL="0" lvl="0" indent="0" algn="l" rtl="0">
+              <a:lnSpc>
+                <a:spcPct val="100000"/>
+              </a:lnSpc>
+              <a:spcBef>
+                <a:spcPts val="0"/>
+              </a:spcBef>
+              <a:spcAft>
+                <a:spcPts val="0"/>
+              </a:spcAft>
+              <a:buSzPts val="6000"/>
+              <a:buNone/>
+            </a:pPr>
+            <a:r>
+              <a:rPr lang="en-US" sz="5400" dirty="0"/>
+              <a:t>4.CODE MINH HỌA</a:t>
+            </a:r>
+            <a:br>
+              <a:rPr lang="en-US" sz="5400" dirty="0"/>
+            </a:br>
+            <a:r>
+              <a:rPr lang="en-US" sz="5400" dirty="0"/>
+              <a:t>&amp;</a:t>
+            </a:r>
+            <a:br>
+              <a:rPr lang="en-US" sz="5400" dirty="0"/>
+            </a:br>
+            <a:r>
+              <a:rPr lang="en-US" sz="5400" dirty="0"/>
+              <a:t>DEMO KẾT QUẢ</a:t>
+            </a:r>
+            <a:endParaRPr sz="5400" dirty="0"/>
+          </a:p>
+        </p:txBody>
+      </p:sp>
+    </p:spTree>
+  </p:cSld>
+  <p:clrMapOvr>
+    <a:masterClrMapping/>
+  </p:clrMapOvr>
+  <mc:AlternateContent xmlns:mc="http://schemas.openxmlformats.org/markup-compatibility/2006" xmlns:p14="http://schemas.microsoft.com/office/powerpoint/2010/main">
+    <mc:Choice Requires="p14">
+      <p:transition spd="med" p14:dur="700">
+        <p:fade/>
+      </p:transition>
+    </mc:Choice>
+    <mc:Fallback xmlns:ahyp="http://schemas.microsoft.com/office/drawing/2018/hyperlinkcolor" xmlns:p15="http://schemas.microsoft.com/office/powerpoint/2012/main" xmlns:com="http://schemas.openxmlformats.org/drawingml/2006/compatibility" xmlns:pvml="urn:schemas-microsoft-com:office:powerpoint" xmlns:v="urn:schemas-microsoft-com:vml" xmlns:o="urn:schemas-microsoft-com:office:office" xmlns:dgm="http://schemas.openxmlformats.org/drawingml/2006/diagram" xmlns:c="http://schemas.openxmlformats.org/drawingml/2006/chart" xmlns:mv="urn:schemas-microsoft-com:mac:vml" xmlns="">
+      <p:transition spd="slow">
+        <p:fade/>
+      </p:transition>
+    </mc:Fallback>
+  </mc:AlternateContent>
+</p:sld>
+</file>
+
+<file path=ppt/slides/slide18.xml><?xml version="1.0" encoding="utf-8"?>
+<p:sld xmlns:a="http://schemas.openxmlformats.org/drawingml/2006/main" xmlns:r="http://schemas.openxmlformats.org/officeDocument/2006/relationships" xmlns:p="http://schemas.openxmlformats.org/presentationml/2006/main">
+  <p:cSld>
+    <p:spTree>
+      <p:nvGrpSpPr>
+        <p:cNvPr id="1" name="Shape 94"/>
+        <p:cNvGrpSpPr/>
+        <p:nvPr/>
+      </p:nvGrpSpPr>
+      <p:grpSpPr>
+        <a:xfrm>
+          <a:off x="0" y="0"/>
+          <a:ext cx="0" cy="0"/>
+          <a:chOff x="0" y="0"/>
+          <a:chExt cx="0" cy="0"/>
+        </a:xfrm>
+      </p:grpSpPr>
+      <p:sp>
+        <p:nvSpPr>
+          <p:cNvPr id="95" name="Google Shape;95;p1"/>
+          <p:cNvSpPr txBox="1">
+            <a:spLocks noGrp="1"/>
+          </p:cNvSpPr>
+          <p:nvPr>
+            <p:ph type="ctrTitle"/>
+          </p:nvPr>
+        </p:nvSpPr>
+        <p:spPr>
+          <a:xfrm>
+            <a:off x="199760" y="1886638"/>
+            <a:ext cx="8738500" cy="3174498"/>
+          </a:xfrm>
+          <a:prstGeom prst="rect">
+            <a:avLst/>
+          </a:prstGeom>
+          <a:noFill/>
+          <a:ln>
+            <a:noFill/>
+          </a:ln>
+        </p:spPr>
+        <p:txBody>
+          <a:bodyPr spcFirstLastPara="1" wrap="square" lIns="0" tIns="45700" rIns="91425" bIns="45700" anchor="b" anchorCtr="0">
+            <a:noAutofit/>
+          </a:bodyPr>
+          <a:lstStyle/>
+          <a:p>
+            <a:pPr marL="0" lvl="0" indent="0" algn="l" rtl="0">
+              <a:lnSpc>
+                <a:spcPct val="150000"/>
+              </a:lnSpc>
+              <a:spcBef>
+                <a:spcPts val="0"/>
+              </a:spcBef>
+              <a:spcAft>
+                <a:spcPts val="0"/>
+              </a:spcAft>
+              <a:buClr>
+                <a:schemeClr val="lt1"/>
+              </a:buClr>
+              <a:buSzPts val="3600"/>
+              <a:buFont typeface="Arial"/>
+              <a:buNone/>
+            </a:pPr>
+            <a:r>
+              <a:rPr lang="en-US" sz="15000" dirty="0"/>
+              <a:t>THANKS</a:t>
+            </a:r>
+            <a:endParaRPr sz="15000" dirty="0"/>
+          </a:p>
+        </p:txBody>
+      </p:sp>
+      <p:sp>
+        <p:nvSpPr>
+          <p:cNvPr id="96" name="Google Shape;96;p1"/>
+          <p:cNvSpPr/>
+          <p:nvPr/>
+        </p:nvSpPr>
+        <p:spPr>
+          <a:xfrm>
+            <a:off x="394070" y="4832528"/>
+            <a:ext cx="5766585" cy="894017"/>
+          </a:xfrm>
+          <a:prstGeom prst="rect">
+            <a:avLst/>
+          </a:prstGeom>
+          <a:solidFill>
+            <a:schemeClr val="accent1"/>
+          </a:solidFill>
+          <a:ln>
+            <a:noFill/>
+          </a:ln>
+        </p:spPr>
+        <p:txBody>
+          <a:bodyPr spcFirstLastPara="1" wrap="square" lIns="91425" tIns="45700" rIns="91425" bIns="45700" anchor="ctr" anchorCtr="0">
+            <a:noAutofit/>
+          </a:bodyPr>
+          <a:lstStyle/>
+          <a:p>
+            <a:pPr marL="0" marR="0" lvl="0" indent="0" algn="ctr" rtl="0">
+              <a:lnSpc>
+                <a:spcPct val="100000"/>
+              </a:lnSpc>
+              <a:spcBef>
+                <a:spcPts val="0"/>
+              </a:spcBef>
+              <a:spcAft>
+                <a:spcPts val="0"/>
+              </a:spcAft>
+              <a:buClr>
+                <a:srgbClr val="000000"/>
+              </a:buClr>
+              <a:buSzPts val="1800"/>
+              <a:buFont typeface="Arial"/>
+              <a:buNone/>
+            </a:pPr>
+            <a:endParaRPr sz="1800" b="0" i="0" u="none" strike="noStrike" cap="none">
+              <a:solidFill>
+                <a:schemeClr val="lt1"/>
+              </a:solidFill>
+              <a:latin typeface="Arial"/>
+              <a:ea typeface="Arial"/>
+              <a:cs typeface="Arial"/>
+              <a:sym typeface="Arial"/>
+            </a:endParaRPr>
+          </a:p>
+        </p:txBody>
+      </p:sp>
+    </p:spTree>
+    <p:extLst>
+      <p:ext uri="{BB962C8B-B14F-4D97-AF65-F5344CB8AC3E}">
+        <p14:creationId xmlns:p14="http://schemas.microsoft.com/office/powerpoint/2010/main" val="926788290"/>
+      </p:ext>
+    </p:extLst>
+  </p:cSld>
+  <p:clrMapOvr>
+    <a:masterClrMapping/>
+  </p:clrMapOvr>
+</p:sld>
+</file>
+
 <file path=ppt/slides/slide2.xml><?xml version="1.0" encoding="utf-8"?>
 <p:sld xmlns:a="http://schemas.openxmlformats.org/drawingml/2006/main" xmlns:r="http://schemas.openxmlformats.org/officeDocument/2006/relationships" xmlns:p="http://schemas.openxmlformats.org/presentationml/2006/main">
   <p:cSld>
@@ -19852,643 +17297,6 @@
       </p:transition>
     </mc:Fallback>
   </mc:AlternateContent>
-</p:sld>
-</file>
-
-<file path=ppt/slides/slide20.xml><?xml version="1.0" encoding="utf-8"?>
-<p:sld xmlns:a="http://schemas.openxmlformats.org/drawingml/2006/main" xmlns:r="http://schemas.openxmlformats.org/officeDocument/2006/relationships" xmlns:p="http://schemas.openxmlformats.org/presentationml/2006/main">
-  <p:cSld>
-    <p:spTree>
-      <p:nvGrpSpPr>
-        <p:cNvPr id="1" name="Shape 187"/>
-        <p:cNvGrpSpPr/>
-        <p:nvPr/>
-      </p:nvGrpSpPr>
-      <p:grpSpPr>
-        <a:xfrm>
-          <a:off x="0" y="0"/>
-          <a:ext cx="0" cy="0"/>
-          <a:chOff x="0" y="0"/>
-          <a:chExt cx="0" cy="0"/>
-        </a:xfrm>
-      </p:grpSpPr>
-      <p:sp>
-        <p:nvSpPr>
-          <p:cNvPr id="188" name="Google Shape;188;p29"/>
-          <p:cNvSpPr txBox="1">
-            <a:spLocks noGrp="1"/>
-          </p:cNvSpPr>
-          <p:nvPr>
-            <p:ph type="ctrTitle"/>
-          </p:nvPr>
-        </p:nvSpPr>
-        <p:spPr>
-          <a:xfrm>
-            <a:off x="147941" y="1197553"/>
-            <a:ext cx="5158155" cy="699828"/>
-          </a:xfrm>
-          <a:prstGeom prst="rect">
-            <a:avLst/>
-          </a:prstGeom>
-          <a:noFill/>
-          <a:ln>
-            <a:noFill/>
-          </a:ln>
-        </p:spPr>
-        <p:txBody>
-          <a:bodyPr spcFirstLastPara="1" wrap="square" lIns="0" tIns="45700" rIns="91425" bIns="45700" anchor="b" anchorCtr="0">
-            <a:noAutofit/>
-          </a:bodyPr>
-          <a:lstStyle/>
-          <a:p>
-            <a:pPr marL="0" lvl="0" indent="0" algn="l" rtl="0">
-              <a:lnSpc>
-                <a:spcPct val="100000"/>
-              </a:lnSpc>
-              <a:spcBef>
-                <a:spcPts val="0"/>
-              </a:spcBef>
-              <a:spcAft>
-                <a:spcPts val="0"/>
-              </a:spcAft>
-              <a:buSzPts val="6000"/>
-              <a:buNone/>
-            </a:pPr>
-            <a:r>
-              <a:rPr lang="en-US" sz="5400" dirty="0"/>
-              <a:t>KẾT LUẬN:</a:t>
-            </a:r>
-            <a:endParaRPr dirty="0"/>
-          </a:p>
-        </p:txBody>
-      </p:sp>
-      <p:sp>
-        <p:nvSpPr>
-          <p:cNvPr id="189" name="Google Shape;189;p29"/>
-          <p:cNvSpPr/>
-          <p:nvPr/>
-        </p:nvSpPr>
-        <p:spPr>
-          <a:xfrm>
-            <a:off x="369397" y="1802788"/>
-            <a:ext cx="5977011" cy="3941298"/>
-          </a:xfrm>
-          <a:prstGeom prst="rect">
-            <a:avLst/>
-          </a:prstGeom>
-          <a:solidFill>
-            <a:schemeClr val="lt1"/>
-          </a:solidFill>
-          <a:ln>
-            <a:noFill/>
-          </a:ln>
-        </p:spPr>
-        <p:txBody>
-          <a:bodyPr spcFirstLastPara="1" wrap="square" lIns="91425" tIns="45700" rIns="91425" bIns="45700" anchor="ctr" anchorCtr="0">
-            <a:noAutofit/>
-          </a:bodyPr>
-          <a:lstStyle/>
-          <a:p>
-            <a:pPr marL="0" marR="0" lvl="0" indent="0" algn="ctr" rtl="0">
-              <a:lnSpc>
-                <a:spcPct val="100000"/>
-              </a:lnSpc>
-              <a:spcBef>
-                <a:spcPts val="0"/>
-              </a:spcBef>
-              <a:spcAft>
-                <a:spcPts val="0"/>
-              </a:spcAft>
-              <a:buNone/>
-            </a:pPr>
-            <a:endParaRPr sz="2200" b="0" i="0" u="none" strike="noStrike" cap="none" dirty="0">
-              <a:solidFill>
-                <a:schemeClr val="lt1"/>
-              </a:solidFill>
-              <a:latin typeface="Arial"/>
-              <a:ea typeface="Arial"/>
-              <a:cs typeface="Arial"/>
-              <a:sym typeface="Arial"/>
-            </a:endParaRPr>
-          </a:p>
-        </p:txBody>
-      </p:sp>
-      <p:sp>
-        <p:nvSpPr>
-          <p:cNvPr id="4" name="TextBox 3">
-            <a:extLst>
-              <a:ext uri="{FF2B5EF4-FFF2-40B4-BE49-F238E27FC236}">
-                <a16:creationId xmlns:a16="http://schemas.microsoft.com/office/drawing/2014/main" id="{22BD33D6-D14E-C84A-B2FF-116991EBFA5C}"/>
-              </a:ext>
-            </a:extLst>
-          </p:cNvPr>
-          <p:cNvSpPr txBox="1"/>
-          <p:nvPr/>
-        </p:nvSpPr>
-        <p:spPr>
-          <a:xfrm>
-            <a:off x="147941" y="1982694"/>
-            <a:ext cx="7257612" cy="3816429"/>
-          </a:xfrm>
-          <a:prstGeom prst="rect">
-            <a:avLst/>
-          </a:prstGeom>
-          <a:noFill/>
-        </p:spPr>
-        <p:txBody>
-          <a:bodyPr wrap="square" rtlCol="0">
-            <a:spAutoFit/>
-          </a:bodyPr>
-          <a:lstStyle/>
-          <a:p>
-            <a:pPr marL="285750" indent="-285750">
-              <a:buFontTx/>
-              <a:buChar char="-"/>
-            </a:pPr>
-            <a:r>
-              <a:rPr lang="en-VN" sz="2200" dirty="0">
-                <a:solidFill>
-                  <a:schemeClr val="bg2">
-                    <a:lumMod val="50000"/>
-                  </a:schemeClr>
-                </a:solidFill>
-              </a:rPr>
-              <a:t>Ngưỡng chung: + STE: 0.21  +MA:0.185   </a:t>
-            </a:r>
-          </a:p>
-          <a:p>
-            <a:pPr lvl="4"/>
-            <a:r>
-              <a:rPr lang="en-VN" sz="2200" dirty="0">
-                <a:solidFill>
-                  <a:schemeClr val="bg2">
-                    <a:lumMod val="50000"/>
-                  </a:schemeClr>
-                </a:solidFill>
-              </a:rPr>
-              <a:t>			+ Autocorrect : 0.37</a:t>
-            </a:r>
-          </a:p>
-          <a:p>
-            <a:pPr marL="285750" indent="-285750">
-              <a:buFontTx/>
-              <a:buChar char="-"/>
-            </a:pPr>
-            <a:r>
-              <a:rPr lang="en-VN" sz="2200" dirty="0">
-                <a:solidFill>
-                  <a:schemeClr val="bg2">
-                    <a:lumMod val="50000"/>
-                  </a:schemeClr>
-                </a:solidFill>
-              </a:rPr>
-              <a:t>Kết quả trên tín hiệu kiểm thử cho thấy:</a:t>
-            </a:r>
-          </a:p>
-          <a:p>
-            <a:r>
-              <a:rPr lang="en-VN" sz="2200" dirty="0">
-                <a:solidFill>
-                  <a:schemeClr val="bg2">
-                    <a:lumMod val="50000"/>
-                  </a:schemeClr>
-                </a:solidFill>
-              </a:rPr>
-              <a:t>	+ Thuật toán ACF cho ra kết quả chính xác cao, sai số nhỏ hơn thuật toán FFT. Tuy nhiên nếu k được sử lý lọc trung vị thì điều trên không đúng vì A</a:t>
-            </a:r>
-            <a:r>
-              <a:rPr lang="en-US" sz="2200" dirty="0">
-                <a:solidFill>
-                  <a:schemeClr val="bg2">
-                    <a:lumMod val="50000"/>
-                  </a:schemeClr>
-                </a:solidFill>
-              </a:rPr>
-              <a:t>CF </a:t>
-            </a:r>
-            <a:r>
-              <a:rPr lang="en-US" sz="2200" dirty="0" err="1">
-                <a:solidFill>
-                  <a:schemeClr val="bg2">
-                    <a:lumMod val="50000"/>
-                  </a:schemeClr>
-                </a:solidFill>
-              </a:rPr>
-              <a:t>cho</a:t>
-            </a:r>
-            <a:r>
-              <a:rPr lang="en-US" sz="2200" dirty="0">
-                <a:solidFill>
-                  <a:schemeClr val="bg2">
-                    <a:lumMod val="50000"/>
-                  </a:schemeClr>
-                </a:solidFill>
-              </a:rPr>
-              <a:t> ra </a:t>
-            </a:r>
-            <a:r>
-              <a:rPr lang="en-US" sz="2200" dirty="0" err="1">
-                <a:solidFill>
-                  <a:schemeClr val="bg2">
-                    <a:lumMod val="50000"/>
-                  </a:schemeClr>
-                </a:solidFill>
-              </a:rPr>
-              <a:t>nhiều</a:t>
-            </a:r>
-            <a:r>
-              <a:rPr lang="en-US" sz="2200" dirty="0">
-                <a:solidFill>
-                  <a:schemeClr val="bg2">
-                    <a:lumMod val="50000"/>
-                  </a:schemeClr>
-                </a:solidFill>
-              </a:rPr>
-              <a:t> pitch </a:t>
-            </a:r>
-            <a:r>
-              <a:rPr lang="en-US" sz="2200" dirty="0" err="1">
-                <a:solidFill>
-                  <a:schemeClr val="bg2">
-                    <a:lumMod val="50000"/>
-                  </a:schemeClr>
-                </a:solidFill>
-              </a:rPr>
-              <a:t>ảo</a:t>
-            </a:r>
-            <a:r>
-              <a:rPr lang="en-US" sz="2200" dirty="0">
-                <a:solidFill>
-                  <a:schemeClr val="bg2">
-                    <a:lumMod val="50000"/>
-                  </a:schemeClr>
-                </a:solidFill>
-              </a:rPr>
-              <a:t> </a:t>
-            </a:r>
-            <a:r>
-              <a:rPr lang="en-US" sz="2200" dirty="0" err="1">
-                <a:solidFill>
-                  <a:schemeClr val="bg2">
-                    <a:lumMod val="50000"/>
-                  </a:schemeClr>
-                </a:solidFill>
-              </a:rPr>
-              <a:t>hơn</a:t>
-            </a:r>
-            <a:r>
-              <a:rPr lang="en-US" sz="2200" dirty="0">
-                <a:solidFill>
-                  <a:schemeClr val="bg2">
-                    <a:lumMod val="50000"/>
-                  </a:schemeClr>
-                </a:solidFill>
-              </a:rPr>
-              <a:t>.</a:t>
-            </a:r>
-            <a:endParaRPr lang="en-VN" sz="2200" dirty="0">
-              <a:solidFill>
-                <a:schemeClr val="bg2">
-                  <a:lumMod val="50000"/>
-                </a:schemeClr>
-              </a:solidFill>
-            </a:endParaRPr>
-          </a:p>
-          <a:p>
-            <a:r>
-              <a:rPr lang="en-VN" sz="2200" dirty="0">
-                <a:solidFill>
-                  <a:schemeClr val="bg2">
-                    <a:lumMod val="50000"/>
-                  </a:schemeClr>
-                </a:solidFill>
-              </a:rPr>
-              <a:t>	+ Độ chính xác khi phân biệt file nam hay nữ : 100%</a:t>
-            </a:r>
-          </a:p>
-          <a:p>
-            <a:r>
-              <a:rPr lang="en-VN" sz="2200" dirty="0">
-                <a:solidFill>
-                  <a:schemeClr val="bg2">
-                    <a:lumMod val="50000"/>
-                  </a:schemeClr>
-                </a:solidFill>
-              </a:rPr>
-              <a:t>- Xử lý pitch ảo bằng hàm lọc trung vị cho ra kết quả chuẩn sát hơn</a:t>
-            </a:r>
-          </a:p>
-        </p:txBody>
-      </p:sp>
-    </p:spTree>
-  </p:cSld>
-  <p:clrMapOvr>
-    <a:masterClrMapping/>
-  </p:clrMapOvr>
-  <mc:AlternateContent xmlns:mc="http://schemas.openxmlformats.org/markup-compatibility/2006" xmlns:p14="http://schemas.microsoft.com/office/powerpoint/2010/main">
-    <mc:Choice Requires="p14">
-      <p:transition spd="med" p14:dur="700">
-        <p:fade/>
-      </p:transition>
-    </mc:Choice>
-    <mc:Fallback xmlns:ahyp="http://schemas.microsoft.com/office/drawing/2018/hyperlinkcolor" xmlns:p15="http://schemas.microsoft.com/office/powerpoint/2012/main" xmlns:com="http://schemas.openxmlformats.org/drawingml/2006/compatibility" xmlns:pvml="urn:schemas-microsoft-com:office:powerpoint" xmlns:v="urn:schemas-microsoft-com:vml" xmlns:o="urn:schemas-microsoft-com:office:office" xmlns:dgm="http://schemas.openxmlformats.org/drawingml/2006/diagram" xmlns:c="http://schemas.openxmlformats.org/drawingml/2006/chart" xmlns:mv="urn:schemas-microsoft-com:mac:vml" xmlns="">
-      <p:transition spd="slow">
-        <p:fade/>
-      </p:transition>
-    </mc:Fallback>
-  </mc:AlternateContent>
-</p:sld>
-</file>
-
-<file path=ppt/slides/slide21.xml><?xml version="1.0" encoding="utf-8"?>
-<p:sld xmlns:a="http://schemas.openxmlformats.org/drawingml/2006/main" xmlns:r="http://schemas.openxmlformats.org/officeDocument/2006/relationships" xmlns:p="http://schemas.openxmlformats.org/presentationml/2006/main">
-  <p:cSld>
-    <p:spTree>
-      <p:nvGrpSpPr>
-        <p:cNvPr id="1" name="Shape 200"/>
-        <p:cNvGrpSpPr/>
-        <p:nvPr/>
-      </p:nvGrpSpPr>
-      <p:grpSpPr>
-        <a:xfrm>
-          <a:off x="0" y="0"/>
-          <a:ext cx="0" cy="0"/>
-          <a:chOff x="0" y="0"/>
-          <a:chExt cx="0" cy="0"/>
-        </a:xfrm>
-      </p:grpSpPr>
-      <p:sp>
-        <p:nvSpPr>
-          <p:cNvPr id="201" name="Google Shape;201;p31"/>
-          <p:cNvSpPr/>
-          <p:nvPr/>
-        </p:nvSpPr>
-        <p:spPr>
-          <a:xfrm>
-            <a:off x="492369" y="4454769"/>
-            <a:ext cx="5158154" cy="1406769"/>
-          </a:xfrm>
-          <a:prstGeom prst="rect">
-            <a:avLst/>
-          </a:prstGeom>
-          <a:solidFill>
-            <a:schemeClr val="lt1"/>
-          </a:solidFill>
-          <a:ln>
-            <a:noFill/>
-          </a:ln>
-        </p:spPr>
-        <p:txBody>
-          <a:bodyPr spcFirstLastPara="1" wrap="square" lIns="91425" tIns="45700" rIns="91425" bIns="45700" anchor="ctr" anchorCtr="0">
-            <a:noAutofit/>
-          </a:bodyPr>
-          <a:lstStyle/>
-          <a:p>
-            <a:pPr marL="0" marR="0" lvl="0" indent="0" algn="ctr" rtl="0">
-              <a:lnSpc>
-                <a:spcPct val="100000"/>
-              </a:lnSpc>
-              <a:spcBef>
-                <a:spcPts val="0"/>
-              </a:spcBef>
-              <a:spcAft>
-                <a:spcPts val="0"/>
-              </a:spcAft>
-              <a:buNone/>
-            </a:pPr>
-            <a:endParaRPr sz="1400" b="0" i="0" u="none" strike="noStrike" cap="none">
-              <a:solidFill>
-                <a:schemeClr val="lt1"/>
-              </a:solidFill>
-              <a:latin typeface="Arial"/>
-              <a:ea typeface="Arial"/>
-              <a:cs typeface="Arial"/>
-              <a:sym typeface="Arial"/>
-            </a:endParaRPr>
-          </a:p>
-        </p:txBody>
-      </p:sp>
-      <p:sp>
-        <p:nvSpPr>
-          <p:cNvPr id="202" name="Google Shape;202;p31"/>
-          <p:cNvSpPr txBox="1">
-            <a:spLocks noGrp="1"/>
-          </p:cNvSpPr>
-          <p:nvPr>
-            <p:ph type="ctrTitle"/>
-          </p:nvPr>
-        </p:nvSpPr>
-        <p:spPr>
-          <a:xfrm>
-            <a:off x="590843" y="2144760"/>
-            <a:ext cx="9179277" cy="2568480"/>
-          </a:xfrm>
-          <a:prstGeom prst="rect">
-            <a:avLst/>
-          </a:prstGeom>
-          <a:noFill/>
-          <a:ln>
-            <a:noFill/>
-          </a:ln>
-        </p:spPr>
-        <p:txBody>
-          <a:bodyPr spcFirstLastPara="1" wrap="square" lIns="0" tIns="45700" rIns="91425" bIns="45700" anchor="b" anchorCtr="0">
-            <a:noAutofit/>
-          </a:bodyPr>
-          <a:lstStyle/>
-          <a:p>
-            <a:pPr marL="0" lvl="0" indent="0" algn="l" rtl="0">
-              <a:lnSpc>
-                <a:spcPct val="100000"/>
-              </a:lnSpc>
-              <a:spcBef>
-                <a:spcPts val="0"/>
-              </a:spcBef>
-              <a:spcAft>
-                <a:spcPts val="0"/>
-              </a:spcAft>
-              <a:buSzPts val="6000"/>
-              <a:buNone/>
-            </a:pPr>
-            <a:r>
-              <a:rPr lang="en-US" sz="5400" dirty="0"/>
-              <a:t>4.CODE MINH HỌA</a:t>
-            </a:r>
-            <a:br>
-              <a:rPr lang="en-US" sz="5400" dirty="0"/>
-            </a:br>
-            <a:r>
-              <a:rPr lang="en-US" sz="5400" dirty="0"/>
-              <a:t>&amp;</a:t>
-            </a:r>
-            <a:br>
-              <a:rPr lang="en-US" sz="5400" dirty="0"/>
-            </a:br>
-            <a:r>
-              <a:rPr lang="en-US" sz="5400" dirty="0"/>
-              <a:t>DEMO KẾT QUẢ</a:t>
-            </a:r>
-            <a:endParaRPr sz="5400" dirty="0"/>
-          </a:p>
-        </p:txBody>
-      </p:sp>
-    </p:spTree>
-  </p:cSld>
-  <p:clrMapOvr>
-    <a:masterClrMapping/>
-  </p:clrMapOvr>
-  <mc:AlternateContent xmlns:mc="http://schemas.openxmlformats.org/markup-compatibility/2006" xmlns:p14="http://schemas.microsoft.com/office/powerpoint/2010/main">
-    <mc:Choice Requires="p14">
-      <p:transition spd="med" p14:dur="700">
-        <p:fade/>
-      </p:transition>
-    </mc:Choice>
-    <mc:Fallback xmlns:ahyp="http://schemas.microsoft.com/office/drawing/2018/hyperlinkcolor" xmlns:p15="http://schemas.microsoft.com/office/powerpoint/2012/main" xmlns:com="http://schemas.openxmlformats.org/drawingml/2006/compatibility" xmlns:pvml="urn:schemas-microsoft-com:office:powerpoint" xmlns:v="urn:schemas-microsoft-com:vml" xmlns:o="urn:schemas-microsoft-com:office:office" xmlns:dgm="http://schemas.openxmlformats.org/drawingml/2006/diagram" xmlns:c="http://schemas.openxmlformats.org/drawingml/2006/chart" xmlns:mv="urn:schemas-microsoft-com:mac:vml" xmlns="">
-      <p:transition spd="slow">
-        <p:fade/>
-      </p:transition>
-    </mc:Fallback>
-  </mc:AlternateContent>
-</p:sld>
-</file>
-
-<file path=ppt/slides/slide22.xml><?xml version="1.0" encoding="utf-8"?>
-<p:sld xmlns:a="http://schemas.openxmlformats.org/drawingml/2006/main" xmlns:r="http://schemas.openxmlformats.org/officeDocument/2006/relationships" xmlns:p="http://schemas.openxmlformats.org/presentationml/2006/main">
-  <p:cSld>
-    <p:spTree>
-      <p:nvGrpSpPr>
-        <p:cNvPr id="1" name="Shape 94"/>
-        <p:cNvGrpSpPr/>
-        <p:nvPr/>
-      </p:nvGrpSpPr>
-      <p:grpSpPr>
-        <a:xfrm>
-          <a:off x="0" y="0"/>
-          <a:ext cx="0" cy="0"/>
-          <a:chOff x="0" y="0"/>
-          <a:chExt cx="0" cy="0"/>
-        </a:xfrm>
-      </p:grpSpPr>
-      <p:sp>
-        <p:nvSpPr>
-          <p:cNvPr id="95" name="Google Shape;95;p1"/>
-          <p:cNvSpPr txBox="1">
-            <a:spLocks noGrp="1"/>
-          </p:cNvSpPr>
-          <p:nvPr>
-            <p:ph type="ctrTitle"/>
-          </p:nvPr>
-        </p:nvSpPr>
-        <p:spPr>
-          <a:xfrm>
-            <a:off x="199760" y="1886638"/>
-            <a:ext cx="8738500" cy="3174498"/>
-          </a:xfrm>
-          <a:prstGeom prst="rect">
-            <a:avLst/>
-          </a:prstGeom>
-          <a:noFill/>
-          <a:ln>
-            <a:noFill/>
-          </a:ln>
-        </p:spPr>
-        <p:txBody>
-          <a:bodyPr spcFirstLastPara="1" wrap="square" lIns="0" tIns="45700" rIns="91425" bIns="45700" anchor="b" anchorCtr="0">
-            <a:noAutofit/>
-          </a:bodyPr>
-          <a:lstStyle/>
-          <a:p>
-            <a:pPr marL="0" lvl="0" indent="0" algn="l" rtl="0">
-              <a:lnSpc>
-                <a:spcPct val="150000"/>
-              </a:lnSpc>
-              <a:spcBef>
-                <a:spcPts val="0"/>
-              </a:spcBef>
-              <a:spcAft>
-                <a:spcPts val="0"/>
-              </a:spcAft>
-              <a:buClr>
-                <a:schemeClr val="lt1"/>
-              </a:buClr>
-              <a:buSzPts val="3600"/>
-              <a:buFont typeface="Arial"/>
-              <a:buNone/>
-            </a:pPr>
-            <a:r>
-              <a:rPr lang="en-US" sz="15000" dirty="0"/>
-              <a:t>THANKS</a:t>
-            </a:r>
-            <a:endParaRPr sz="15000" dirty="0"/>
-          </a:p>
-        </p:txBody>
-      </p:sp>
-      <p:sp>
-        <p:nvSpPr>
-          <p:cNvPr id="96" name="Google Shape;96;p1"/>
-          <p:cNvSpPr/>
-          <p:nvPr/>
-        </p:nvSpPr>
-        <p:spPr>
-          <a:xfrm>
-            <a:off x="394070" y="4832528"/>
-            <a:ext cx="5766585" cy="894017"/>
-          </a:xfrm>
-          <a:prstGeom prst="rect">
-            <a:avLst/>
-          </a:prstGeom>
-          <a:solidFill>
-            <a:schemeClr val="accent1"/>
-          </a:solidFill>
-          <a:ln>
-            <a:noFill/>
-          </a:ln>
-        </p:spPr>
-        <p:txBody>
-          <a:bodyPr spcFirstLastPara="1" wrap="square" lIns="91425" tIns="45700" rIns="91425" bIns="45700" anchor="ctr" anchorCtr="0">
-            <a:noAutofit/>
-          </a:bodyPr>
-          <a:lstStyle/>
-          <a:p>
-            <a:pPr marL="0" marR="0" lvl="0" indent="0" algn="ctr" rtl="0">
-              <a:lnSpc>
-                <a:spcPct val="100000"/>
-              </a:lnSpc>
-              <a:spcBef>
-                <a:spcPts val="0"/>
-              </a:spcBef>
-              <a:spcAft>
-                <a:spcPts val="0"/>
-              </a:spcAft>
-              <a:buClr>
-                <a:srgbClr val="000000"/>
-              </a:buClr>
-              <a:buSzPts val="1800"/>
-              <a:buFont typeface="Arial"/>
-              <a:buNone/>
-            </a:pPr>
-            <a:endParaRPr sz="1800" b="0" i="0" u="none" strike="noStrike" cap="none">
-              <a:solidFill>
-                <a:schemeClr val="lt1"/>
-              </a:solidFill>
-              <a:latin typeface="Arial"/>
-              <a:ea typeface="Arial"/>
-              <a:cs typeface="Arial"/>
-              <a:sym typeface="Arial"/>
-            </a:endParaRPr>
-          </a:p>
-        </p:txBody>
-      </p:sp>
-    </p:spTree>
-    <p:extLst>
-      <p:ext uri="{BB962C8B-B14F-4D97-AF65-F5344CB8AC3E}">
-        <p14:creationId xmlns:p14="http://schemas.microsoft.com/office/powerpoint/2010/main" val="926788290"/>
-      </p:ext>
-    </p:extLst>
-  </p:cSld>
-  <p:clrMapOvr>
-    <a:masterClrMapping/>
-  </p:clrMapOvr>
 </p:sld>
 </file>
 
@@ -21462,10 +18270,10 @@
       </p:sp>
       <p:pic>
         <p:nvPicPr>
-          <p:cNvPr id="4" name="Picture 3">
+          <p:cNvPr id="3" name="Picture 2">
             <a:extLst>
               <a:ext uri="{FF2B5EF4-FFF2-40B4-BE49-F238E27FC236}">
-                <a16:creationId xmlns:a16="http://schemas.microsoft.com/office/drawing/2014/main" id="{32BF00B1-BF92-F14C-858A-47DB276D6895}"/>
+                <a16:creationId xmlns:a16="http://schemas.microsoft.com/office/drawing/2014/main" id="{892F36AB-DD10-A346-854B-B3D5B1BA5BEB}"/>
               </a:ext>
             </a:extLst>
           </p:cNvPr>
@@ -21482,8 +18290,8 @@
         </p:blipFill>
         <p:spPr>
           <a:xfrm>
-            <a:off x="1309817" y="1792191"/>
-            <a:ext cx="5869459" cy="4472684"/>
+            <a:off x="1775386" y="1748001"/>
+            <a:ext cx="6041838" cy="5109999"/>
           </a:xfrm>
           <a:prstGeom prst="rect">
             <a:avLst/>
@@ -21855,14 +18663,7 @@
             </a:pPr>
             <a:r>
               <a:rPr lang="en-US" sz="5400" dirty="0"/>
-              <a:t>2. XÁC ĐỊNH NGƯỠNG,</a:t>
-            </a:r>
-            <a:br>
-              <a:rPr lang="en-US" sz="5400" dirty="0"/>
-            </a:br>
-            <a:r>
-              <a:rPr lang="en-US" sz="5400" dirty="0"/>
-              <a:t>CHỌN N TRONG FFT</a:t>
+              <a:t>2. XÁC ĐỊNH THUẬT TOÁN TỐT NHẤT</a:t>
             </a:r>
             <a:endParaRPr sz="5400" dirty="0"/>
           </a:p>
@@ -21991,7 +18792,7 @@
         </p:nvSpPr>
         <p:spPr>
           <a:xfrm>
-            <a:off x="478727" y="1081776"/>
+            <a:off x="145095" y="931300"/>
             <a:ext cx="6951472" cy="590931"/>
           </a:xfrm>
           <a:prstGeom prst="rect">
@@ -22026,1008 +18827,57 @@
               <a:buNone/>
             </a:pPr>
             <a:r>
+              <a:rPr lang="en-US" sz="2800" dirty="0"/>
+              <a:t>So </a:t>
+            </a:r>
+            <a:r>
               <a:rPr lang="en-US" sz="2800" dirty="0" err="1"/>
-              <a:t>Xác</a:t>
+              <a:t>sánh</a:t>
             </a:r>
             <a:r>
               <a:rPr lang="en-US" sz="2800" dirty="0"/>
-              <a:t> </a:t>
-            </a:r>
-            <a:r>
-              <a:rPr lang="en-US" sz="2800" dirty="0" err="1"/>
-              <a:t>định</a:t>
-            </a:r>
-            <a:r>
-              <a:rPr lang="en-US" sz="2800" dirty="0"/>
-              <a:t> </a:t>
-            </a:r>
-            <a:r>
-              <a:rPr lang="en-US" sz="2800" dirty="0" err="1"/>
-              <a:t>ngưỡng</a:t>
-            </a:r>
-            <a:r>
-              <a:rPr lang="en-US" sz="2800" dirty="0"/>
-              <a:t> MA</a:t>
+              <a:t> ACF vs FFT</a:t>
             </a:r>
             <a:endParaRPr sz="2800" dirty="0"/>
           </a:p>
         </p:txBody>
       </p:sp>
-      <p:graphicFrame>
-        <p:nvGraphicFramePr>
-          <p:cNvPr id="2" name="Table 2">
+      <p:pic>
+        <p:nvPicPr>
+          <p:cNvPr id="2" name="Picture 1">
             <a:extLst>
               <a:ext uri="{FF2B5EF4-FFF2-40B4-BE49-F238E27FC236}">
-                <a16:creationId xmlns:a16="http://schemas.microsoft.com/office/drawing/2014/main" id="{58BC1CBF-515E-5B42-A824-5DABE59FF0A2}"/>
+                <a16:creationId xmlns:a16="http://schemas.microsoft.com/office/drawing/2014/main" id="{E82610BD-3F06-EF43-A909-091D17480766}"/>
               </a:ext>
             </a:extLst>
           </p:cNvPr>
-          <p:cNvGraphicFramePr>
-            <a:graphicFrameLocks noGrp="1"/>
-          </p:cNvGraphicFramePr>
-          <p:nvPr>
-            <p:extLst>
-              <p:ext uri="{D42A27DB-BD31-4B8C-83A1-F6EECF244321}">
-                <p14:modId xmlns:p14="http://schemas.microsoft.com/office/powerpoint/2010/main" val="3548464118"/>
-              </p:ext>
-            </p:extLst>
-          </p:nvPr>
-        </p:nvGraphicFramePr>
-        <p:xfrm>
-          <a:off x="451018" y="1672708"/>
-          <a:ext cx="10441771" cy="3710945"/>
-        </p:xfrm>
-        <a:graphic>
-          <a:graphicData uri="http://schemas.openxmlformats.org/drawingml/2006/table">
-            <a:tbl>
-              <a:tblPr firstRow="1" bandRow="1">
-                <a:tableStyleId>{5C22544A-7EE6-4342-B048-85BDC9FD1C3A}</a:tableStyleId>
-              </a:tblPr>
-              <a:tblGrid>
-                <a:gridCol w="2148835">
-                  <a:extLst>
-                    <a:ext uri="{9D8B030D-6E8A-4147-A177-3AD203B41FA5}">
-                      <a16:colId xmlns:a16="http://schemas.microsoft.com/office/drawing/2014/main" val="1977437174"/>
-                    </a:ext>
-                  </a:extLst>
-                </a:gridCol>
-                <a:gridCol w="2073234">
-                  <a:extLst>
-                    <a:ext uri="{9D8B030D-6E8A-4147-A177-3AD203B41FA5}">
-                      <a16:colId xmlns:a16="http://schemas.microsoft.com/office/drawing/2014/main" val="1639461737"/>
-                    </a:ext>
-                  </a:extLst>
-                </a:gridCol>
-                <a:gridCol w="2073234">
-                  <a:extLst>
-                    <a:ext uri="{9D8B030D-6E8A-4147-A177-3AD203B41FA5}">
-                      <a16:colId xmlns:a16="http://schemas.microsoft.com/office/drawing/2014/main" val="4289298959"/>
-                    </a:ext>
-                  </a:extLst>
-                </a:gridCol>
-                <a:gridCol w="2073234">
-                  <a:extLst>
-                    <a:ext uri="{9D8B030D-6E8A-4147-A177-3AD203B41FA5}">
-                      <a16:colId xmlns:a16="http://schemas.microsoft.com/office/drawing/2014/main" val="4163473307"/>
-                    </a:ext>
-                  </a:extLst>
-                </a:gridCol>
-                <a:gridCol w="2073234">
-                  <a:extLst>
-                    <a:ext uri="{9D8B030D-6E8A-4147-A177-3AD203B41FA5}">
-                      <a16:colId xmlns:a16="http://schemas.microsoft.com/office/drawing/2014/main" val="49734491"/>
-                    </a:ext>
-                  </a:extLst>
-                </a:gridCol>
-              </a:tblGrid>
-              <a:tr h="562346">
-                <a:tc>
-                  <a:txBody>
-                    <a:bodyPr/>
-                    <a:lstStyle/>
-                    <a:p>
-                      <a:pPr algn="ctr"/>
-                      <a:endParaRPr lang="en-VN" sz="2000" dirty="0"/>
-                    </a:p>
-                  </a:txBody>
-                  <a:tcPr/>
-                </a:tc>
-                <a:tc>
-                  <a:txBody>
-                    <a:bodyPr/>
-                    <a:lstStyle/>
-                    <a:p>
-                      <a:pPr algn="ctr"/>
-                      <a:r>
-                        <a:rPr lang="en-VN" sz="2000" dirty="0"/>
-                        <a:t>01MDA</a:t>
-                      </a:r>
-                    </a:p>
-                  </a:txBody>
-                  <a:tcPr/>
-                </a:tc>
-                <a:tc>
-                  <a:txBody>
-                    <a:bodyPr/>
-                    <a:lstStyle/>
-                    <a:p>
-                      <a:pPr algn="ctr"/>
-                      <a:r>
-                        <a:rPr lang="en-VN" sz="2000" dirty="0"/>
-                        <a:t>03MAB</a:t>
-                      </a:r>
-                    </a:p>
-                  </a:txBody>
-                  <a:tcPr/>
-                </a:tc>
-                <a:tc>
-                  <a:txBody>
-                    <a:bodyPr/>
-                    <a:lstStyle/>
-                    <a:p>
-                      <a:pPr algn="ctr"/>
-                      <a:r>
-                        <a:rPr lang="en-VN" sz="2000" dirty="0"/>
-                        <a:t>02FVA</a:t>
-                      </a:r>
-                    </a:p>
-                  </a:txBody>
-                  <a:tcPr/>
-                </a:tc>
-                <a:tc>
-                  <a:txBody>
-                    <a:bodyPr/>
-                    <a:lstStyle/>
-                    <a:p>
-                      <a:pPr algn="ctr"/>
-                      <a:r>
-                        <a:rPr lang="en-VN" sz="2000" dirty="0"/>
-                        <a:t>06FTB</a:t>
-                      </a:r>
-                    </a:p>
-                  </a:txBody>
-                  <a:tcPr/>
-                </a:tc>
-                <a:extLst>
-                  <a:ext uri="{0D108BD9-81ED-4DB2-BD59-A6C34878D82A}">
-                    <a16:rowId xmlns:a16="http://schemas.microsoft.com/office/drawing/2014/main" val="762379995"/>
-                  </a:ext>
-                </a:extLst>
-              </a:tr>
-              <a:tr h="970043">
-                <a:tc>
-                  <a:txBody>
-                    <a:bodyPr/>
-                    <a:lstStyle/>
-                    <a:p>
-                      <a:pPr algn="ctr"/>
-                      <a:r>
-                        <a:rPr lang="en-VN" sz="2000" b="1" dirty="0">
-                          <a:solidFill>
-                            <a:schemeClr val="bg2">
-                              <a:lumMod val="50000"/>
-                            </a:schemeClr>
-                          </a:solidFill>
-                        </a:rPr>
-                        <a:t>Meanv</a:t>
-                      </a:r>
-                    </a:p>
-                  </a:txBody>
-                  <a:tcPr/>
-                </a:tc>
-                <a:tc>
-                  <a:txBody>
-                    <a:bodyPr/>
-                    <a:lstStyle/>
-                    <a:p>
-                      <a:pPr marL="0" marR="0" lvl="0" indent="0" algn="ctr" defTabSz="914400" rtl="0" eaLnBrk="1" fontAlgn="auto" latinLnBrk="0" hangingPunct="1">
-                        <a:lnSpc>
-                          <a:spcPct val="100000"/>
-                        </a:lnSpc>
-                        <a:spcBef>
-                          <a:spcPts val="0"/>
-                        </a:spcBef>
-                        <a:spcAft>
-                          <a:spcPts val="0"/>
-                        </a:spcAft>
-                        <a:buClr>
-                          <a:srgbClr val="000000"/>
-                        </a:buClr>
-                        <a:buSzTx/>
-                        <a:buFont typeface="Arial"/>
-                        <a:buNone/>
-                        <a:tabLst/>
-                        <a:defRPr/>
-                      </a:pPr>
-                      <a:r>
-                        <a:rPr lang="en-VN" sz="2000" b="0" i="0" u="none" strike="noStrike" cap="none" dirty="0">
-                          <a:solidFill>
-                            <a:schemeClr val="dk1"/>
-                          </a:solidFill>
-                          <a:effectLst/>
-                          <a:latin typeface="+mn-lt"/>
-                          <a:ea typeface="+mn-ea"/>
-                          <a:cs typeface="+mn-cs"/>
-                          <a:sym typeface="Arial"/>
-                        </a:rPr>
-                        <a:t>0.210</a:t>
-                      </a:r>
-                    </a:p>
-                    <a:p>
-                      <a:pPr algn="ctr"/>
-                      <a:endParaRPr lang="en-VN" sz="2000" dirty="0"/>
-                    </a:p>
-                    <a:p>
-                      <a:pPr algn="ctr"/>
-                      <a:endParaRPr lang="en-VN" sz="2000" dirty="0"/>
-                    </a:p>
-                  </a:txBody>
-                  <a:tcPr/>
-                </a:tc>
-                <a:tc>
-                  <a:txBody>
-                    <a:bodyPr/>
-                    <a:lstStyle/>
-                    <a:p>
-                      <a:pPr marL="0" marR="0" lvl="0" indent="0" algn="ctr" defTabSz="914400" rtl="0" eaLnBrk="1" fontAlgn="auto" latinLnBrk="0" hangingPunct="1">
-                        <a:lnSpc>
-                          <a:spcPct val="100000"/>
-                        </a:lnSpc>
-                        <a:spcBef>
-                          <a:spcPts val="0"/>
-                        </a:spcBef>
-                        <a:spcAft>
-                          <a:spcPts val="0"/>
-                        </a:spcAft>
-                        <a:buClr>
-                          <a:srgbClr val="000000"/>
-                        </a:buClr>
-                        <a:buSzTx/>
-                        <a:buFont typeface="Arial"/>
-                        <a:buNone/>
-                        <a:tabLst/>
-                        <a:defRPr/>
-                      </a:pPr>
-                      <a:r>
-                        <a:rPr lang="en-VN" sz="2000" b="0" i="0" u="none" strike="noStrike" cap="none" dirty="0">
-                          <a:solidFill>
-                            <a:schemeClr val="dk1"/>
-                          </a:solidFill>
-                          <a:effectLst/>
-                          <a:latin typeface="+mn-lt"/>
-                          <a:ea typeface="+mn-ea"/>
-                          <a:cs typeface="+mn-cs"/>
-                          <a:sym typeface="Arial"/>
-                        </a:rPr>
-                        <a:t>0.2733</a:t>
-                      </a:r>
-                    </a:p>
-                  </a:txBody>
-                  <a:tcPr/>
-                </a:tc>
-                <a:tc>
-                  <a:txBody>
-                    <a:bodyPr/>
-                    <a:lstStyle/>
-                    <a:p>
-                      <a:pPr marL="0" marR="0" lvl="0" indent="0" algn="ctr" defTabSz="914400" rtl="0" eaLnBrk="1" fontAlgn="auto" latinLnBrk="0" hangingPunct="1">
-                        <a:lnSpc>
-                          <a:spcPct val="100000"/>
-                        </a:lnSpc>
-                        <a:spcBef>
-                          <a:spcPts val="0"/>
-                        </a:spcBef>
-                        <a:spcAft>
-                          <a:spcPts val="0"/>
-                        </a:spcAft>
-                        <a:buClr>
-                          <a:srgbClr val="000000"/>
-                        </a:buClr>
-                        <a:buSzTx/>
-                        <a:buFont typeface="Arial"/>
-                        <a:buNone/>
-                        <a:tabLst/>
-                        <a:defRPr/>
-                      </a:pPr>
-                      <a:r>
-                        <a:rPr lang="en-VN" sz="2000" b="0" i="0" u="none" strike="noStrike" cap="none" dirty="0">
-                          <a:solidFill>
-                            <a:schemeClr val="dk1"/>
-                          </a:solidFill>
-                          <a:effectLst/>
-                          <a:latin typeface="+mn-lt"/>
-                          <a:ea typeface="+mn-ea"/>
-                          <a:cs typeface="+mn-cs"/>
-                          <a:sym typeface="Arial"/>
-                        </a:rPr>
-                        <a:t>0.1526</a:t>
-                      </a:r>
-                      <a:endParaRPr lang="en-VN" sz="2000" dirty="0"/>
-                    </a:p>
-                  </a:txBody>
-                  <a:tcPr/>
-                </a:tc>
-                <a:tc>
-                  <a:txBody>
-                    <a:bodyPr/>
-                    <a:lstStyle/>
-                    <a:p>
-                      <a:pPr marL="0" marR="0" lvl="0" indent="0" algn="ctr" defTabSz="914400" rtl="0" eaLnBrk="1" fontAlgn="auto" latinLnBrk="0" hangingPunct="1">
-                        <a:lnSpc>
-                          <a:spcPct val="100000"/>
-                        </a:lnSpc>
-                        <a:spcBef>
-                          <a:spcPts val="0"/>
-                        </a:spcBef>
-                        <a:spcAft>
-                          <a:spcPts val="0"/>
-                        </a:spcAft>
-                        <a:buClr>
-                          <a:srgbClr val="000000"/>
-                        </a:buClr>
-                        <a:buSzTx/>
-                        <a:buFont typeface="Arial"/>
-                        <a:buNone/>
-                        <a:tabLst/>
-                        <a:defRPr/>
-                      </a:pPr>
-                      <a:r>
-                        <a:rPr lang="en-VN" sz="2000" b="0" i="0" u="none" strike="noStrike" cap="none" dirty="0">
-                          <a:solidFill>
-                            <a:schemeClr val="dk1"/>
-                          </a:solidFill>
-                          <a:effectLst/>
-                          <a:latin typeface="+mn-lt"/>
-                          <a:ea typeface="+mn-ea"/>
-                          <a:cs typeface="+mn-cs"/>
-                          <a:sym typeface="Arial"/>
-                        </a:rPr>
-                        <a:t>0.2179</a:t>
-                      </a:r>
-                    </a:p>
-                    <a:p>
-                      <a:pPr marL="0" marR="0" lvl="0" indent="0" algn="ctr" defTabSz="914400" rtl="0" eaLnBrk="1" fontAlgn="auto" latinLnBrk="0" hangingPunct="1">
-                        <a:lnSpc>
-                          <a:spcPct val="100000"/>
-                        </a:lnSpc>
-                        <a:spcBef>
-                          <a:spcPts val="0"/>
-                        </a:spcBef>
-                        <a:spcAft>
-                          <a:spcPts val="0"/>
-                        </a:spcAft>
-                        <a:buClr>
-                          <a:srgbClr val="000000"/>
-                        </a:buClr>
-                        <a:buSzTx/>
-                        <a:buFont typeface="Arial"/>
-                        <a:buNone/>
-                        <a:tabLst/>
-                        <a:defRPr/>
-                      </a:pPr>
-                      <a:endParaRPr lang="en-VN" sz="2000" b="0" i="0" u="none" strike="noStrike" cap="none" dirty="0">
-                        <a:solidFill>
-                          <a:schemeClr val="dk1"/>
-                        </a:solidFill>
-                        <a:effectLst/>
-                        <a:latin typeface="+mn-lt"/>
-                        <a:ea typeface="+mn-ea"/>
-                        <a:cs typeface="+mn-cs"/>
-                        <a:sym typeface="Arial"/>
-                      </a:endParaRPr>
-                    </a:p>
-                  </a:txBody>
-                  <a:tcPr/>
-                </a:tc>
-                <a:extLst>
-                  <a:ext uri="{0D108BD9-81ED-4DB2-BD59-A6C34878D82A}">
-                    <a16:rowId xmlns:a16="http://schemas.microsoft.com/office/drawing/2014/main" val="1113746075"/>
-                  </a:ext>
-                </a:extLst>
-              </a:tr>
-              <a:tr h="714253">
-                <a:tc>
-                  <a:txBody>
-                    <a:bodyPr/>
-                    <a:lstStyle/>
-                    <a:p>
-                      <a:pPr algn="ctr"/>
-                      <a:r>
-                        <a:rPr lang="en-VN" sz="2000" b="1" dirty="0">
-                          <a:solidFill>
-                            <a:schemeClr val="bg2">
-                              <a:lumMod val="50000"/>
-                            </a:schemeClr>
-                          </a:solidFill>
-                        </a:rPr>
-                        <a:t>Stdv</a:t>
-                      </a:r>
-                    </a:p>
-                  </a:txBody>
-                  <a:tcPr/>
-                </a:tc>
-                <a:tc>
-                  <a:txBody>
-                    <a:bodyPr/>
-                    <a:lstStyle/>
-                    <a:p>
-                      <a:pPr marL="0" marR="0" lvl="0" indent="0" algn="ctr" defTabSz="914400" rtl="0" eaLnBrk="1" fontAlgn="auto" latinLnBrk="0" hangingPunct="1">
-                        <a:lnSpc>
-                          <a:spcPct val="100000"/>
-                        </a:lnSpc>
-                        <a:spcBef>
-                          <a:spcPts val="0"/>
-                        </a:spcBef>
-                        <a:spcAft>
-                          <a:spcPts val="0"/>
-                        </a:spcAft>
-                        <a:buClr>
-                          <a:srgbClr val="000000"/>
-                        </a:buClr>
-                        <a:buSzTx/>
-                        <a:buFont typeface="Arial"/>
-                        <a:buNone/>
-                        <a:tabLst/>
-                        <a:defRPr/>
-                      </a:pPr>
-                      <a:r>
-                        <a:rPr lang="en-VN" sz="2000" b="0" i="0" u="none" strike="noStrike" cap="none" dirty="0">
-                          <a:solidFill>
-                            <a:schemeClr val="dk1"/>
-                          </a:solidFill>
-                          <a:effectLst/>
-                          <a:latin typeface="+mn-lt"/>
-                          <a:ea typeface="+mn-ea"/>
-                          <a:cs typeface="+mn-cs"/>
-                          <a:sym typeface="Arial"/>
-                        </a:rPr>
-                        <a:t>0.1399</a:t>
-                      </a:r>
-                    </a:p>
-                  </a:txBody>
-                  <a:tcPr/>
-                </a:tc>
-                <a:tc>
-                  <a:txBody>
-                    <a:bodyPr/>
-                    <a:lstStyle/>
-                    <a:p>
-                      <a:pPr marL="0" marR="0" lvl="0" indent="0" algn="ctr" defTabSz="914400" rtl="0" eaLnBrk="1" fontAlgn="auto" latinLnBrk="0" hangingPunct="1">
-                        <a:lnSpc>
-                          <a:spcPct val="100000"/>
-                        </a:lnSpc>
-                        <a:spcBef>
-                          <a:spcPts val="0"/>
-                        </a:spcBef>
-                        <a:spcAft>
-                          <a:spcPts val="0"/>
-                        </a:spcAft>
-                        <a:buClr>
-                          <a:srgbClr val="000000"/>
-                        </a:buClr>
-                        <a:buSzTx/>
-                        <a:buFont typeface="Arial"/>
-                        <a:buNone/>
-                        <a:tabLst/>
-                        <a:defRPr/>
-                      </a:pPr>
-                      <a:r>
-                        <a:rPr lang="en-VN" sz="2000" b="0" i="0" u="none" strike="noStrike" cap="none" dirty="0">
-                          <a:solidFill>
-                            <a:schemeClr val="dk1"/>
-                          </a:solidFill>
-                          <a:effectLst/>
-                          <a:latin typeface="+mn-lt"/>
-                          <a:ea typeface="+mn-ea"/>
-                          <a:cs typeface="+mn-cs"/>
-                          <a:sym typeface="Arial"/>
-                        </a:rPr>
-                        <a:t>0.1096</a:t>
-                      </a:r>
-                    </a:p>
-                  </a:txBody>
-                  <a:tcPr/>
-                </a:tc>
-                <a:tc>
-                  <a:txBody>
-                    <a:bodyPr/>
-                    <a:lstStyle/>
-                    <a:p>
-                      <a:pPr marL="0" marR="0" lvl="0" indent="0" algn="ctr" defTabSz="914400" rtl="0" eaLnBrk="1" fontAlgn="auto" latinLnBrk="0" hangingPunct="1">
-                        <a:lnSpc>
-                          <a:spcPct val="100000"/>
-                        </a:lnSpc>
-                        <a:spcBef>
-                          <a:spcPts val="0"/>
-                        </a:spcBef>
-                        <a:spcAft>
-                          <a:spcPts val="0"/>
-                        </a:spcAft>
-                        <a:buClr>
-                          <a:srgbClr val="000000"/>
-                        </a:buClr>
-                        <a:buSzTx/>
-                        <a:buFont typeface="Arial"/>
-                        <a:buNone/>
-                        <a:tabLst/>
-                        <a:defRPr/>
-                      </a:pPr>
-                      <a:r>
-                        <a:rPr lang="en-VN" sz="2000" b="0" i="0" u="none" strike="noStrike" cap="none" dirty="0">
-                          <a:solidFill>
-                            <a:schemeClr val="dk1"/>
-                          </a:solidFill>
-                          <a:effectLst/>
-                          <a:latin typeface="+mn-lt"/>
-                          <a:ea typeface="+mn-ea"/>
-                          <a:cs typeface="+mn-cs"/>
-                          <a:sym typeface="Arial"/>
-                        </a:rPr>
-                        <a:t>0.1730</a:t>
-                      </a:r>
-                    </a:p>
-                    <a:p>
-                      <a:pPr algn="ctr"/>
-                      <a:endParaRPr lang="en-VN" sz="2000" dirty="0"/>
-                    </a:p>
-                  </a:txBody>
-                  <a:tcPr/>
-                </a:tc>
-                <a:tc>
-                  <a:txBody>
-                    <a:bodyPr/>
-                    <a:lstStyle/>
-                    <a:p>
-                      <a:pPr marL="0" marR="0" lvl="0" indent="0" algn="ctr" defTabSz="914400" rtl="0" eaLnBrk="1" fontAlgn="auto" latinLnBrk="0" hangingPunct="1">
-                        <a:lnSpc>
-                          <a:spcPct val="100000"/>
-                        </a:lnSpc>
-                        <a:spcBef>
-                          <a:spcPts val="0"/>
-                        </a:spcBef>
-                        <a:spcAft>
-                          <a:spcPts val="0"/>
-                        </a:spcAft>
-                        <a:buClr>
-                          <a:srgbClr val="000000"/>
-                        </a:buClr>
-                        <a:buSzTx/>
-                        <a:buFont typeface="Arial"/>
-                        <a:buNone/>
-                        <a:tabLst/>
-                        <a:defRPr/>
-                      </a:pPr>
-                      <a:r>
-                        <a:rPr lang="en-VN" sz="2000" b="0" i="0" u="none" strike="noStrike" cap="none" dirty="0">
-                          <a:solidFill>
-                            <a:schemeClr val="dk1"/>
-                          </a:solidFill>
-                          <a:effectLst/>
-                          <a:latin typeface="+mn-lt"/>
-                          <a:ea typeface="+mn-ea"/>
-                          <a:cs typeface="+mn-cs"/>
-                          <a:sym typeface="Arial"/>
-                        </a:rPr>
-                        <a:t>0.1709</a:t>
-                      </a:r>
-                    </a:p>
-                    <a:p>
-                      <a:pPr algn="ctr"/>
-                      <a:endParaRPr lang="en-VN" sz="2000" dirty="0"/>
-                    </a:p>
-                  </a:txBody>
-                  <a:tcPr/>
-                </a:tc>
-                <a:extLst>
-                  <a:ext uri="{0D108BD9-81ED-4DB2-BD59-A6C34878D82A}">
-                    <a16:rowId xmlns:a16="http://schemas.microsoft.com/office/drawing/2014/main" val="3874263939"/>
-                  </a:ext>
-                </a:extLst>
-              </a:tr>
-              <a:tr h="714253">
-                <a:tc>
-                  <a:txBody>
-                    <a:bodyPr/>
-                    <a:lstStyle/>
-                    <a:p>
-                      <a:pPr algn="ctr"/>
-                      <a:r>
-                        <a:rPr lang="en-VN" sz="2000" b="1" dirty="0">
-                          <a:solidFill>
-                            <a:schemeClr val="bg2">
-                              <a:lumMod val="50000"/>
-                            </a:schemeClr>
-                          </a:solidFill>
-                        </a:rPr>
-                        <a:t>Meanuv</a:t>
-                      </a:r>
-                    </a:p>
-                  </a:txBody>
-                  <a:tcPr/>
-                </a:tc>
-                <a:tc>
-                  <a:txBody>
-                    <a:bodyPr/>
-                    <a:lstStyle/>
-                    <a:p>
-                      <a:pPr marL="0" marR="0" lvl="0" indent="0" algn="ctr" defTabSz="914400" rtl="0" eaLnBrk="1" fontAlgn="auto" latinLnBrk="0" hangingPunct="1">
-                        <a:lnSpc>
-                          <a:spcPct val="100000"/>
-                        </a:lnSpc>
-                        <a:spcBef>
-                          <a:spcPts val="0"/>
-                        </a:spcBef>
-                        <a:spcAft>
-                          <a:spcPts val="0"/>
-                        </a:spcAft>
-                        <a:buClr>
-                          <a:srgbClr val="000000"/>
-                        </a:buClr>
-                        <a:buSzTx/>
-                        <a:buFont typeface="Arial"/>
-                        <a:buNone/>
-                        <a:tabLst/>
-                        <a:defRPr/>
-                      </a:pPr>
-                      <a:r>
-                        <a:rPr lang="en-VN" sz="2000" b="0" i="0" u="none" strike="noStrike" cap="none" dirty="0">
-                          <a:solidFill>
-                            <a:schemeClr val="dk1"/>
-                          </a:solidFill>
-                          <a:effectLst/>
-                          <a:latin typeface="+mn-lt"/>
-                          <a:ea typeface="+mn-ea"/>
-                          <a:cs typeface="+mn-cs"/>
-                          <a:sym typeface="Arial"/>
-                        </a:rPr>
-                        <a:t>0.2464</a:t>
-                      </a:r>
-                    </a:p>
-                    <a:p>
-                      <a:pPr algn="ctr"/>
-                      <a:endParaRPr lang="en-VN" sz="2000" dirty="0"/>
-                    </a:p>
-                  </a:txBody>
-                  <a:tcPr/>
-                </a:tc>
-                <a:tc>
-                  <a:txBody>
-                    <a:bodyPr/>
-                    <a:lstStyle/>
-                    <a:p>
-                      <a:pPr marL="0" marR="0" lvl="0" indent="0" algn="ctr" defTabSz="914400" rtl="0" eaLnBrk="1" fontAlgn="auto" latinLnBrk="0" hangingPunct="1">
-                        <a:lnSpc>
-                          <a:spcPct val="100000"/>
-                        </a:lnSpc>
-                        <a:spcBef>
-                          <a:spcPts val="0"/>
-                        </a:spcBef>
-                        <a:spcAft>
-                          <a:spcPts val="0"/>
-                        </a:spcAft>
-                        <a:buClr>
-                          <a:srgbClr val="000000"/>
-                        </a:buClr>
-                        <a:buSzTx/>
-                        <a:buFont typeface="Arial"/>
-                        <a:buNone/>
-                        <a:tabLst/>
-                        <a:defRPr/>
-                      </a:pPr>
-                      <a:r>
-                        <a:rPr lang="en-VN" sz="2000" b="0" i="0" u="none" strike="noStrike" cap="none" dirty="0">
-                          <a:solidFill>
-                            <a:schemeClr val="dk1"/>
-                          </a:solidFill>
-                          <a:effectLst/>
-                          <a:latin typeface="+mn-lt"/>
-                          <a:ea typeface="+mn-ea"/>
-                          <a:cs typeface="+mn-cs"/>
-                          <a:sym typeface="Arial"/>
-                        </a:rPr>
-                        <a:t>0.1889</a:t>
-                      </a:r>
-                    </a:p>
-                  </a:txBody>
-                  <a:tcPr/>
-                </a:tc>
-                <a:tc>
-                  <a:txBody>
-                    <a:bodyPr/>
-                    <a:lstStyle/>
-                    <a:p>
-                      <a:pPr marL="0" marR="0" lvl="0" indent="0" algn="ctr" defTabSz="914400" rtl="0" eaLnBrk="1" fontAlgn="auto" latinLnBrk="0" hangingPunct="1">
-                        <a:lnSpc>
-                          <a:spcPct val="100000"/>
-                        </a:lnSpc>
-                        <a:spcBef>
-                          <a:spcPts val="0"/>
-                        </a:spcBef>
-                        <a:spcAft>
-                          <a:spcPts val="0"/>
-                        </a:spcAft>
-                        <a:buClr>
-                          <a:srgbClr val="000000"/>
-                        </a:buClr>
-                        <a:buSzTx/>
-                        <a:buFont typeface="Arial"/>
-                        <a:buNone/>
-                        <a:tabLst/>
-                        <a:defRPr/>
-                      </a:pPr>
-                      <a:r>
-                        <a:rPr lang="en-VN" sz="2000" b="0" i="0" u="none" strike="noStrike" cap="none" dirty="0">
-                          <a:solidFill>
-                            <a:schemeClr val="dk1"/>
-                          </a:solidFill>
-                          <a:effectLst/>
-                          <a:latin typeface="+mn-lt"/>
-                          <a:ea typeface="+mn-ea"/>
-                          <a:cs typeface="+mn-cs"/>
-                          <a:sym typeface="Arial"/>
-                        </a:rPr>
-                        <a:t>0.2275</a:t>
-                      </a:r>
-                    </a:p>
-                  </a:txBody>
-                  <a:tcPr/>
-                </a:tc>
-                <a:tc>
-                  <a:txBody>
-                    <a:bodyPr/>
-                    <a:lstStyle/>
-                    <a:p>
-                      <a:pPr marL="0" marR="0" lvl="0" indent="0" algn="ctr" defTabSz="914400" rtl="0" eaLnBrk="1" fontAlgn="auto" latinLnBrk="0" hangingPunct="1">
-                        <a:lnSpc>
-                          <a:spcPct val="100000"/>
-                        </a:lnSpc>
-                        <a:spcBef>
-                          <a:spcPts val="0"/>
-                        </a:spcBef>
-                        <a:spcAft>
-                          <a:spcPts val="0"/>
-                        </a:spcAft>
-                        <a:buClr>
-                          <a:srgbClr val="000000"/>
-                        </a:buClr>
-                        <a:buSzTx/>
-                        <a:buFont typeface="Arial"/>
-                        <a:buNone/>
-                        <a:tabLst/>
-                        <a:defRPr/>
-                      </a:pPr>
-                      <a:r>
-                        <a:rPr lang="en-VN" sz="2000" b="0" i="0" u="none" strike="noStrike" cap="none" dirty="0">
-                          <a:solidFill>
-                            <a:schemeClr val="dk1"/>
-                          </a:solidFill>
-                          <a:effectLst/>
-                          <a:latin typeface="+mn-lt"/>
-                          <a:ea typeface="+mn-ea"/>
-                          <a:cs typeface="+mn-cs"/>
-                          <a:sym typeface="Arial"/>
-                        </a:rPr>
-                        <a:t>0.2730</a:t>
-                      </a:r>
-                    </a:p>
-                    <a:p>
-                      <a:pPr algn="ctr"/>
-                      <a:endParaRPr lang="en-VN" sz="2000" dirty="0"/>
-                    </a:p>
-                  </a:txBody>
-                  <a:tcPr/>
-                </a:tc>
-                <a:extLst>
-                  <a:ext uri="{0D108BD9-81ED-4DB2-BD59-A6C34878D82A}">
-                    <a16:rowId xmlns:a16="http://schemas.microsoft.com/office/drawing/2014/main" val="3732852221"/>
-                  </a:ext>
-                </a:extLst>
-              </a:tr>
-              <a:tr h="714253">
-                <a:tc>
-                  <a:txBody>
-                    <a:bodyPr/>
-                    <a:lstStyle/>
-                    <a:p>
-                      <a:pPr algn="ctr"/>
-                      <a:r>
-                        <a:rPr lang="en-VN" sz="2000" b="1" dirty="0">
-                          <a:solidFill>
-                            <a:schemeClr val="bg2">
-                              <a:lumMod val="50000"/>
-                            </a:schemeClr>
-                          </a:solidFill>
-                        </a:rPr>
-                        <a:t>Stduv</a:t>
-                      </a:r>
-                    </a:p>
-                  </a:txBody>
-                  <a:tcPr/>
-                </a:tc>
-                <a:tc>
-                  <a:txBody>
-                    <a:bodyPr/>
-                    <a:lstStyle/>
-                    <a:p>
-                      <a:pPr marL="0" marR="0" lvl="0" indent="0" algn="ctr" defTabSz="914400" rtl="0" eaLnBrk="1" fontAlgn="auto" latinLnBrk="0" hangingPunct="1">
-                        <a:lnSpc>
-                          <a:spcPct val="100000"/>
-                        </a:lnSpc>
-                        <a:spcBef>
-                          <a:spcPts val="0"/>
-                        </a:spcBef>
-                        <a:spcAft>
-                          <a:spcPts val="0"/>
-                        </a:spcAft>
-                        <a:buClr>
-                          <a:srgbClr val="000000"/>
-                        </a:buClr>
-                        <a:buSzTx/>
-                        <a:buFont typeface="Arial"/>
-                        <a:buNone/>
-                        <a:tabLst/>
-                        <a:defRPr/>
-                      </a:pPr>
-                      <a:r>
-                        <a:rPr lang="en-VN" sz="2000" b="0" i="0" u="none" strike="noStrike" cap="none" dirty="0">
-                          <a:solidFill>
-                            <a:schemeClr val="dk1"/>
-                          </a:solidFill>
-                          <a:effectLst/>
-                          <a:latin typeface="+mn-lt"/>
-                          <a:ea typeface="+mn-ea"/>
-                          <a:cs typeface="+mn-cs"/>
-                          <a:sym typeface="Arial"/>
-                        </a:rPr>
-                        <a:t>0.1914</a:t>
-                      </a:r>
-                    </a:p>
-                  </a:txBody>
-                  <a:tcPr/>
-                </a:tc>
-                <a:tc>
-                  <a:txBody>
-                    <a:bodyPr/>
-                    <a:lstStyle/>
-                    <a:p>
-                      <a:pPr marL="0" marR="0" lvl="0" indent="0" algn="ctr" defTabSz="914400" rtl="0" eaLnBrk="1" fontAlgn="auto" latinLnBrk="0" hangingPunct="1">
-                        <a:lnSpc>
-                          <a:spcPct val="100000"/>
-                        </a:lnSpc>
-                        <a:spcBef>
-                          <a:spcPts val="0"/>
-                        </a:spcBef>
-                        <a:spcAft>
-                          <a:spcPts val="0"/>
-                        </a:spcAft>
-                        <a:buClr>
-                          <a:srgbClr val="000000"/>
-                        </a:buClr>
-                        <a:buSzTx/>
-                        <a:buFont typeface="Arial"/>
-                        <a:buNone/>
-                        <a:tabLst/>
-                        <a:defRPr/>
-                      </a:pPr>
-                      <a:r>
-                        <a:rPr lang="en-VN" sz="2000" b="0" i="0" u="none" strike="noStrike" cap="none" dirty="0">
-                          <a:solidFill>
-                            <a:schemeClr val="dk1"/>
-                          </a:solidFill>
-                          <a:effectLst/>
-                          <a:latin typeface="+mn-lt"/>
-                          <a:ea typeface="+mn-ea"/>
-                          <a:cs typeface="+mn-cs"/>
-                          <a:sym typeface="Arial"/>
-                        </a:rPr>
-                        <a:t>0.1951</a:t>
-                      </a:r>
-                    </a:p>
-                  </a:txBody>
-                  <a:tcPr/>
-                </a:tc>
-                <a:tc>
-                  <a:txBody>
-                    <a:bodyPr/>
-                    <a:lstStyle/>
-                    <a:p>
-                      <a:pPr marL="0" marR="0" lvl="0" indent="0" algn="ctr" defTabSz="914400" rtl="0" eaLnBrk="1" fontAlgn="auto" latinLnBrk="0" hangingPunct="1">
-                        <a:lnSpc>
-                          <a:spcPct val="100000"/>
-                        </a:lnSpc>
-                        <a:spcBef>
-                          <a:spcPts val="0"/>
-                        </a:spcBef>
-                        <a:spcAft>
-                          <a:spcPts val="0"/>
-                        </a:spcAft>
-                        <a:buClr>
-                          <a:srgbClr val="000000"/>
-                        </a:buClr>
-                        <a:buSzTx/>
-                        <a:buFont typeface="Arial"/>
-                        <a:buNone/>
-                        <a:tabLst/>
-                        <a:defRPr/>
-                      </a:pPr>
-                      <a:r>
-                        <a:rPr lang="en-VN" sz="2000" b="0" i="0" u="none" strike="noStrike" cap="none" dirty="0">
-                          <a:solidFill>
-                            <a:schemeClr val="dk1"/>
-                          </a:solidFill>
-                          <a:effectLst/>
-                          <a:latin typeface="+mn-lt"/>
-                          <a:ea typeface="+mn-ea"/>
-                          <a:cs typeface="+mn-cs"/>
-                          <a:sym typeface="Arial"/>
-                        </a:rPr>
-                        <a:t>0.1465</a:t>
-                      </a:r>
-                    </a:p>
-                    <a:p>
-                      <a:pPr algn="ctr"/>
-                      <a:endParaRPr lang="en-VN" sz="2000" dirty="0"/>
-                    </a:p>
-                  </a:txBody>
-                  <a:tcPr/>
-                </a:tc>
-                <a:tc>
-                  <a:txBody>
-                    <a:bodyPr/>
-                    <a:lstStyle/>
-                    <a:p>
-                      <a:pPr marL="0" marR="0" lvl="0" indent="0" algn="ctr" defTabSz="914400" rtl="0" eaLnBrk="1" fontAlgn="auto" latinLnBrk="0" hangingPunct="1">
-                        <a:lnSpc>
-                          <a:spcPct val="100000"/>
-                        </a:lnSpc>
-                        <a:spcBef>
-                          <a:spcPts val="0"/>
-                        </a:spcBef>
-                        <a:spcAft>
-                          <a:spcPts val="0"/>
-                        </a:spcAft>
-                        <a:buClr>
-                          <a:srgbClr val="000000"/>
-                        </a:buClr>
-                        <a:buSzTx/>
-                        <a:buFont typeface="Arial"/>
-                        <a:buNone/>
-                        <a:tabLst/>
-                        <a:defRPr/>
-                      </a:pPr>
-                      <a:r>
-                        <a:rPr lang="en-VN" sz="2000" b="0" i="0" u="none" strike="noStrike" cap="none" dirty="0">
-                          <a:solidFill>
-                            <a:schemeClr val="dk1"/>
-                          </a:solidFill>
-                          <a:effectLst/>
-                          <a:latin typeface="+mn-lt"/>
-                          <a:ea typeface="+mn-ea"/>
-                          <a:cs typeface="+mn-cs"/>
-                          <a:sym typeface="Arial"/>
-                        </a:rPr>
-                        <a:t>0.2679</a:t>
-                      </a:r>
-                    </a:p>
-                  </a:txBody>
-                  <a:tcPr/>
-                </a:tc>
-                <a:extLst>
-                  <a:ext uri="{0D108BD9-81ED-4DB2-BD59-A6C34878D82A}">
-                    <a16:rowId xmlns:a16="http://schemas.microsoft.com/office/drawing/2014/main" val="1354287867"/>
-                  </a:ext>
-                </a:extLst>
-              </a:tr>
-            </a:tbl>
-          </a:graphicData>
-        </a:graphic>
-      </p:graphicFrame>
+          <p:cNvPicPr>
+            <a:picLocks noChangeAspect="1"/>
+          </p:cNvPicPr>
+          <p:nvPr/>
+        </p:nvPicPr>
+        <p:blipFill>
+          <a:blip r:embed="rId3"/>
+          <a:stretch>
+            <a:fillRect/>
+          </a:stretch>
+        </p:blipFill>
+        <p:spPr>
+          <a:xfrm>
+            <a:off x="345990" y="1408670"/>
+            <a:ext cx="9957738" cy="4518030"/>
+          </a:xfrm>
+          <a:prstGeom prst="rect">
+            <a:avLst/>
+          </a:prstGeom>
+        </p:spPr>
+      </p:pic>
       <p:sp>
         <p:nvSpPr>
-          <p:cNvPr id="5" name="TextBox 4">
+          <p:cNvPr id="9" name="TextBox 8">
             <a:extLst>
               <a:ext uri="{FF2B5EF4-FFF2-40B4-BE49-F238E27FC236}">
-                <a16:creationId xmlns:a16="http://schemas.microsoft.com/office/drawing/2014/main" id="{7B513E3B-664B-934C-A698-0747B5005CF5}"/>
+                <a16:creationId xmlns:a16="http://schemas.microsoft.com/office/drawing/2014/main" id="{81DEB13A-6045-E543-A435-559B50247122}"/>
               </a:ext>
             </a:extLst>
           </p:cNvPr>
@@ -23036,8 +18886,8 @@
         </p:nvSpPr>
         <p:spPr>
           <a:xfrm>
-            <a:off x="451018" y="5776224"/>
-            <a:ext cx="8309610" cy="477054"/>
+            <a:off x="451028" y="5933218"/>
+            <a:ext cx="8309610" cy="861774"/>
           </a:xfrm>
           <a:prstGeom prst="rect">
             <a:avLst/>
@@ -23059,28 +18909,7 @@
                 </a:solidFill>
                 <a:sym typeface="Wingdings" pitchFamily="2" charset="2"/>
               </a:rPr>
-              <a:t> Threshold: (0.185+0.181+0.203+0.183)/4 </a:t>
-            </a:r>
-            <a:r>
-              <a:rPr lang="en-VN" sz="2500">
-                <a:solidFill>
-                  <a:schemeClr val="bg2">
-                    <a:lumMod val="50000"/>
-                  </a:schemeClr>
-                </a:solidFill>
-                <a:sym typeface="Wingdings" pitchFamily="2" charset="2"/>
-              </a:rPr>
-              <a:t>~= </a:t>
-            </a:r>
-            <a:r>
-              <a:rPr lang="en-VN" sz="2500" b="1">
-                <a:solidFill>
-                  <a:schemeClr val="bg2">
-                    <a:lumMod val="50000"/>
-                  </a:schemeClr>
-                </a:solidFill>
-              </a:rPr>
-              <a:t>0.185</a:t>
+              <a:t> Thuật toán ACF cho ra độ chính xác cao hơn, sai số trung bình 3,3%</a:t>
             </a:r>
             <a:endParaRPr lang="en-VN" sz="2500" b="1" dirty="0">
               <a:solidFill>
@@ -23095,7 +18924,7 @@
     </p:spTree>
     <p:extLst>
       <p:ext uri="{BB962C8B-B14F-4D97-AF65-F5344CB8AC3E}">
-        <p14:creationId xmlns:p14="http://schemas.microsoft.com/office/powerpoint/2010/main" val="3088539536"/>
+        <p14:creationId xmlns:p14="http://schemas.microsoft.com/office/powerpoint/2010/main" val="873403689"/>
       </p:ext>
     </p:extLst>
   </p:cSld>
